--- a/Abbildungen/wtfi_9_frequentistische_inferenz.pptx
+++ b/Abbildungen/wtfi_9_frequentistische_inferenz.pptx
@@ -243,7 +243,7 @@
           <a:p>
             <a:fld id="{6AC0B27E-A263-45D8-A3A3-5C00D0A59E1B}" type="datetimeFigureOut">
               <a:rPr lang="de-DE" smtClean="0"/>
-              <a:t>14.05.2021</a:t>
+              <a:t>14.12.2022</a:t>
             </a:fld>
             <a:endParaRPr lang="de-DE"/>
           </a:p>
@@ -413,7 +413,7 @@
           <a:p>
             <a:fld id="{6AC0B27E-A263-45D8-A3A3-5C00D0A59E1B}" type="datetimeFigureOut">
               <a:rPr lang="de-DE" smtClean="0"/>
-              <a:t>14.05.2021</a:t>
+              <a:t>14.12.2022</a:t>
             </a:fld>
             <a:endParaRPr lang="de-DE"/>
           </a:p>
@@ -593,7 +593,7 @@
           <a:p>
             <a:fld id="{6AC0B27E-A263-45D8-A3A3-5C00D0A59E1B}" type="datetimeFigureOut">
               <a:rPr lang="de-DE" smtClean="0"/>
-              <a:t>14.05.2021</a:t>
+              <a:t>14.12.2022</a:t>
             </a:fld>
             <a:endParaRPr lang="de-DE"/>
           </a:p>
@@ -763,7 +763,7 @@
           <a:p>
             <a:fld id="{6AC0B27E-A263-45D8-A3A3-5C00D0A59E1B}" type="datetimeFigureOut">
               <a:rPr lang="de-DE" smtClean="0"/>
-              <a:t>14.05.2021</a:t>
+              <a:t>14.12.2022</a:t>
             </a:fld>
             <a:endParaRPr lang="de-DE"/>
           </a:p>
@@ -1009,7 +1009,7 @@
           <a:p>
             <a:fld id="{6AC0B27E-A263-45D8-A3A3-5C00D0A59E1B}" type="datetimeFigureOut">
               <a:rPr lang="de-DE" smtClean="0"/>
-              <a:t>14.05.2021</a:t>
+              <a:t>14.12.2022</a:t>
             </a:fld>
             <a:endParaRPr lang="de-DE"/>
           </a:p>
@@ -1241,7 +1241,7 @@
           <a:p>
             <a:fld id="{6AC0B27E-A263-45D8-A3A3-5C00D0A59E1B}" type="datetimeFigureOut">
               <a:rPr lang="de-DE" smtClean="0"/>
-              <a:t>14.05.2021</a:t>
+              <a:t>14.12.2022</a:t>
             </a:fld>
             <a:endParaRPr lang="de-DE"/>
           </a:p>
@@ -1608,7 +1608,7 @@
           <a:p>
             <a:fld id="{6AC0B27E-A263-45D8-A3A3-5C00D0A59E1B}" type="datetimeFigureOut">
               <a:rPr lang="de-DE" smtClean="0"/>
-              <a:t>14.05.2021</a:t>
+              <a:t>14.12.2022</a:t>
             </a:fld>
             <a:endParaRPr lang="de-DE"/>
           </a:p>
@@ -1726,7 +1726,7 @@
           <a:p>
             <a:fld id="{6AC0B27E-A263-45D8-A3A3-5C00D0A59E1B}" type="datetimeFigureOut">
               <a:rPr lang="de-DE" smtClean="0"/>
-              <a:t>14.05.2021</a:t>
+              <a:t>14.12.2022</a:t>
             </a:fld>
             <a:endParaRPr lang="de-DE"/>
           </a:p>
@@ -1821,7 +1821,7 @@
           <a:p>
             <a:fld id="{6AC0B27E-A263-45D8-A3A3-5C00D0A59E1B}" type="datetimeFigureOut">
               <a:rPr lang="de-DE" smtClean="0"/>
-              <a:t>14.05.2021</a:t>
+              <a:t>14.12.2022</a:t>
             </a:fld>
             <a:endParaRPr lang="de-DE"/>
           </a:p>
@@ -2098,7 +2098,7 @@
           <a:p>
             <a:fld id="{6AC0B27E-A263-45D8-A3A3-5C00D0A59E1B}" type="datetimeFigureOut">
               <a:rPr lang="de-DE" smtClean="0"/>
-              <a:t>14.05.2021</a:t>
+              <a:t>14.12.2022</a:t>
             </a:fld>
             <a:endParaRPr lang="de-DE"/>
           </a:p>
@@ -2355,7 +2355,7 @@
           <a:p>
             <a:fld id="{6AC0B27E-A263-45D8-A3A3-5C00D0A59E1B}" type="datetimeFigureOut">
               <a:rPr lang="de-DE" smtClean="0"/>
-              <a:t>14.05.2021</a:t>
+              <a:t>14.12.2022</a:t>
             </a:fld>
             <a:endParaRPr lang="de-DE"/>
           </a:p>
@@ -2568,7 +2568,7 @@
           <a:p>
             <a:fld id="{6AC0B27E-A263-45D8-A3A3-5C00D0A59E1B}" type="datetimeFigureOut">
               <a:rPr lang="de-DE" smtClean="0"/>
-              <a:t>14.05.2021</a:t>
+              <a:t>14.12.2022</a:t>
             </a:fld>
             <a:endParaRPr lang="de-DE"/>
           </a:p>
@@ -2973,237 +2973,254 @@
           <a:chExt cx="0" cy="0"/>
         </a:xfrm>
       </p:grpSpPr>
-      <p:grpSp>
-        <p:nvGrpSpPr>
-          <p:cNvPr id="6" name="Gruppieren 5">
+      <p:sp>
+        <p:nvSpPr>
+          <p:cNvPr id="4" name="Rechteck 3">
             <a:extLst>
               <a:ext uri="{FF2B5EF4-FFF2-40B4-BE49-F238E27FC236}">
-                <a16:creationId xmlns:a16="http://schemas.microsoft.com/office/drawing/2014/main" id="{933A5F87-8B07-4899-8EDC-013A34CF3DFE}"/>
+                <a16:creationId xmlns:a16="http://schemas.microsoft.com/office/drawing/2014/main" id="{4389AF72-A8CF-433E-B2DB-3E9F6DB49091}"/>
               </a:ext>
             </a:extLst>
           </p:cNvPr>
-          <p:cNvGrpSpPr/>
+          <p:cNvSpPr/>
           <p:nvPr/>
-        </p:nvGrpSpPr>
-        <p:grpSpPr>
+        </p:nvSpPr>
+        <p:spPr>
           <a:xfrm>
             <a:off x="236399" y="175805"/>
             <a:ext cx="9607827" cy="5049064"/>
-            <a:chOff x="236398" y="175805"/>
-            <a:chExt cx="9607827" cy="5049064"/>
           </a:xfrm>
-        </p:grpSpPr>
-        <p:sp>
-          <p:nvSpPr>
-            <p:cNvPr id="4" name="Rechteck 3">
-              <a:extLst>
-                <a:ext uri="{FF2B5EF4-FFF2-40B4-BE49-F238E27FC236}">
-                  <a16:creationId xmlns:a16="http://schemas.microsoft.com/office/drawing/2014/main" id="{4389AF72-A8CF-433E-B2DB-3E9F6DB49091}"/>
-                </a:ext>
-              </a:extLst>
-            </p:cNvPr>
-            <p:cNvSpPr/>
-            <p:nvPr/>
-          </p:nvSpPr>
-          <p:spPr>
-            <a:xfrm>
-              <a:off x="236398" y="175805"/>
-              <a:ext cx="9607827" cy="5049064"/>
-            </a:xfrm>
-            <a:prstGeom prst="rect">
-              <a:avLst/>
-            </a:prstGeom>
+          <a:prstGeom prst="rect">
+            <a:avLst/>
+          </a:prstGeom>
+          <a:solidFill>
+            <a:schemeClr val="bg1">
+              <a:lumMod val="95000"/>
+            </a:schemeClr>
+          </a:solidFill>
+          <a:ln>
             <a:solidFill>
-              <a:schemeClr val="bg1">
-                <a:lumMod val="95000"/>
-              </a:schemeClr>
+              <a:schemeClr val="bg1"/>
             </a:solidFill>
-            <a:ln>
-              <a:solidFill>
-                <a:schemeClr val="bg1"/>
-              </a:solidFill>
-            </a:ln>
-          </p:spPr>
-          <p:style>
-            <a:lnRef idx="2">
-              <a:schemeClr val="accent1">
-                <a:shade val="50000"/>
-              </a:schemeClr>
-            </a:lnRef>
-            <a:fillRef idx="1">
-              <a:schemeClr val="accent1"/>
-            </a:fillRef>
-            <a:effectRef idx="0">
-              <a:schemeClr val="accent1"/>
-            </a:effectRef>
-            <a:fontRef idx="minor">
-              <a:schemeClr val="lt1"/>
-            </a:fontRef>
-          </p:style>
-          <p:txBody>
-            <a:bodyPr rtlCol="0" anchor="ctr"/>
-            <a:lstStyle/>
-            <a:p>
-              <a:pPr algn="ctr"/>
-              <a:endParaRPr lang="en-GB"/>
-            </a:p>
-          </p:txBody>
-        </p:sp>
-        <p:grpSp>
-          <p:nvGrpSpPr>
-            <p:cNvPr id="53" name="Gruppieren 52">
-              <a:extLst>
-                <a:ext uri="{FF2B5EF4-FFF2-40B4-BE49-F238E27FC236}">
-                  <a16:creationId xmlns:a16="http://schemas.microsoft.com/office/drawing/2014/main" id="{D90909B7-5B95-4F8E-AB64-6A840CC52D8C}"/>
-                </a:ext>
-              </a:extLst>
-            </p:cNvPr>
-            <p:cNvGrpSpPr/>
-            <p:nvPr/>
-          </p:nvGrpSpPr>
-          <p:grpSpPr>
-            <a:xfrm>
-              <a:off x="349090" y="352495"/>
-              <a:ext cx="9423665" cy="4872374"/>
-              <a:chOff x="662730" y="1335277"/>
-              <a:chExt cx="9423665" cy="4872374"/>
-            </a:xfrm>
-          </p:grpSpPr>
-          <p:cxnSp>
-            <p:nvCxnSpPr>
-              <p:cNvPr id="48" name="Gerader Verbinder 47">
+          </a:ln>
+        </p:spPr>
+        <p:style>
+          <a:lnRef idx="2">
+            <a:schemeClr val="accent1">
+              <a:shade val="50000"/>
+            </a:schemeClr>
+          </a:lnRef>
+          <a:fillRef idx="1">
+            <a:schemeClr val="accent1"/>
+          </a:fillRef>
+          <a:effectRef idx="0">
+            <a:schemeClr val="accent1"/>
+          </a:effectRef>
+          <a:fontRef idx="minor">
+            <a:schemeClr val="lt1"/>
+          </a:fontRef>
+        </p:style>
+        <p:txBody>
+          <a:bodyPr rtlCol="0" anchor="ctr"/>
+          <a:lstStyle/>
+          <a:p>
+            <a:pPr algn="ctr"/>
+            <a:endParaRPr lang="en-GB"/>
+          </a:p>
+        </p:txBody>
+      </p:sp>
+      <p:cxnSp>
+        <p:nvCxnSpPr>
+          <p:cNvPr id="48" name="Gerader Verbinder 47">
+            <a:extLst>
+              <a:ext uri="{FF2B5EF4-FFF2-40B4-BE49-F238E27FC236}">
+                <a16:creationId xmlns:a16="http://schemas.microsoft.com/office/drawing/2014/main" id="{C665D8BC-A1F4-456E-8C97-EFCE362CD6A2}"/>
+              </a:ext>
+            </a:extLst>
+          </p:cNvPr>
+          <p:cNvCxnSpPr>
+            <a:cxnSpLocks/>
+          </p:cNvCxnSpPr>
+          <p:nvPr/>
+        </p:nvCxnSpPr>
+        <p:spPr>
+          <a:xfrm>
+            <a:off x="349091" y="2855215"/>
+            <a:ext cx="2676939" cy="0"/>
+          </a:xfrm>
+          <a:prstGeom prst="line">
+            <a:avLst/>
+          </a:prstGeom>
+          <a:ln>
+            <a:solidFill>
+              <a:schemeClr val="tx1"/>
+            </a:solidFill>
+          </a:ln>
+        </p:spPr>
+        <p:style>
+          <a:lnRef idx="1">
+            <a:schemeClr val="accent1"/>
+          </a:lnRef>
+          <a:fillRef idx="0">
+            <a:schemeClr val="accent1"/>
+          </a:fillRef>
+          <a:effectRef idx="0">
+            <a:schemeClr val="accent1"/>
+          </a:effectRef>
+          <a:fontRef idx="minor">
+            <a:schemeClr val="tx1"/>
+          </a:fontRef>
+        </p:style>
+      </p:cxnSp>
+      <p:cxnSp>
+        <p:nvCxnSpPr>
+          <p:cNvPr id="43" name="Gerader Verbinder 42">
+            <a:extLst>
+              <a:ext uri="{FF2B5EF4-FFF2-40B4-BE49-F238E27FC236}">
+                <a16:creationId xmlns:a16="http://schemas.microsoft.com/office/drawing/2014/main" id="{81841A5B-5DA1-4863-B0A3-8970A34551BC}"/>
+              </a:ext>
+            </a:extLst>
+          </p:cNvPr>
+          <p:cNvCxnSpPr>
+            <a:cxnSpLocks/>
+          </p:cNvCxnSpPr>
+          <p:nvPr/>
+        </p:nvCxnSpPr>
+        <p:spPr>
+          <a:xfrm flipV="1">
+            <a:off x="6263701" y="4409368"/>
+            <a:ext cx="3360987" cy="1"/>
+          </a:xfrm>
+          <a:prstGeom prst="line">
+            <a:avLst/>
+          </a:prstGeom>
+          <a:ln>
+            <a:solidFill>
+              <a:schemeClr val="tx1"/>
+            </a:solidFill>
+          </a:ln>
+        </p:spPr>
+        <p:style>
+          <a:lnRef idx="1">
+            <a:schemeClr val="accent1"/>
+          </a:lnRef>
+          <a:fillRef idx="0">
+            <a:schemeClr val="accent1"/>
+          </a:fillRef>
+          <a:effectRef idx="0">
+            <a:schemeClr val="accent1"/>
+          </a:effectRef>
+          <a:fontRef idx="minor">
+            <a:schemeClr val="tx1"/>
+          </a:fontRef>
+        </p:style>
+      </p:cxnSp>
+      <p:cxnSp>
+        <p:nvCxnSpPr>
+          <p:cNvPr id="42" name="Gerader Verbinder 41">
+            <a:extLst>
+              <a:ext uri="{FF2B5EF4-FFF2-40B4-BE49-F238E27FC236}">
+                <a16:creationId xmlns:a16="http://schemas.microsoft.com/office/drawing/2014/main" id="{50765DAF-600F-4A45-866C-F7A7CD5A5517}"/>
+              </a:ext>
+            </a:extLst>
+          </p:cNvPr>
+          <p:cNvCxnSpPr>
+            <a:cxnSpLocks/>
+          </p:cNvCxnSpPr>
+          <p:nvPr/>
+        </p:nvCxnSpPr>
+        <p:spPr>
+          <a:xfrm flipV="1">
+            <a:off x="6263701" y="2860386"/>
+            <a:ext cx="3360987" cy="1"/>
+          </a:xfrm>
+          <a:prstGeom prst="line">
+            <a:avLst/>
+          </a:prstGeom>
+          <a:ln>
+            <a:solidFill>
+              <a:schemeClr val="tx1"/>
+            </a:solidFill>
+          </a:ln>
+        </p:spPr>
+        <p:style>
+          <a:lnRef idx="1">
+            <a:schemeClr val="accent1"/>
+          </a:lnRef>
+          <a:fillRef idx="0">
+            <a:schemeClr val="accent1"/>
+          </a:fillRef>
+          <a:effectRef idx="0">
+            <a:schemeClr val="accent1"/>
+          </a:effectRef>
+          <a:fontRef idx="minor">
+            <a:schemeClr val="tx1"/>
+          </a:fontRef>
+        </p:style>
+      </p:cxnSp>
+      <p:sp>
+        <p:nvSpPr>
+          <p:cNvPr id="8" name="Textfeld 7">
+            <a:extLst>
+              <a:ext uri="{FF2B5EF4-FFF2-40B4-BE49-F238E27FC236}">
+                <a16:creationId xmlns:a16="http://schemas.microsoft.com/office/drawing/2014/main" id="{A5D376AD-6C1C-4BEA-8112-D0A9187E46F5}"/>
+              </a:ext>
+            </a:extLst>
+          </p:cNvPr>
+          <p:cNvSpPr txBox="1"/>
+          <p:nvPr/>
+        </p:nvSpPr>
+        <p:spPr>
+          <a:xfrm>
+            <a:off x="1863801" y="327806"/>
+            <a:ext cx="6353021" cy="400110"/>
+          </a:xfrm>
+          <a:prstGeom prst="rect">
+            <a:avLst/>
+          </a:prstGeom>
+          <a:noFill/>
+        </p:spPr>
+        <p:txBody>
+          <a:bodyPr wrap="none" rtlCol="0">
+            <a:spAutoFit/>
+          </a:bodyPr>
+          <a:lstStyle/>
+          <a:p>
+            <a:r>
+              <a:rPr lang="de-DE" sz="2000" dirty="0">
+                <a:latin typeface="CMU Bright" panose="02000603000000000000" pitchFamily="2" charset="0"/>
+                <a:ea typeface="CMU Bright" panose="02000603000000000000" pitchFamily="2" charset="0"/>
+                <a:cs typeface="CMU Bright" panose="02000603000000000000" pitchFamily="2" charset="0"/>
+              </a:rPr>
+              <a:t>Modell und Standardprobleme </a:t>
+            </a:r>
+            <a:r>
+              <a:rPr lang="de-DE" sz="2000" dirty="0" err="1">
+                <a:latin typeface="CMU Bright" panose="02000603000000000000" pitchFamily="2" charset="0"/>
+                <a:ea typeface="CMU Bright" panose="02000603000000000000" pitchFamily="2" charset="0"/>
+                <a:cs typeface="CMU Bright" panose="02000603000000000000" pitchFamily="2" charset="0"/>
+              </a:rPr>
+              <a:t>Frequentistischer</a:t>
+            </a:r>
+            <a:r>
+              <a:rPr lang="de-DE" sz="2000" dirty="0">
+                <a:latin typeface="CMU Bright" panose="02000603000000000000" pitchFamily="2" charset="0"/>
+                <a:ea typeface="CMU Bright" panose="02000603000000000000" pitchFamily="2" charset="0"/>
+                <a:cs typeface="CMU Bright" panose="02000603000000000000" pitchFamily="2" charset="0"/>
+              </a:rPr>
+              <a:t> Inferenz</a:t>
+            </a:r>
+          </a:p>
+        </p:txBody>
+      </p:sp>
+      <mc:AlternateContent xmlns:mc="http://schemas.openxmlformats.org/markup-compatibility/2006" xmlns:a14="http://schemas.microsoft.com/office/drawing/2010/main">
+        <mc:Choice Requires="a14">
+          <p:sp>
+            <p:nvSpPr>
+              <p:cNvPr id="9" name="Textfeld 8">
                 <a:extLst>
                   <a:ext uri="{FF2B5EF4-FFF2-40B4-BE49-F238E27FC236}">
-                    <a16:creationId xmlns:a16="http://schemas.microsoft.com/office/drawing/2014/main" id="{C665D8BC-A1F4-456E-8C97-EFCE362CD6A2}"/>
-                  </a:ext>
-                </a:extLst>
-              </p:cNvPr>
-              <p:cNvCxnSpPr>
-                <a:cxnSpLocks/>
-              </p:cNvCxnSpPr>
-              <p:nvPr/>
-            </p:nvCxnSpPr>
-            <p:spPr>
-              <a:xfrm>
-                <a:off x="662730" y="3837997"/>
-                <a:ext cx="2676939" cy="0"/>
-              </a:xfrm>
-              <a:prstGeom prst="line">
-                <a:avLst/>
-              </a:prstGeom>
-              <a:ln>
-                <a:solidFill>
-                  <a:schemeClr val="tx1"/>
-                </a:solidFill>
-              </a:ln>
-            </p:spPr>
-            <p:style>
-              <a:lnRef idx="1">
-                <a:schemeClr val="accent1"/>
-              </a:lnRef>
-              <a:fillRef idx="0">
-                <a:schemeClr val="accent1"/>
-              </a:fillRef>
-              <a:effectRef idx="0">
-                <a:schemeClr val="accent1"/>
-              </a:effectRef>
-              <a:fontRef idx="minor">
-                <a:schemeClr val="tx1"/>
-              </a:fontRef>
-            </p:style>
-          </p:cxnSp>
-          <p:cxnSp>
-            <p:nvCxnSpPr>
-              <p:cNvPr id="43" name="Gerader Verbinder 42">
-                <a:extLst>
-                  <a:ext uri="{FF2B5EF4-FFF2-40B4-BE49-F238E27FC236}">
-                    <a16:creationId xmlns:a16="http://schemas.microsoft.com/office/drawing/2014/main" id="{81841A5B-5DA1-4863-B0A3-8970A34551BC}"/>
-                  </a:ext>
-                </a:extLst>
-              </p:cNvPr>
-              <p:cNvCxnSpPr>
-                <a:cxnSpLocks/>
-              </p:cNvCxnSpPr>
-              <p:nvPr/>
-            </p:nvCxnSpPr>
-            <p:spPr>
-              <a:xfrm flipV="1">
-                <a:off x="6577340" y="5392150"/>
-                <a:ext cx="3360987" cy="1"/>
-              </a:xfrm>
-              <a:prstGeom prst="line">
-                <a:avLst/>
-              </a:prstGeom>
-              <a:ln>
-                <a:solidFill>
-                  <a:schemeClr val="tx1"/>
-                </a:solidFill>
-              </a:ln>
-            </p:spPr>
-            <p:style>
-              <a:lnRef idx="1">
-                <a:schemeClr val="accent1"/>
-              </a:lnRef>
-              <a:fillRef idx="0">
-                <a:schemeClr val="accent1"/>
-              </a:fillRef>
-              <a:effectRef idx="0">
-                <a:schemeClr val="accent1"/>
-              </a:effectRef>
-              <a:fontRef idx="minor">
-                <a:schemeClr val="tx1"/>
-              </a:fontRef>
-            </p:style>
-          </p:cxnSp>
-          <p:cxnSp>
-            <p:nvCxnSpPr>
-              <p:cNvPr id="42" name="Gerader Verbinder 41">
-                <a:extLst>
-                  <a:ext uri="{FF2B5EF4-FFF2-40B4-BE49-F238E27FC236}">
-                    <a16:creationId xmlns:a16="http://schemas.microsoft.com/office/drawing/2014/main" id="{50765DAF-600F-4A45-866C-F7A7CD5A5517}"/>
-                  </a:ext>
-                </a:extLst>
-              </p:cNvPr>
-              <p:cNvCxnSpPr>
-                <a:cxnSpLocks/>
-              </p:cNvCxnSpPr>
-              <p:nvPr/>
-            </p:nvCxnSpPr>
-            <p:spPr>
-              <a:xfrm flipV="1">
-                <a:off x="6577340" y="3843168"/>
-                <a:ext cx="3360987" cy="1"/>
-              </a:xfrm>
-              <a:prstGeom prst="line">
-                <a:avLst/>
-              </a:prstGeom>
-              <a:ln>
-                <a:solidFill>
-                  <a:schemeClr val="tx1"/>
-                </a:solidFill>
-              </a:ln>
-            </p:spPr>
-            <p:style>
-              <a:lnRef idx="1">
-                <a:schemeClr val="accent1"/>
-              </a:lnRef>
-              <a:fillRef idx="0">
-                <a:schemeClr val="accent1"/>
-              </a:fillRef>
-              <a:effectRef idx="0">
-                <a:schemeClr val="accent1"/>
-              </a:effectRef>
-              <a:fontRef idx="minor">
-                <a:schemeClr val="tx1"/>
-              </a:fontRef>
-            </p:style>
-          </p:cxnSp>
-          <p:sp>
-            <p:nvSpPr>
-              <p:cNvPr id="8" name="Textfeld 7">
-                <a:extLst>
-                  <a:ext uri="{FF2B5EF4-FFF2-40B4-BE49-F238E27FC236}">
-                    <a16:creationId xmlns:a16="http://schemas.microsoft.com/office/drawing/2014/main" id="{A5D376AD-6C1C-4BEA-8112-D0A9187E46F5}"/>
+                    <a16:creationId xmlns:a16="http://schemas.microsoft.com/office/drawing/2014/main" id="{6B730DB8-08DB-4367-BEE4-7E42AEC52107}"/>
                   </a:ext>
                 </a:extLst>
               </p:cNvPr>
@@ -3212,8 +3229,168 @@
             </p:nvSpPr>
             <p:spPr>
               <a:xfrm>
-                <a:off x="2623075" y="1335277"/>
-                <a:ext cx="5461752" cy="430887"/>
+                <a:off x="2683070" y="3001377"/>
+                <a:ext cx="227626" cy="276999"/>
+              </a:xfrm>
+              <a:prstGeom prst="rect">
+                <a:avLst/>
+              </a:prstGeom>
+              <a:noFill/>
+            </p:spPr>
+            <p:txBody>
+              <a:bodyPr wrap="none" lIns="0" tIns="0" rIns="0" bIns="0" rtlCol="0">
+                <a:spAutoFit/>
+              </a:bodyPr>
+              <a:lstStyle/>
+              <a:p>
+                <a:pPr/>
+                <a14:m>
+                  <m:oMathPara xmlns:m="http://schemas.openxmlformats.org/officeDocument/2006/math">
+                    <m:oMathParaPr>
+                      <m:jc m:val="centerGroup"/>
+                    </m:oMathParaPr>
+                    <m:oMath xmlns:m="http://schemas.openxmlformats.org/officeDocument/2006/math">
+                      <m:r>
+                        <m:rPr>
+                          <m:sty m:val="p"/>
+                        </m:rPr>
+                        <a:rPr lang="de-DE" i="1">
+                          <a:latin typeface="Cambria Math" panose="02040503050406030204" pitchFamily="18" charset="0"/>
+                        </a:rPr>
+                        <m:t>Θ</m:t>
+                      </m:r>
+                    </m:oMath>
+                  </m:oMathPara>
+                </a14:m>
+                <a:endParaRPr lang="de-DE" dirty="0">
+                  <a:latin typeface="CMU Bright" panose="02000603000000000000" pitchFamily="2" charset="0"/>
+                  <a:ea typeface="CMU Bright" panose="02000603000000000000" pitchFamily="2" charset="0"/>
+                  <a:cs typeface="CMU Bright" panose="02000603000000000000" pitchFamily="2" charset="0"/>
+                </a:endParaRPr>
+              </a:p>
+            </p:txBody>
+          </p:sp>
+        </mc:Choice>
+        <mc:Fallback xmlns="">
+          <p:sp>
+            <p:nvSpPr>
+              <p:cNvPr id="9" name="Textfeld 8">
+                <a:extLst>
+                  <a:ext uri="{FF2B5EF4-FFF2-40B4-BE49-F238E27FC236}">
+                    <a16:creationId xmlns:a16="http://schemas.microsoft.com/office/drawing/2014/main" id="{6B730DB8-08DB-4367-BEE4-7E42AEC52107}"/>
+                  </a:ext>
+                </a:extLst>
+              </p:cNvPr>
+              <p:cNvSpPr txBox="1">
+                <a:spLocks noRot="1" noChangeAspect="1" noMove="1" noResize="1" noEditPoints="1" noAdjustHandles="1" noChangeArrowheads="1" noChangeShapeType="1" noTextEdit="1"/>
+              </p:cNvSpPr>
+              <p:nvPr/>
+            </p:nvSpPr>
+            <p:spPr>
+              <a:xfrm>
+                <a:off x="2683070" y="3001377"/>
+                <a:ext cx="227626" cy="276999"/>
+              </a:xfrm>
+              <a:prstGeom prst="rect">
+                <a:avLst/>
+              </a:prstGeom>
+              <a:blipFill>
+                <a:blip r:embed="rId2"/>
+                <a:stretch>
+                  <a:fillRect l="-18919" r="-21622" b="-4348"/>
+                </a:stretch>
+              </a:blipFill>
+            </p:spPr>
+            <p:txBody>
+              <a:bodyPr/>
+              <a:lstStyle/>
+              <a:p>
+                <a:r>
+                  <a:rPr lang="de-DE">
+                    <a:noFill/>
+                  </a:rPr>
+                  <a:t> </a:t>
+                </a:r>
+              </a:p>
+            </p:txBody>
+          </p:sp>
+        </mc:Fallback>
+      </mc:AlternateContent>
+      <p:sp>
+        <p:nvSpPr>
+          <p:cNvPr id="10" name="Ellipse 9">
+            <a:extLst>
+              <a:ext uri="{FF2B5EF4-FFF2-40B4-BE49-F238E27FC236}">
+                <a16:creationId xmlns:a16="http://schemas.microsoft.com/office/drawing/2014/main" id="{88A719E1-6D83-4439-8FEF-EEE2658630CA}"/>
+              </a:ext>
+            </a:extLst>
+          </p:cNvPr>
+          <p:cNvSpPr/>
+          <p:nvPr/>
+        </p:nvSpPr>
+        <p:spPr>
+          <a:xfrm>
+            <a:off x="924559" y="2774116"/>
+            <a:ext cx="165463" cy="165463"/>
+          </a:xfrm>
+          <a:prstGeom prst="ellipse">
+            <a:avLst/>
+          </a:prstGeom>
+          <a:ln>
+            <a:solidFill>
+              <a:schemeClr val="accent5">
+                <a:lumMod val="75000"/>
+              </a:schemeClr>
+            </a:solidFill>
+          </a:ln>
+        </p:spPr>
+        <p:style>
+          <a:lnRef idx="2">
+            <a:schemeClr val="accent1">
+              <a:shade val="50000"/>
+            </a:schemeClr>
+          </a:lnRef>
+          <a:fillRef idx="1">
+            <a:schemeClr val="accent1"/>
+          </a:fillRef>
+          <a:effectRef idx="0">
+            <a:schemeClr val="accent1"/>
+          </a:effectRef>
+          <a:fontRef idx="minor">
+            <a:schemeClr val="lt1"/>
+          </a:fontRef>
+        </p:style>
+        <p:txBody>
+          <a:bodyPr rtlCol="0" anchor="ctr"/>
+          <a:lstStyle/>
+          <a:p>
+            <a:pPr algn="ctr"/>
+            <a:endParaRPr lang="de-DE">
+              <a:latin typeface="CMU Bright" panose="02000603000000000000" pitchFamily="2" charset="0"/>
+              <a:ea typeface="CMU Bright" panose="02000603000000000000" pitchFamily="2" charset="0"/>
+              <a:cs typeface="CMU Bright" panose="02000603000000000000" pitchFamily="2" charset="0"/>
+            </a:endParaRPr>
+          </a:p>
+        </p:txBody>
+      </p:sp>
+      <mc:AlternateContent xmlns:mc="http://schemas.openxmlformats.org/markup-compatibility/2006" xmlns:a14="http://schemas.microsoft.com/office/drawing/2010/main">
+        <mc:Choice Requires="a14">
+          <p:sp>
+            <p:nvSpPr>
+              <p:cNvPr id="11" name="Textfeld 10">
+                <a:extLst>
+                  <a:ext uri="{FF2B5EF4-FFF2-40B4-BE49-F238E27FC236}">
+                    <a16:creationId xmlns:a16="http://schemas.microsoft.com/office/drawing/2014/main" id="{2A559345-09EE-48D5-BDC2-994749B91975}"/>
+                  </a:ext>
+                </a:extLst>
+              </p:cNvPr>
+              <p:cNvSpPr txBox="1"/>
+              <p:nvPr/>
+            </p:nvSpPr>
+            <p:spPr>
+              <a:xfrm>
+                <a:off x="804884" y="2955210"/>
+                <a:ext cx="398186" cy="369332"/>
               </a:xfrm>
               <a:prstGeom prst="rect">
                 <a:avLst/>
@@ -3226,186 +3403,23 @@
               </a:bodyPr>
               <a:lstStyle/>
               <a:p>
-                <a:r>
-                  <a:rPr lang="de-DE" sz="2200" dirty="0">
-                    <a:latin typeface="CMU Bright" panose="02000603000000000000" pitchFamily="2" charset="0"/>
-                    <a:ea typeface="CMU Bright" panose="02000603000000000000" pitchFamily="2" charset="0"/>
-                    <a:cs typeface="CMU Bright" panose="02000603000000000000" pitchFamily="2" charset="0"/>
-                  </a:rPr>
-                  <a:t>Standardprobleme </a:t>
-                </a:r>
-                <a:r>
-                  <a:rPr lang="de-DE" sz="2200" dirty="0" err="1">
-                    <a:latin typeface="CMU Bright" panose="02000603000000000000" pitchFamily="2" charset="0"/>
-                    <a:ea typeface="CMU Bright" panose="02000603000000000000" pitchFamily="2" charset="0"/>
-                    <a:cs typeface="CMU Bright" panose="02000603000000000000" pitchFamily="2" charset="0"/>
-                  </a:rPr>
-                  <a:t>frequentistischer</a:t>
-                </a:r>
-                <a:r>
-                  <a:rPr lang="de-DE" sz="2200" dirty="0">
-                    <a:latin typeface="CMU Bright" panose="02000603000000000000" pitchFamily="2" charset="0"/>
-                    <a:ea typeface="CMU Bright" panose="02000603000000000000" pitchFamily="2" charset="0"/>
-                    <a:cs typeface="CMU Bright" panose="02000603000000000000" pitchFamily="2" charset="0"/>
-                  </a:rPr>
-                  <a:t> Inferenz</a:t>
-                </a:r>
-              </a:p>
-            </p:txBody>
-          </p:sp>
-          <mc:AlternateContent xmlns:mc="http://schemas.openxmlformats.org/markup-compatibility/2006">
-            <mc:Choice xmlns:a14="http://schemas.microsoft.com/office/drawing/2010/main" Requires="a14">
-              <p:sp>
-                <p:nvSpPr>
-                  <p:cNvPr id="9" name="Textfeld 8">
-                    <a:extLst>
-                      <a:ext uri="{FF2B5EF4-FFF2-40B4-BE49-F238E27FC236}">
-                        <a16:creationId xmlns:a16="http://schemas.microsoft.com/office/drawing/2014/main" id="{6B730DB8-08DB-4367-BEE4-7E42AEC52107}"/>
-                      </a:ext>
-                    </a:extLst>
-                  </p:cNvPr>
-                  <p:cNvSpPr txBox="1"/>
-                  <p:nvPr/>
-                </p:nvSpPr>
-                <p:spPr>
-                  <a:xfrm>
-                    <a:off x="2996709" y="3984159"/>
-                    <a:ext cx="227626" cy="276999"/>
-                  </a:xfrm>
-                  <a:prstGeom prst="rect">
-                    <a:avLst/>
-                  </a:prstGeom>
-                  <a:noFill/>
-                </p:spPr>
-                <p:txBody>
-                  <a:bodyPr wrap="none" lIns="0" tIns="0" rIns="0" bIns="0" rtlCol="0">
-                    <a:spAutoFit/>
-                  </a:bodyPr>
-                  <a:lstStyle/>
-                  <a:p>
-                    <a:pPr/>
-                    <a14:m>
-                      <m:oMathPara xmlns:m="http://schemas.openxmlformats.org/officeDocument/2006/math">
-                        <m:oMathParaPr>
-                          <m:jc m:val="centerGroup"/>
-                        </m:oMathParaPr>
-                        <m:oMath xmlns:m="http://schemas.openxmlformats.org/officeDocument/2006/math">
-                          <m:r>
-                            <m:rPr>
-                              <m:sty m:val="p"/>
-                            </m:rPr>
-                            <a:rPr lang="de-DE" i="1">
-                              <a:latin typeface="Cambria Math" panose="02040503050406030204" pitchFamily="18" charset="0"/>
-                            </a:rPr>
-                            <m:t>Θ</m:t>
-                          </m:r>
-                        </m:oMath>
-                      </m:oMathPara>
-                    </a14:m>
-                    <a:endParaRPr lang="de-DE" dirty="0">
-                      <a:latin typeface="CMU Bright" panose="02000603000000000000" pitchFamily="2" charset="0"/>
-                      <a:ea typeface="CMU Bright" panose="02000603000000000000" pitchFamily="2" charset="0"/>
-                      <a:cs typeface="CMU Bright" panose="02000603000000000000" pitchFamily="2" charset="0"/>
-                    </a:endParaRPr>
-                  </a:p>
-                </p:txBody>
-              </p:sp>
-            </mc:Choice>
-            <mc:Fallback>
-              <p:sp>
-                <p:nvSpPr>
-                  <p:cNvPr id="9" name="Textfeld 8">
-                    <a:extLst>
-                      <a:ext uri="{FF2B5EF4-FFF2-40B4-BE49-F238E27FC236}">
-                        <a16:creationId xmlns:a16="http://schemas.microsoft.com/office/drawing/2014/main" id="{6B730DB8-08DB-4367-BEE4-7E42AEC52107}"/>
-                      </a:ext>
-                    </a:extLst>
-                  </p:cNvPr>
-                  <p:cNvSpPr txBox="1">
-                    <a:spLocks noRot="1" noChangeAspect="1" noMove="1" noResize="1" noEditPoints="1" noAdjustHandles="1" noChangeArrowheads="1" noChangeShapeType="1" noTextEdit="1"/>
-                  </p:cNvSpPr>
-                  <p:nvPr/>
-                </p:nvSpPr>
-                <p:spPr>
-                  <a:xfrm>
-                    <a:off x="2996709" y="3984159"/>
-                    <a:ext cx="227626" cy="276999"/>
-                  </a:xfrm>
-                  <a:prstGeom prst="rect">
-                    <a:avLst/>
-                  </a:prstGeom>
-                  <a:blipFill>
-                    <a:blip r:embed="rId2"/>
-                    <a:stretch>
-                      <a:fillRect l="-18919" r="-21622" b="-4348"/>
-                    </a:stretch>
-                  </a:blipFill>
-                </p:spPr>
-                <p:txBody>
-                  <a:bodyPr/>
-                  <a:lstStyle/>
-                  <a:p>
-                    <a:r>
-                      <a:rPr lang="en-GB">
-                        <a:noFill/>
-                      </a:rPr>
-                      <a:t> </a:t>
-                    </a:r>
-                  </a:p>
-                </p:txBody>
-              </p:sp>
-            </mc:Fallback>
-          </mc:AlternateContent>
-          <p:sp>
-            <p:nvSpPr>
-              <p:cNvPr id="10" name="Ellipse 9">
-                <a:extLst>
-                  <a:ext uri="{FF2B5EF4-FFF2-40B4-BE49-F238E27FC236}">
-                    <a16:creationId xmlns:a16="http://schemas.microsoft.com/office/drawing/2014/main" id="{88A719E1-6D83-4439-8FEF-EEE2658630CA}"/>
-                  </a:ext>
-                </a:extLst>
-              </p:cNvPr>
-              <p:cNvSpPr/>
-              <p:nvPr/>
-            </p:nvSpPr>
-            <p:spPr>
-              <a:xfrm>
-                <a:off x="1238198" y="3756898"/>
-                <a:ext cx="165463" cy="165463"/>
-              </a:xfrm>
-              <a:prstGeom prst="ellipse">
-                <a:avLst/>
-              </a:prstGeom>
-              <a:ln>
-                <a:solidFill>
-                  <a:schemeClr val="accent5">
-                    <a:lumMod val="75000"/>
-                  </a:schemeClr>
-                </a:solidFill>
-              </a:ln>
-            </p:spPr>
-            <p:style>
-              <a:lnRef idx="2">
-                <a:schemeClr val="accent1">
-                  <a:shade val="50000"/>
-                </a:schemeClr>
-              </a:lnRef>
-              <a:fillRef idx="1">
-                <a:schemeClr val="accent1"/>
-              </a:fillRef>
-              <a:effectRef idx="0">
-                <a:schemeClr val="accent1"/>
-              </a:effectRef>
-              <a:fontRef idx="minor">
-                <a:schemeClr val="lt1"/>
-              </a:fontRef>
-            </p:style>
-            <p:txBody>
-              <a:bodyPr rtlCol="0" anchor="ctr"/>
-              <a:lstStyle/>
-              <a:p>
-                <a:pPr algn="ctr"/>
-                <a:endParaRPr lang="de-DE">
+                <a:pPr/>
+                <a14:m>
+                  <m:oMathPara xmlns:m="http://schemas.openxmlformats.org/officeDocument/2006/math">
+                    <m:oMathParaPr>
+                      <m:jc m:val="centerGroup"/>
+                    </m:oMathParaPr>
+                    <m:oMath xmlns:m="http://schemas.openxmlformats.org/officeDocument/2006/math">
+                      <m:r>
+                        <a:rPr lang="de-DE" i="1">
+                          <a:latin typeface="Cambria Math" panose="02040503050406030204" pitchFamily="18" charset="0"/>
+                        </a:rPr>
+                        <m:t>𝜃</m:t>
+                      </m:r>
+                    </m:oMath>
+                  </m:oMathPara>
+                </a14:m>
+                <a:endParaRPr lang="de-DE" dirty="0">
                   <a:latin typeface="CMU Bright" panose="02000603000000000000" pitchFamily="2" charset="0"/>
                   <a:ea typeface="CMU Bright" panose="02000603000000000000" pitchFamily="2" charset="0"/>
                   <a:cs typeface="CMU Bright" panose="02000603000000000000" pitchFamily="2" charset="0"/>
@@ -3413,112 +3427,154 @@
               </a:p>
             </p:txBody>
           </p:sp>
-          <mc:AlternateContent xmlns:mc="http://schemas.openxmlformats.org/markup-compatibility/2006">
-            <mc:Choice xmlns:a14="http://schemas.microsoft.com/office/drawing/2010/main" Requires="a14">
-              <p:sp>
-                <p:nvSpPr>
-                  <p:cNvPr id="11" name="Textfeld 10">
-                    <a:extLst>
-                      <a:ext uri="{FF2B5EF4-FFF2-40B4-BE49-F238E27FC236}">
-                        <a16:creationId xmlns:a16="http://schemas.microsoft.com/office/drawing/2014/main" id="{2A559345-09EE-48D5-BDC2-994749B91975}"/>
-                      </a:ext>
-                    </a:extLst>
-                  </p:cNvPr>
-                  <p:cNvSpPr txBox="1"/>
-                  <p:nvPr/>
-                </p:nvSpPr>
-                <p:spPr>
-                  <a:xfrm>
-                    <a:off x="1118523" y="3937992"/>
-                    <a:ext cx="398186" cy="369332"/>
-                  </a:xfrm>
-                  <a:prstGeom prst="rect">
-                    <a:avLst/>
-                  </a:prstGeom>
-                  <a:noFill/>
-                </p:spPr>
-                <p:txBody>
-                  <a:bodyPr wrap="none" rtlCol="0">
-                    <a:spAutoFit/>
-                  </a:bodyPr>
-                  <a:lstStyle/>
-                  <a:p>
-                    <a:pPr/>
-                    <a14:m>
-                      <m:oMathPara xmlns:m="http://schemas.openxmlformats.org/officeDocument/2006/math">
-                        <m:oMathParaPr>
-                          <m:jc m:val="centerGroup"/>
-                        </m:oMathParaPr>
-                        <m:oMath xmlns:m="http://schemas.openxmlformats.org/officeDocument/2006/math">
-                          <m:r>
-                            <a:rPr lang="de-DE" i="1">
-                              <a:latin typeface="Cambria Math" panose="02040503050406030204" pitchFamily="18" charset="0"/>
-                            </a:rPr>
-                            <m:t>𝜃</m:t>
-                          </m:r>
-                        </m:oMath>
-                      </m:oMathPara>
-                    </a14:m>
-                    <a:endParaRPr lang="de-DE" dirty="0">
-                      <a:latin typeface="CMU Bright" panose="02000603000000000000" pitchFamily="2" charset="0"/>
-                      <a:ea typeface="CMU Bright" panose="02000603000000000000" pitchFamily="2" charset="0"/>
-                      <a:cs typeface="CMU Bright" panose="02000603000000000000" pitchFamily="2" charset="0"/>
-                    </a:endParaRPr>
-                  </a:p>
-                </p:txBody>
-              </p:sp>
-            </mc:Choice>
-            <mc:Fallback>
-              <p:sp>
-                <p:nvSpPr>
-                  <p:cNvPr id="11" name="Textfeld 10">
-                    <a:extLst>
-                      <a:ext uri="{FF2B5EF4-FFF2-40B4-BE49-F238E27FC236}">
-                        <a16:creationId xmlns:a16="http://schemas.microsoft.com/office/drawing/2014/main" id="{2A559345-09EE-48D5-BDC2-994749B91975}"/>
-                      </a:ext>
-                    </a:extLst>
-                  </p:cNvPr>
-                  <p:cNvSpPr txBox="1">
-                    <a:spLocks noRot="1" noChangeAspect="1" noMove="1" noResize="1" noEditPoints="1" noAdjustHandles="1" noChangeArrowheads="1" noChangeShapeType="1" noTextEdit="1"/>
-                  </p:cNvSpPr>
-                  <p:nvPr/>
-                </p:nvSpPr>
-                <p:spPr>
-                  <a:xfrm>
-                    <a:off x="1118523" y="3937992"/>
-                    <a:ext cx="398186" cy="369332"/>
-                  </a:xfrm>
-                  <a:prstGeom prst="rect">
-                    <a:avLst/>
-                  </a:prstGeom>
-                  <a:blipFill>
-                    <a:blip r:embed="rId3"/>
-                    <a:stretch>
-                      <a:fillRect/>
-                    </a:stretch>
-                  </a:blipFill>
-                </p:spPr>
-                <p:txBody>
-                  <a:bodyPr/>
-                  <a:lstStyle/>
-                  <a:p>
-                    <a:r>
-                      <a:rPr lang="en-GB">
-                        <a:noFill/>
-                      </a:rPr>
-                      <a:t> </a:t>
-                    </a:r>
-                  </a:p>
-                </p:txBody>
-              </p:sp>
-            </mc:Fallback>
-          </mc:AlternateContent>
+        </mc:Choice>
+        <mc:Fallback xmlns="">
           <p:sp>
             <p:nvSpPr>
-              <p:cNvPr id="12" name="Textfeld 11">
+              <p:cNvPr id="11" name="Textfeld 10">
                 <a:extLst>
                   <a:ext uri="{FF2B5EF4-FFF2-40B4-BE49-F238E27FC236}">
-                    <a16:creationId xmlns:a16="http://schemas.microsoft.com/office/drawing/2014/main" id="{B590BB0B-BA34-41CC-9901-00A2887A491E}"/>
+                    <a16:creationId xmlns:a16="http://schemas.microsoft.com/office/drawing/2014/main" id="{2A559345-09EE-48D5-BDC2-994749B91975}"/>
+                  </a:ext>
+                </a:extLst>
+              </p:cNvPr>
+              <p:cNvSpPr txBox="1">
+                <a:spLocks noRot="1" noChangeAspect="1" noMove="1" noResize="1" noEditPoints="1" noAdjustHandles="1" noChangeArrowheads="1" noChangeShapeType="1" noTextEdit="1"/>
+              </p:cNvSpPr>
+              <p:nvPr/>
+            </p:nvSpPr>
+            <p:spPr>
+              <a:xfrm>
+                <a:off x="804884" y="2955210"/>
+                <a:ext cx="398186" cy="369332"/>
+              </a:xfrm>
+              <a:prstGeom prst="rect">
+                <a:avLst/>
+              </a:prstGeom>
+              <a:blipFill>
+                <a:blip r:embed="rId3"/>
+                <a:stretch>
+                  <a:fillRect/>
+                </a:stretch>
+              </a:blipFill>
+            </p:spPr>
+            <p:txBody>
+              <a:bodyPr/>
+              <a:lstStyle/>
+              <a:p>
+                <a:r>
+                  <a:rPr lang="de-DE">
+                    <a:noFill/>
+                  </a:rPr>
+                  <a:t> </a:t>
+                </a:r>
+              </a:p>
+            </p:txBody>
+          </p:sp>
+        </mc:Fallback>
+      </mc:AlternateContent>
+      <p:sp>
+        <p:nvSpPr>
+          <p:cNvPr id="12" name="Textfeld 11">
+            <a:extLst>
+              <a:ext uri="{FF2B5EF4-FFF2-40B4-BE49-F238E27FC236}">
+                <a16:creationId xmlns:a16="http://schemas.microsoft.com/office/drawing/2014/main" id="{B590BB0B-BA34-41CC-9901-00A2887A491E}"/>
+              </a:ext>
+            </a:extLst>
+          </p:cNvPr>
+          <p:cNvSpPr txBox="1"/>
+          <p:nvPr/>
+        </p:nvSpPr>
+        <p:spPr>
+          <a:xfrm>
+            <a:off x="539649" y="2149733"/>
+            <a:ext cx="2295821" cy="523220"/>
+          </a:xfrm>
+          <a:prstGeom prst="rect">
+            <a:avLst/>
+          </a:prstGeom>
+          <a:noFill/>
+        </p:spPr>
+        <p:txBody>
+          <a:bodyPr wrap="none" rtlCol="0">
+            <a:spAutoFit/>
+          </a:bodyPr>
+          <a:lstStyle/>
+          <a:p>
+            <a:pPr algn="ctr"/>
+            <a:r>
+              <a:rPr lang="de-DE" sz="1400" dirty="0">
+                <a:latin typeface="CMU Bright" panose="02000603000000000000" pitchFamily="2" charset="0"/>
+                <a:ea typeface="CMU Bright" panose="02000603000000000000" pitchFamily="2" charset="0"/>
+                <a:cs typeface="CMU Bright" panose="02000603000000000000" pitchFamily="2" charset="0"/>
+              </a:rPr>
+              <a:t>Wahrer, aber unbekannter, </a:t>
+            </a:r>
+          </a:p>
+          <a:p>
+            <a:pPr algn="ctr"/>
+            <a:r>
+              <a:rPr lang="de-DE" sz="1400" dirty="0">
+                <a:latin typeface="CMU Bright" panose="02000603000000000000" pitchFamily="2" charset="0"/>
+                <a:ea typeface="CMU Bright" panose="02000603000000000000" pitchFamily="2" charset="0"/>
+                <a:cs typeface="CMU Bright" panose="02000603000000000000" pitchFamily="2" charset="0"/>
+              </a:rPr>
+              <a:t>Parameterwert</a:t>
+            </a:r>
+          </a:p>
+        </p:txBody>
+      </p:sp>
+      <p:cxnSp>
+        <p:nvCxnSpPr>
+          <p:cNvPr id="14" name="Gerader Verbinder 13">
+            <a:extLst>
+              <a:ext uri="{FF2B5EF4-FFF2-40B4-BE49-F238E27FC236}">
+                <a16:creationId xmlns:a16="http://schemas.microsoft.com/office/drawing/2014/main" id="{EB7A3D28-173F-4D89-84FC-B91A6E0B8DA1}"/>
+              </a:ext>
+            </a:extLst>
+          </p:cNvPr>
+          <p:cNvCxnSpPr>
+            <a:cxnSpLocks/>
+          </p:cNvCxnSpPr>
+          <p:nvPr/>
+        </p:nvCxnSpPr>
+        <p:spPr>
+          <a:xfrm flipV="1">
+            <a:off x="6263701" y="1492685"/>
+            <a:ext cx="3360987" cy="1"/>
+          </a:xfrm>
+          <a:prstGeom prst="line">
+            <a:avLst/>
+          </a:prstGeom>
+          <a:ln>
+            <a:solidFill>
+              <a:schemeClr val="tx1"/>
+            </a:solidFill>
+          </a:ln>
+        </p:spPr>
+        <p:style>
+          <a:lnRef idx="1">
+            <a:schemeClr val="accent1"/>
+          </a:lnRef>
+          <a:fillRef idx="0">
+            <a:schemeClr val="accent1"/>
+          </a:fillRef>
+          <a:effectRef idx="0">
+            <a:schemeClr val="accent1"/>
+          </a:effectRef>
+          <a:fontRef idx="minor">
+            <a:schemeClr val="tx1"/>
+          </a:fontRef>
+        </p:style>
+      </p:cxnSp>
+      <mc:AlternateContent xmlns:mc="http://schemas.openxmlformats.org/markup-compatibility/2006" xmlns:a14="http://schemas.microsoft.com/office/drawing/2010/main">
+        <mc:Choice Requires="a14">
+          <p:sp>
+            <p:nvSpPr>
+              <p:cNvPr id="15" name="Textfeld 14">
+                <a:extLst>
+                  <a:ext uri="{FF2B5EF4-FFF2-40B4-BE49-F238E27FC236}">
+                    <a16:creationId xmlns:a16="http://schemas.microsoft.com/office/drawing/2014/main" id="{EB139173-0D5B-45A7-B50C-04E57737A3E2}"/>
                   </a:ext>
                 </a:extLst>
               </p:cNvPr>
@@ -3527,8 +3583,173 @@
             </p:nvSpPr>
             <p:spPr>
               <a:xfrm>
-                <a:off x="853288" y="3132515"/>
-                <a:ext cx="2295821" cy="523220"/>
+                <a:off x="9439916" y="1658042"/>
+                <a:ext cx="227626" cy="276999"/>
+              </a:xfrm>
+              <a:prstGeom prst="rect">
+                <a:avLst/>
+              </a:prstGeom>
+              <a:noFill/>
+            </p:spPr>
+            <p:txBody>
+              <a:bodyPr wrap="none" lIns="0" tIns="0" rIns="0" bIns="0" rtlCol="0">
+                <a:spAutoFit/>
+              </a:bodyPr>
+              <a:lstStyle/>
+              <a:p>
+                <a:pPr/>
+                <a14:m>
+                  <m:oMathPara xmlns:m="http://schemas.openxmlformats.org/officeDocument/2006/math">
+                    <m:oMathParaPr>
+                      <m:jc m:val="centerGroup"/>
+                    </m:oMathParaPr>
+                    <m:oMath xmlns:m="http://schemas.openxmlformats.org/officeDocument/2006/math">
+                      <m:r>
+                        <m:rPr>
+                          <m:sty m:val="p"/>
+                        </m:rPr>
+                        <a:rPr lang="de-DE" i="1">
+                          <a:latin typeface="Cambria Math" panose="02040503050406030204" pitchFamily="18" charset="0"/>
+                        </a:rPr>
+                        <m:t>Θ</m:t>
+                      </m:r>
+                    </m:oMath>
+                  </m:oMathPara>
+                </a14:m>
+                <a:endParaRPr lang="de-DE" dirty="0">
+                  <a:latin typeface="CMU Bright" panose="02000603000000000000" pitchFamily="2" charset="0"/>
+                  <a:ea typeface="CMU Bright" panose="02000603000000000000" pitchFamily="2" charset="0"/>
+                  <a:cs typeface="CMU Bright" panose="02000603000000000000" pitchFamily="2" charset="0"/>
+                </a:endParaRPr>
+              </a:p>
+            </p:txBody>
+          </p:sp>
+        </mc:Choice>
+        <mc:Fallback xmlns="">
+          <p:sp>
+            <p:nvSpPr>
+              <p:cNvPr id="15" name="Textfeld 14">
+                <a:extLst>
+                  <a:ext uri="{FF2B5EF4-FFF2-40B4-BE49-F238E27FC236}">
+                    <a16:creationId xmlns:a16="http://schemas.microsoft.com/office/drawing/2014/main" id="{EB139173-0D5B-45A7-B50C-04E57737A3E2}"/>
+                  </a:ext>
+                </a:extLst>
+              </p:cNvPr>
+              <p:cNvSpPr txBox="1">
+                <a:spLocks noRot="1" noChangeAspect="1" noMove="1" noResize="1" noEditPoints="1" noAdjustHandles="1" noChangeArrowheads="1" noChangeShapeType="1" noTextEdit="1"/>
+              </p:cNvSpPr>
+              <p:nvPr/>
+            </p:nvSpPr>
+            <p:spPr>
+              <a:xfrm>
+                <a:off x="9439916" y="1658042"/>
+                <a:ext cx="227626" cy="276999"/>
+              </a:xfrm>
+              <a:prstGeom prst="rect">
+                <a:avLst/>
+              </a:prstGeom>
+              <a:blipFill>
+                <a:blip r:embed="rId4"/>
+                <a:stretch>
+                  <a:fillRect l="-21622" r="-18919" b="-4444"/>
+                </a:stretch>
+              </a:blipFill>
+            </p:spPr>
+            <p:txBody>
+              <a:bodyPr/>
+              <a:lstStyle/>
+              <a:p>
+                <a:r>
+                  <a:rPr lang="de-DE">
+                    <a:noFill/>
+                  </a:rPr>
+                  <a:t> </a:t>
+                </a:r>
+              </a:p>
+            </p:txBody>
+          </p:sp>
+        </mc:Fallback>
+      </mc:AlternateContent>
+      <p:sp>
+        <p:nvSpPr>
+          <p:cNvPr id="16" name="Ellipse 15">
+            <a:extLst>
+              <a:ext uri="{FF2B5EF4-FFF2-40B4-BE49-F238E27FC236}">
+                <a16:creationId xmlns:a16="http://schemas.microsoft.com/office/drawing/2014/main" id="{31B88A61-0E4F-46DC-8E38-9DF8D89D55FD}"/>
+              </a:ext>
+            </a:extLst>
+          </p:cNvPr>
+          <p:cNvSpPr/>
+          <p:nvPr/>
+        </p:nvSpPr>
+        <p:spPr>
+          <a:xfrm>
+            <a:off x="7134126" y="1405589"/>
+            <a:ext cx="165463" cy="165463"/>
+          </a:xfrm>
+          <a:prstGeom prst="ellipse">
+            <a:avLst/>
+          </a:prstGeom>
+          <a:solidFill>
+            <a:schemeClr val="bg1">
+              <a:lumMod val="50000"/>
+            </a:schemeClr>
+          </a:solidFill>
+          <a:ln>
+            <a:solidFill>
+              <a:schemeClr val="bg1">
+                <a:lumMod val="50000"/>
+              </a:schemeClr>
+            </a:solidFill>
+          </a:ln>
+        </p:spPr>
+        <p:style>
+          <a:lnRef idx="2">
+            <a:schemeClr val="accent1">
+              <a:shade val="50000"/>
+            </a:schemeClr>
+          </a:lnRef>
+          <a:fillRef idx="1">
+            <a:schemeClr val="accent1"/>
+          </a:fillRef>
+          <a:effectRef idx="0">
+            <a:schemeClr val="accent1"/>
+          </a:effectRef>
+          <a:fontRef idx="minor">
+            <a:schemeClr val="lt1"/>
+          </a:fontRef>
+        </p:style>
+        <p:txBody>
+          <a:bodyPr rtlCol="0" anchor="ctr"/>
+          <a:lstStyle/>
+          <a:p>
+            <a:pPr algn="ctr"/>
+            <a:endParaRPr lang="de-DE">
+              <a:latin typeface="CMU Bright" panose="02000603000000000000" pitchFamily="2" charset="0"/>
+              <a:ea typeface="CMU Bright" panose="02000603000000000000" pitchFamily="2" charset="0"/>
+              <a:cs typeface="CMU Bright" panose="02000603000000000000" pitchFamily="2" charset="0"/>
+            </a:endParaRPr>
+          </a:p>
+        </p:txBody>
+      </p:sp>
+      <mc:AlternateContent xmlns:mc="http://schemas.openxmlformats.org/markup-compatibility/2006" xmlns:a14="http://schemas.microsoft.com/office/drawing/2010/main">
+        <mc:Choice Requires="a14">
+          <p:sp>
+            <p:nvSpPr>
+              <p:cNvPr id="17" name="Textfeld 16">
+                <a:extLst>
+                  <a:ext uri="{FF2B5EF4-FFF2-40B4-BE49-F238E27FC236}">
+                    <a16:creationId xmlns:a16="http://schemas.microsoft.com/office/drawing/2014/main" id="{2D730FFB-9193-4941-9A6F-CD7E44C6ECCE}"/>
+                  </a:ext>
+                </a:extLst>
+              </p:cNvPr>
+              <p:cNvSpPr txBox="1"/>
+              <p:nvPr/>
+            </p:nvSpPr>
+            <p:spPr>
+              <a:xfrm>
+                <a:off x="7017764" y="1606008"/>
+                <a:ext cx="398186" cy="381066"/>
               </a:xfrm>
               <a:prstGeom prst="rect">
                 <a:avLst/>
@@ -3541,230 +3762,35 @@
               </a:bodyPr>
               <a:lstStyle/>
               <a:p>
-                <a:pPr algn="ctr"/>
-                <a:r>
-                  <a:rPr lang="de-DE" sz="1400" dirty="0">
-                    <a:latin typeface="CMU Bright" panose="02000603000000000000" pitchFamily="2" charset="0"/>
-                    <a:ea typeface="CMU Bright" panose="02000603000000000000" pitchFamily="2" charset="0"/>
-                    <a:cs typeface="CMU Bright" panose="02000603000000000000" pitchFamily="2" charset="0"/>
-                  </a:rPr>
-                  <a:t>Wahrer, aber unbekannter, </a:t>
-                </a:r>
-              </a:p>
-              <a:p>
-                <a:pPr algn="ctr"/>
-                <a:r>
-                  <a:rPr lang="de-DE" sz="1400" dirty="0">
-                    <a:latin typeface="CMU Bright" panose="02000603000000000000" pitchFamily="2" charset="0"/>
-                    <a:ea typeface="CMU Bright" panose="02000603000000000000" pitchFamily="2" charset="0"/>
-                    <a:cs typeface="CMU Bright" panose="02000603000000000000" pitchFamily="2" charset="0"/>
-                  </a:rPr>
-                  <a:t>Parameterwert</a:t>
-                </a:r>
-              </a:p>
-            </p:txBody>
-          </p:sp>
-          <p:cxnSp>
-            <p:nvCxnSpPr>
-              <p:cNvPr id="14" name="Gerader Verbinder 13">
-                <a:extLst>
-                  <a:ext uri="{FF2B5EF4-FFF2-40B4-BE49-F238E27FC236}">
-                    <a16:creationId xmlns:a16="http://schemas.microsoft.com/office/drawing/2014/main" id="{EB7A3D28-173F-4D89-84FC-B91A6E0B8DA1}"/>
-                  </a:ext>
-                </a:extLst>
-              </p:cNvPr>
-              <p:cNvCxnSpPr>
-                <a:cxnSpLocks/>
-              </p:cNvCxnSpPr>
-              <p:nvPr/>
-            </p:nvCxnSpPr>
-            <p:spPr>
-              <a:xfrm flipV="1">
-                <a:off x="6577340" y="2475467"/>
-                <a:ext cx="3360987" cy="1"/>
-              </a:xfrm>
-              <a:prstGeom prst="line">
-                <a:avLst/>
-              </a:prstGeom>
-              <a:ln>
-                <a:solidFill>
-                  <a:schemeClr val="tx1"/>
-                </a:solidFill>
-              </a:ln>
-            </p:spPr>
-            <p:style>
-              <a:lnRef idx="1">
-                <a:schemeClr val="accent1"/>
-              </a:lnRef>
-              <a:fillRef idx="0">
-                <a:schemeClr val="accent1"/>
-              </a:fillRef>
-              <a:effectRef idx="0">
-                <a:schemeClr val="accent1"/>
-              </a:effectRef>
-              <a:fontRef idx="minor">
-                <a:schemeClr val="tx1"/>
-              </a:fontRef>
-            </p:style>
-          </p:cxnSp>
-          <mc:AlternateContent xmlns:mc="http://schemas.openxmlformats.org/markup-compatibility/2006">
-            <mc:Choice xmlns:a14="http://schemas.microsoft.com/office/drawing/2010/main" Requires="a14">
-              <p:sp>
-                <p:nvSpPr>
-                  <p:cNvPr id="15" name="Textfeld 14">
-                    <a:extLst>
-                      <a:ext uri="{FF2B5EF4-FFF2-40B4-BE49-F238E27FC236}">
-                        <a16:creationId xmlns:a16="http://schemas.microsoft.com/office/drawing/2014/main" id="{EB139173-0D5B-45A7-B50C-04E57737A3E2}"/>
-                      </a:ext>
-                    </a:extLst>
-                  </p:cNvPr>
-                  <p:cNvSpPr txBox="1"/>
-                  <p:nvPr/>
-                </p:nvSpPr>
-                <p:spPr>
-                  <a:xfrm>
-                    <a:off x="9753555" y="2640824"/>
-                    <a:ext cx="227626" cy="276999"/>
-                  </a:xfrm>
-                  <a:prstGeom prst="rect">
-                    <a:avLst/>
-                  </a:prstGeom>
-                  <a:noFill/>
-                </p:spPr>
-                <p:txBody>
-                  <a:bodyPr wrap="none" lIns="0" tIns="0" rIns="0" bIns="0" rtlCol="0">
-                    <a:spAutoFit/>
-                  </a:bodyPr>
-                  <a:lstStyle/>
-                  <a:p>
-                    <a:pPr/>
-                    <a14:m>
-                      <m:oMathPara xmlns:m="http://schemas.openxmlformats.org/officeDocument/2006/math">
-                        <m:oMathParaPr>
-                          <m:jc m:val="centerGroup"/>
-                        </m:oMathParaPr>
-                        <m:oMath xmlns:m="http://schemas.openxmlformats.org/officeDocument/2006/math">
-                          <m:r>
-                            <m:rPr>
-                              <m:sty m:val="p"/>
-                            </m:rPr>
+                <a:pPr/>
+                <a14:m>
+                  <m:oMathPara xmlns:m="http://schemas.openxmlformats.org/officeDocument/2006/math">
+                    <m:oMathParaPr>
+                      <m:jc m:val="centerGroup"/>
+                    </m:oMathParaPr>
+                    <m:oMath xmlns:m="http://schemas.openxmlformats.org/officeDocument/2006/math">
+                      <m:acc>
+                        <m:accPr>
+                          <m:chr m:val="̂"/>
+                          <m:ctrlPr>
                             <a:rPr lang="de-DE" i="1">
                               <a:latin typeface="Cambria Math" panose="02040503050406030204" pitchFamily="18" charset="0"/>
                             </a:rPr>
-                            <m:t>Θ</m:t>
+                          </m:ctrlPr>
+                        </m:accPr>
+                        <m:e>
+                          <m:r>
+                            <a:rPr lang="de-DE" i="1">
+                              <a:latin typeface="Cambria Math" panose="02040503050406030204" pitchFamily="18" charset="0"/>
+                            </a:rPr>
+                            <m:t>𝜃</m:t>
                           </m:r>
-                        </m:oMath>
-                      </m:oMathPara>
-                    </a14:m>
-                    <a:endParaRPr lang="de-DE" dirty="0">
-                      <a:latin typeface="CMU Bright" panose="02000603000000000000" pitchFamily="2" charset="0"/>
-                      <a:ea typeface="CMU Bright" panose="02000603000000000000" pitchFamily="2" charset="0"/>
-                      <a:cs typeface="CMU Bright" panose="02000603000000000000" pitchFamily="2" charset="0"/>
-                    </a:endParaRPr>
-                  </a:p>
-                </p:txBody>
-              </p:sp>
-            </mc:Choice>
-            <mc:Fallback>
-              <p:sp>
-                <p:nvSpPr>
-                  <p:cNvPr id="15" name="Textfeld 14">
-                    <a:extLst>
-                      <a:ext uri="{FF2B5EF4-FFF2-40B4-BE49-F238E27FC236}">
-                        <a16:creationId xmlns:a16="http://schemas.microsoft.com/office/drawing/2014/main" id="{EB139173-0D5B-45A7-B50C-04E57737A3E2}"/>
-                      </a:ext>
-                    </a:extLst>
-                  </p:cNvPr>
-                  <p:cNvSpPr txBox="1">
-                    <a:spLocks noRot="1" noChangeAspect="1" noMove="1" noResize="1" noEditPoints="1" noAdjustHandles="1" noChangeArrowheads="1" noChangeShapeType="1" noTextEdit="1"/>
-                  </p:cNvSpPr>
-                  <p:nvPr/>
-                </p:nvSpPr>
-                <p:spPr>
-                  <a:xfrm>
-                    <a:off x="9753555" y="2640824"/>
-                    <a:ext cx="227626" cy="276999"/>
-                  </a:xfrm>
-                  <a:prstGeom prst="rect">
-                    <a:avLst/>
-                  </a:prstGeom>
-                  <a:blipFill>
-                    <a:blip r:embed="rId4"/>
-                    <a:stretch>
-                      <a:fillRect l="-21622" r="-18919" b="-4444"/>
-                    </a:stretch>
-                  </a:blipFill>
-                </p:spPr>
-                <p:txBody>
-                  <a:bodyPr/>
-                  <a:lstStyle/>
-                  <a:p>
-                    <a:r>
-                      <a:rPr lang="en-GB">
-                        <a:noFill/>
-                      </a:rPr>
-                      <a:t> </a:t>
-                    </a:r>
-                  </a:p>
-                </p:txBody>
-              </p:sp>
-            </mc:Fallback>
-          </mc:AlternateContent>
-          <p:sp>
-            <p:nvSpPr>
-              <p:cNvPr id="16" name="Ellipse 15">
-                <a:extLst>
-                  <a:ext uri="{FF2B5EF4-FFF2-40B4-BE49-F238E27FC236}">
-                    <a16:creationId xmlns:a16="http://schemas.microsoft.com/office/drawing/2014/main" id="{31B88A61-0E4F-46DC-8E38-9DF8D89D55FD}"/>
-                  </a:ext>
-                </a:extLst>
-              </p:cNvPr>
-              <p:cNvSpPr/>
-              <p:nvPr/>
-            </p:nvSpPr>
-            <p:spPr>
-              <a:xfrm>
-                <a:off x="7447765" y="2388371"/>
-                <a:ext cx="165463" cy="165463"/>
-              </a:xfrm>
-              <a:prstGeom prst="ellipse">
-                <a:avLst/>
-              </a:prstGeom>
-              <a:solidFill>
-                <a:schemeClr val="bg1">
-                  <a:lumMod val="50000"/>
-                </a:schemeClr>
-              </a:solidFill>
-              <a:ln>
-                <a:solidFill>
-                  <a:schemeClr val="bg1">
-                    <a:lumMod val="50000"/>
-                  </a:schemeClr>
-                </a:solidFill>
-              </a:ln>
-            </p:spPr>
-            <p:style>
-              <a:lnRef idx="2">
-                <a:schemeClr val="accent1">
-                  <a:shade val="50000"/>
-                </a:schemeClr>
-              </a:lnRef>
-              <a:fillRef idx="1">
-                <a:schemeClr val="accent1"/>
-              </a:fillRef>
-              <a:effectRef idx="0">
-                <a:schemeClr val="accent1"/>
-              </a:effectRef>
-              <a:fontRef idx="minor">
-                <a:schemeClr val="lt1"/>
-              </a:fontRef>
-            </p:style>
-            <p:txBody>
-              <a:bodyPr rtlCol="0" anchor="ctr"/>
-              <a:lstStyle/>
-              <a:p>
-                <a:pPr algn="ctr"/>
-                <a:endParaRPr lang="de-DE">
+                        </m:e>
+                      </m:acc>
+                    </m:oMath>
+                  </m:oMathPara>
+                </a14:m>
+                <a:endParaRPr lang="de-DE" dirty="0">
                   <a:latin typeface="CMU Bright" panose="02000603000000000000" pitchFamily="2" charset="0"/>
                   <a:ea typeface="CMU Bright" panose="02000603000000000000" pitchFamily="2" charset="0"/>
                   <a:cs typeface="CMU Bright" panose="02000603000000000000" pitchFamily="2" charset="0"/>
@@ -3772,124 +3798,160 @@
               </a:p>
             </p:txBody>
           </p:sp>
-          <mc:AlternateContent xmlns:mc="http://schemas.openxmlformats.org/markup-compatibility/2006">
-            <mc:Choice xmlns:a14="http://schemas.microsoft.com/office/drawing/2010/main" Requires="a14">
-              <p:sp>
-                <p:nvSpPr>
-                  <p:cNvPr id="17" name="Textfeld 16">
-                    <a:extLst>
-                      <a:ext uri="{FF2B5EF4-FFF2-40B4-BE49-F238E27FC236}">
-                        <a16:creationId xmlns:a16="http://schemas.microsoft.com/office/drawing/2014/main" id="{2D730FFB-9193-4941-9A6F-CD7E44C6ECCE}"/>
-                      </a:ext>
-                    </a:extLst>
-                  </p:cNvPr>
-                  <p:cNvSpPr txBox="1"/>
-                  <p:nvPr/>
-                </p:nvSpPr>
-                <p:spPr>
-                  <a:xfrm>
-                    <a:off x="7331403" y="2588790"/>
-                    <a:ext cx="398186" cy="381066"/>
-                  </a:xfrm>
-                  <a:prstGeom prst="rect">
-                    <a:avLst/>
-                  </a:prstGeom>
-                  <a:noFill/>
-                </p:spPr>
-                <p:txBody>
-                  <a:bodyPr wrap="none" rtlCol="0">
-                    <a:spAutoFit/>
-                  </a:bodyPr>
-                  <a:lstStyle/>
-                  <a:p>
-                    <a:pPr/>
-                    <a14:m>
-                      <m:oMathPara xmlns:m="http://schemas.openxmlformats.org/officeDocument/2006/math">
-                        <m:oMathParaPr>
-                          <m:jc m:val="centerGroup"/>
-                        </m:oMathParaPr>
-                        <m:oMath xmlns:m="http://schemas.openxmlformats.org/officeDocument/2006/math">
-                          <m:acc>
-                            <m:accPr>
-                              <m:chr m:val="̂"/>
-                              <m:ctrlPr>
-                                <a:rPr lang="de-DE" i="1">
-                                  <a:latin typeface="Cambria Math" panose="02040503050406030204" pitchFamily="18" charset="0"/>
-                                </a:rPr>
-                              </m:ctrlPr>
-                            </m:accPr>
-                            <m:e>
-                              <m:r>
-                                <a:rPr lang="de-DE" i="1">
-                                  <a:latin typeface="Cambria Math" panose="02040503050406030204" pitchFamily="18" charset="0"/>
-                                </a:rPr>
-                                <m:t>𝜃</m:t>
-                              </m:r>
-                            </m:e>
-                          </m:acc>
-                        </m:oMath>
-                      </m:oMathPara>
-                    </a14:m>
-                    <a:endParaRPr lang="de-DE" dirty="0">
-                      <a:latin typeface="CMU Bright" panose="02000603000000000000" pitchFamily="2" charset="0"/>
-                      <a:ea typeface="CMU Bright" panose="02000603000000000000" pitchFamily="2" charset="0"/>
-                      <a:cs typeface="CMU Bright" panose="02000603000000000000" pitchFamily="2" charset="0"/>
-                    </a:endParaRPr>
-                  </a:p>
-                </p:txBody>
-              </p:sp>
-            </mc:Choice>
-            <mc:Fallback>
-              <p:sp>
-                <p:nvSpPr>
-                  <p:cNvPr id="17" name="Textfeld 16">
-                    <a:extLst>
-                      <a:ext uri="{FF2B5EF4-FFF2-40B4-BE49-F238E27FC236}">
-                        <a16:creationId xmlns:a16="http://schemas.microsoft.com/office/drawing/2014/main" id="{2D730FFB-9193-4941-9A6F-CD7E44C6ECCE}"/>
-                      </a:ext>
-                    </a:extLst>
-                  </p:cNvPr>
-                  <p:cNvSpPr txBox="1">
-                    <a:spLocks noRot="1" noChangeAspect="1" noMove="1" noResize="1" noEditPoints="1" noAdjustHandles="1" noChangeArrowheads="1" noChangeShapeType="1" noTextEdit="1"/>
-                  </p:cNvSpPr>
-                  <p:nvPr/>
-                </p:nvSpPr>
-                <p:spPr>
-                  <a:xfrm>
-                    <a:off x="7331403" y="2588790"/>
-                    <a:ext cx="398186" cy="381066"/>
-                  </a:xfrm>
-                  <a:prstGeom prst="rect">
-                    <a:avLst/>
-                  </a:prstGeom>
-                  <a:blipFill>
-                    <a:blip r:embed="rId5"/>
-                    <a:stretch>
-                      <a:fillRect t="-9524" r="-18182"/>
-                    </a:stretch>
-                  </a:blipFill>
-                </p:spPr>
-                <p:txBody>
-                  <a:bodyPr/>
-                  <a:lstStyle/>
-                  <a:p>
-                    <a:r>
-                      <a:rPr lang="en-GB">
-                        <a:noFill/>
-                      </a:rPr>
-                      <a:t> </a:t>
-                    </a:r>
-                  </a:p>
-                </p:txBody>
-              </p:sp>
-            </mc:Fallback>
-          </mc:AlternateContent>
+        </mc:Choice>
+        <mc:Fallback xmlns="">
           <p:sp>
             <p:nvSpPr>
-              <p:cNvPr id="18" name="Textfeld 17">
+              <p:cNvPr id="17" name="Textfeld 16">
                 <a:extLst>
                   <a:ext uri="{FF2B5EF4-FFF2-40B4-BE49-F238E27FC236}">
-                    <a16:creationId xmlns:a16="http://schemas.microsoft.com/office/drawing/2014/main" id="{CA6E29EC-9190-4F3F-936E-4877328492D4}"/>
+                    <a16:creationId xmlns:a16="http://schemas.microsoft.com/office/drawing/2014/main" id="{2D730FFB-9193-4941-9A6F-CD7E44C6ECCE}"/>
+                  </a:ext>
+                </a:extLst>
+              </p:cNvPr>
+              <p:cNvSpPr txBox="1">
+                <a:spLocks noRot="1" noChangeAspect="1" noMove="1" noResize="1" noEditPoints="1" noAdjustHandles="1" noChangeArrowheads="1" noChangeShapeType="1" noTextEdit="1"/>
+              </p:cNvSpPr>
+              <p:nvPr/>
+            </p:nvSpPr>
+            <p:spPr>
+              <a:xfrm>
+                <a:off x="7017764" y="1606008"/>
+                <a:ext cx="398186" cy="381066"/>
+              </a:xfrm>
+              <a:prstGeom prst="rect">
+                <a:avLst/>
+              </a:prstGeom>
+              <a:blipFill>
+                <a:blip r:embed="rId5"/>
+                <a:stretch>
+                  <a:fillRect t="-9524" r="-18182"/>
+                </a:stretch>
+              </a:blipFill>
+            </p:spPr>
+            <p:txBody>
+              <a:bodyPr/>
+              <a:lstStyle/>
+              <a:p>
+                <a:r>
+                  <a:rPr lang="de-DE">
+                    <a:noFill/>
+                  </a:rPr>
+                  <a:t> </a:t>
+                </a:r>
+              </a:p>
+            </p:txBody>
+          </p:sp>
+        </mc:Fallback>
+      </mc:AlternateContent>
+      <p:sp>
+        <p:nvSpPr>
+          <p:cNvPr id="18" name="Textfeld 17">
+            <a:extLst>
+              <a:ext uri="{FF2B5EF4-FFF2-40B4-BE49-F238E27FC236}">
+                <a16:creationId xmlns:a16="http://schemas.microsoft.com/office/drawing/2014/main" id="{CA6E29EC-9190-4F3F-936E-4877328492D4}"/>
+              </a:ext>
+            </a:extLst>
+          </p:cNvPr>
+          <p:cNvSpPr txBox="1"/>
+          <p:nvPr/>
+        </p:nvSpPr>
+        <p:spPr>
+          <a:xfrm>
+            <a:off x="6151122" y="913163"/>
+            <a:ext cx="1859805" cy="323165"/>
+          </a:xfrm>
+          <a:prstGeom prst="rect">
+            <a:avLst/>
+          </a:prstGeom>
+          <a:noFill/>
+        </p:spPr>
+        <p:txBody>
+          <a:bodyPr wrap="none" rtlCol="0">
+            <a:spAutoFit/>
+          </a:bodyPr>
+          <a:lstStyle/>
+          <a:p>
+            <a:r>
+              <a:rPr lang="de-DE" sz="1500" dirty="0">
+                <a:latin typeface="CMU Bright" panose="02000603000000000000" pitchFamily="2" charset="0"/>
+                <a:ea typeface="CMU Bright" panose="02000603000000000000" pitchFamily="2" charset="0"/>
+                <a:cs typeface="CMU Bright" panose="02000603000000000000" pitchFamily="2" charset="0"/>
+              </a:rPr>
+              <a:t>Parameterschätzung</a:t>
+            </a:r>
+          </a:p>
+        </p:txBody>
+      </p:sp>
+      <p:sp>
+        <p:nvSpPr>
+          <p:cNvPr id="19" name="Ellipse 18">
+            <a:extLst>
+              <a:ext uri="{FF2B5EF4-FFF2-40B4-BE49-F238E27FC236}">
+                <a16:creationId xmlns:a16="http://schemas.microsoft.com/office/drawing/2014/main" id="{4931E6B6-F0C7-4222-ABD3-2A96581C24A5}"/>
+              </a:ext>
+            </a:extLst>
+          </p:cNvPr>
+          <p:cNvSpPr/>
+          <p:nvPr/>
+        </p:nvSpPr>
+        <p:spPr>
+          <a:xfrm>
+            <a:off x="7519255" y="1405589"/>
+            <a:ext cx="165463" cy="165463"/>
+          </a:xfrm>
+          <a:prstGeom prst="ellipse">
+            <a:avLst/>
+          </a:prstGeom>
+          <a:solidFill>
+            <a:schemeClr val="bg1"/>
+          </a:solidFill>
+          <a:ln>
+            <a:solidFill>
+              <a:schemeClr val="accent5">
+                <a:lumMod val="75000"/>
+              </a:schemeClr>
+            </a:solidFill>
+            <a:prstDash val="solid"/>
+          </a:ln>
+        </p:spPr>
+        <p:style>
+          <a:lnRef idx="2">
+            <a:schemeClr val="accent1">
+              <a:shade val="50000"/>
+            </a:schemeClr>
+          </a:lnRef>
+          <a:fillRef idx="1">
+            <a:schemeClr val="accent1"/>
+          </a:fillRef>
+          <a:effectRef idx="0">
+            <a:schemeClr val="accent1"/>
+          </a:effectRef>
+          <a:fontRef idx="minor">
+            <a:schemeClr val="lt1"/>
+          </a:fontRef>
+        </p:style>
+        <p:txBody>
+          <a:bodyPr rtlCol="0" anchor="ctr"/>
+          <a:lstStyle/>
+          <a:p>
+            <a:pPr algn="ctr"/>
+            <a:endParaRPr lang="de-DE">
+              <a:latin typeface="CMU Bright" panose="02000603000000000000" pitchFamily="2" charset="0"/>
+              <a:ea typeface="CMU Bright" panose="02000603000000000000" pitchFamily="2" charset="0"/>
+              <a:cs typeface="CMU Bright" panose="02000603000000000000" pitchFamily="2" charset="0"/>
+            </a:endParaRPr>
+          </a:p>
+        </p:txBody>
+      </p:sp>
+      <mc:AlternateContent xmlns:mc="http://schemas.openxmlformats.org/markup-compatibility/2006" xmlns:a14="http://schemas.microsoft.com/office/drawing/2010/main">
+        <mc:Choice Requires="a14">
+          <p:sp>
+            <p:nvSpPr>
+              <p:cNvPr id="21" name="Textfeld 20">
+                <a:extLst>
+                  <a:ext uri="{FF2B5EF4-FFF2-40B4-BE49-F238E27FC236}">
+                    <a16:creationId xmlns:a16="http://schemas.microsoft.com/office/drawing/2014/main" id="{4F408BBD-DC02-46F4-9807-8AB26A1F2730}"/>
                   </a:ext>
                 </a:extLst>
               </p:cNvPr>
@@ -3898,8 +3960,173 @@
             </p:nvSpPr>
             <p:spPr>
               <a:xfrm>
-                <a:off x="6464761" y="1895945"/>
-                <a:ext cx="1859805" cy="323165"/>
+                <a:off x="9439916" y="3001377"/>
+                <a:ext cx="227626" cy="276999"/>
+              </a:xfrm>
+              <a:prstGeom prst="rect">
+                <a:avLst/>
+              </a:prstGeom>
+              <a:noFill/>
+            </p:spPr>
+            <p:txBody>
+              <a:bodyPr wrap="none" lIns="0" tIns="0" rIns="0" bIns="0" rtlCol="0">
+                <a:spAutoFit/>
+              </a:bodyPr>
+              <a:lstStyle/>
+              <a:p>
+                <a:pPr/>
+                <a14:m>
+                  <m:oMathPara xmlns:m="http://schemas.openxmlformats.org/officeDocument/2006/math">
+                    <m:oMathParaPr>
+                      <m:jc m:val="centerGroup"/>
+                    </m:oMathParaPr>
+                    <m:oMath xmlns:m="http://schemas.openxmlformats.org/officeDocument/2006/math">
+                      <m:r>
+                        <m:rPr>
+                          <m:sty m:val="p"/>
+                        </m:rPr>
+                        <a:rPr lang="de-DE" i="1">
+                          <a:latin typeface="Cambria Math" panose="02040503050406030204" pitchFamily="18" charset="0"/>
+                        </a:rPr>
+                        <m:t>Θ</m:t>
+                      </m:r>
+                    </m:oMath>
+                  </m:oMathPara>
+                </a14:m>
+                <a:endParaRPr lang="de-DE" dirty="0">
+                  <a:latin typeface="CMU Bright" panose="02000603000000000000" pitchFamily="2" charset="0"/>
+                  <a:ea typeface="CMU Bright" panose="02000603000000000000" pitchFamily="2" charset="0"/>
+                  <a:cs typeface="CMU Bright" panose="02000603000000000000" pitchFamily="2" charset="0"/>
+                </a:endParaRPr>
+              </a:p>
+            </p:txBody>
+          </p:sp>
+        </mc:Choice>
+        <mc:Fallback xmlns="">
+          <p:sp>
+            <p:nvSpPr>
+              <p:cNvPr id="21" name="Textfeld 20">
+                <a:extLst>
+                  <a:ext uri="{FF2B5EF4-FFF2-40B4-BE49-F238E27FC236}">
+                    <a16:creationId xmlns:a16="http://schemas.microsoft.com/office/drawing/2014/main" id="{4F408BBD-DC02-46F4-9807-8AB26A1F2730}"/>
+                  </a:ext>
+                </a:extLst>
+              </p:cNvPr>
+              <p:cNvSpPr txBox="1">
+                <a:spLocks noRot="1" noChangeAspect="1" noMove="1" noResize="1" noEditPoints="1" noAdjustHandles="1" noChangeArrowheads="1" noChangeShapeType="1" noTextEdit="1"/>
+              </p:cNvSpPr>
+              <p:nvPr/>
+            </p:nvSpPr>
+            <p:spPr>
+              <a:xfrm>
+                <a:off x="9439916" y="3001377"/>
+                <a:ext cx="227626" cy="276999"/>
+              </a:xfrm>
+              <a:prstGeom prst="rect">
+                <a:avLst/>
+              </a:prstGeom>
+              <a:blipFill>
+                <a:blip r:embed="rId6"/>
+                <a:stretch>
+                  <a:fillRect l="-21622" r="-18919" b="-4348"/>
+                </a:stretch>
+              </a:blipFill>
+            </p:spPr>
+            <p:txBody>
+              <a:bodyPr/>
+              <a:lstStyle/>
+              <a:p>
+                <a:r>
+                  <a:rPr lang="de-DE">
+                    <a:noFill/>
+                  </a:rPr>
+                  <a:t> </a:t>
+                </a:r>
+              </a:p>
+            </p:txBody>
+          </p:sp>
+        </mc:Fallback>
+      </mc:AlternateContent>
+      <p:sp>
+        <p:nvSpPr>
+          <p:cNvPr id="22" name="Ellipse 21">
+            <a:extLst>
+              <a:ext uri="{FF2B5EF4-FFF2-40B4-BE49-F238E27FC236}">
+                <a16:creationId xmlns:a16="http://schemas.microsoft.com/office/drawing/2014/main" id="{FB3C2DFE-0551-4795-806E-5CF78B51041C}"/>
+              </a:ext>
+            </a:extLst>
+          </p:cNvPr>
+          <p:cNvSpPr/>
+          <p:nvPr/>
+        </p:nvSpPr>
+        <p:spPr>
+          <a:xfrm>
+            <a:off x="7115639" y="2787901"/>
+            <a:ext cx="165463" cy="165463"/>
+          </a:xfrm>
+          <a:prstGeom prst="ellipse">
+            <a:avLst/>
+          </a:prstGeom>
+          <a:solidFill>
+            <a:schemeClr val="bg1">
+              <a:lumMod val="50000"/>
+            </a:schemeClr>
+          </a:solidFill>
+          <a:ln>
+            <a:solidFill>
+              <a:schemeClr val="bg1">
+                <a:lumMod val="50000"/>
+              </a:schemeClr>
+            </a:solidFill>
+          </a:ln>
+        </p:spPr>
+        <p:style>
+          <a:lnRef idx="2">
+            <a:schemeClr val="accent1">
+              <a:shade val="50000"/>
+            </a:schemeClr>
+          </a:lnRef>
+          <a:fillRef idx="1">
+            <a:schemeClr val="accent1"/>
+          </a:fillRef>
+          <a:effectRef idx="0">
+            <a:schemeClr val="accent1"/>
+          </a:effectRef>
+          <a:fontRef idx="minor">
+            <a:schemeClr val="lt1"/>
+          </a:fontRef>
+        </p:style>
+        <p:txBody>
+          <a:bodyPr rtlCol="0" anchor="ctr"/>
+          <a:lstStyle/>
+          <a:p>
+            <a:pPr algn="ctr"/>
+            <a:endParaRPr lang="de-DE">
+              <a:latin typeface="CMU Bright" panose="02000603000000000000" pitchFamily="2" charset="0"/>
+              <a:ea typeface="CMU Bright" panose="02000603000000000000" pitchFamily="2" charset="0"/>
+              <a:cs typeface="CMU Bright" panose="02000603000000000000" pitchFamily="2" charset="0"/>
+            </a:endParaRPr>
+          </a:p>
+        </p:txBody>
+      </p:sp>
+      <mc:AlternateContent xmlns:mc="http://schemas.openxmlformats.org/markup-compatibility/2006" xmlns:a14="http://schemas.microsoft.com/office/drawing/2010/main">
+        <mc:Choice Requires="a14">
+          <p:sp>
+            <p:nvSpPr>
+              <p:cNvPr id="23" name="Textfeld 22">
+                <a:extLst>
+                  <a:ext uri="{FF2B5EF4-FFF2-40B4-BE49-F238E27FC236}">
+                    <a16:creationId xmlns:a16="http://schemas.microsoft.com/office/drawing/2014/main" id="{C96D4EC6-0979-445B-BDBE-A878C5F2D5AE}"/>
+                  </a:ext>
+                </a:extLst>
+              </p:cNvPr>
+              <p:cNvSpPr txBox="1"/>
+              <p:nvPr/>
+            </p:nvSpPr>
+            <p:spPr>
+              <a:xfrm>
+                <a:off x="6797093" y="2949343"/>
+                <a:ext cx="793551" cy="381066"/>
               </a:xfrm>
               <a:prstGeom prst="rect">
                 <a:avLst/>
@@ -3912,71 +4139,47 @@
               </a:bodyPr>
               <a:lstStyle/>
               <a:p>
-                <a:r>
-                  <a:rPr lang="de-DE" sz="1500" dirty="0">
-                    <a:latin typeface="CMU Bright" panose="02000603000000000000" pitchFamily="2" charset="0"/>
-                    <a:ea typeface="CMU Bright" panose="02000603000000000000" pitchFamily="2" charset="0"/>
-                    <a:cs typeface="CMU Bright" panose="02000603000000000000" pitchFamily="2" charset="0"/>
-                  </a:rPr>
-                  <a:t>Parameterschätzung</a:t>
-                </a:r>
-              </a:p>
-            </p:txBody>
-          </p:sp>
-          <p:sp>
-            <p:nvSpPr>
-              <p:cNvPr id="19" name="Ellipse 18">
-                <a:extLst>
-                  <a:ext uri="{FF2B5EF4-FFF2-40B4-BE49-F238E27FC236}">
-                    <a16:creationId xmlns:a16="http://schemas.microsoft.com/office/drawing/2014/main" id="{4931E6B6-F0C7-4222-ABD3-2A96581C24A5}"/>
-                  </a:ext>
-                </a:extLst>
-              </p:cNvPr>
-              <p:cNvSpPr/>
-              <p:nvPr/>
-            </p:nvSpPr>
-            <p:spPr>
-              <a:xfrm>
-                <a:off x="7832894" y="2388371"/>
-                <a:ext cx="165463" cy="165463"/>
-              </a:xfrm>
-              <a:prstGeom prst="ellipse">
-                <a:avLst/>
-              </a:prstGeom>
-              <a:solidFill>
-                <a:schemeClr val="bg1"/>
-              </a:solidFill>
-              <a:ln>
-                <a:solidFill>
-                  <a:schemeClr val="accent5">
-                    <a:lumMod val="75000"/>
-                  </a:schemeClr>
-                </a:solidFill>
-                <a:prstDash val="solid"/>
-              </a:ln>
-            </p:spPr>
-            <p:style>
-              <a:lnRef idx="2">
-                <a:schemeClr val="accent1">
-                  <a:shade val="50000"/>
-                </a:schemeClr>
-              </a:lnRef>
-              <a:fillRef idx="1">
-                <a:schemeClr val="accent1"/>
-              </a:fillRef>
-              <a:effectRef idx="0">
-                <a:schemeClr val="accent1"/>
-              </a:effectRef>
-              <a:fontRef idx="minor">
-                <a:schemeClr val="lt1"/>
-              </a:fontRef>
-            </p:style>
-            <p:txBody>
-              <a:bodyPr rtlCol="0" anchor="ctr"/>
-              <a:lstStyle/>
-              <a:p>
-                <a:pPr algn="ctr"/>
-                <a:endParaRPr lang="de-DE">
+                <a:pPr/>
+                <a14:m>
+                  <m:oMathPara xmlns:m="http://schemas.openxmlformats.org/officeDocument/2006/math">
+                    <m:oMathParaPr>
+                      <m:jc m:val="centerGroup"/>
+                    </m:oMathParaPr>
+                    <m:oMath xmlns:m="http://schemas.openxmlformats.org/officeDocument/2006/math">
+                      <m:acc>
+                        <m:accPr>
+                          <m:chr m:val="̂"/>
+                          <m:ctrlPr>
+                            <a:rPr lang="de-DE" i="1">
+                              <a:latin typeface="Cambria Math" panose="02040503050406030204" pitchFamily="18" charset="0"/>
+                            </a:rPr>
+                          </m:ctrlPr>
+                        </m:accPr>
+                        <m:e>
+                          <m:r>
+                            <a:rPr lang="de-DE" i="1">
+                              <a:latin typeface="Cambria Math" panose="02040503050406030204" pitchFamily="18" charset="0"/>
+                            </a:rPr>
+                            <m:t>𝜃</m:t>
+                          </m:r>
+                        </m:e>
+                      </m:acc>
+                      <m:r>
+                        <a:rPr lang="de-DE" i="1">
+                          <a:latin typeface="Cambria Math" panose="02040503050406030204" pitchFamily="18" charset="0"/>
+                        </a:rPr>
+                        <m:t>±</m:t>
+                      </m:r>
+                      <m:r>
+                        <a:rPr lang="de-DE" i="1">
+                          <a:latin typeface="Cambria Math" panose="02040503050406030204" pitchFamily="18" charset="0"/>
+                        </a:rPr>
+                        <m:t>𝜉</m:t>
+                      </m:r>
+                    </m:oMath>
+                  </m:oMathPara>
+                </a14:m>
+                <a:endParaRPr lang="de-DE" dirty="0">
                   <a:latin typeface="CMU Bright" panose="02000603000000000000" pitchFamily="2" charset="0"/>
                   <a:ea typeface="CMU Bright" panose="02000603000000000000" pitchFamily="2" charset="0"/>
                   <a:cs typeface="CMU Bright" panose="02000603000000000000" pitchFamily="2" charset="0"/>
@@ -3984,43 +4187,608 @@
               </a:p>
             </p:txBody>
           </p:sp>
-          <mc:AlternateContent xmlns:mc="http://schemas.openxmlformats.org/markup-compatibility/2006">
-            <mc:Choice xmlns:a14="http://schemas.microsoft.com/office/drawing/2010/main" Requires="a14">
-              <p:sp>
-                <p:nvSpPr>
-                  <p:cNvPr id="21" name="Textfeld 20">
-                    <a:extLst>
-                      <a:ext uri="{FF2B5EF4-FFF2-40B4-BE49-F238E27FC236}">
-                        <a16:creationId xmlns:a16="http://schemas.microsoft.com/office/drawing/2014/main" id="{4F408BBD-DC02-46F4-9807-8AB26A1F2730}"/>
-                      </a:ext>
-                    </a:extLst>
-                  </p:cNvPr>
-                  <p:cNvSpPr txBox="1"/>
-                  <p:nvPr/>
-                </p:nvSpPr>
-                <p:spPr>
-                  <a:xfrm>
-                    <a:off x="9753555" y="3984159"/>
-                    <a:ext cx="227626" cy="276999"/>
-                  </a:xfrm>
-                  <a:prstGeom prst="rect">
-                    <a:avLst/>
-                  </a:prstGeom>
-                  <a:noFill/>
-                </p:spPr>
-                <p:txBody>
-                  <a:bodyPr wrap="none" lIns="0" tIns="0" rIns="0" bIns="0" rtlCol="0">
-                    <a:spAutoFit/>
-                  </a:bodyPr>
-                  <a:lstStyle/>
-                  <a:p>
-                    <a:pPr/>
-                    <a14:m>
-                      <m:oMathPara xmlns:m="http://schemas.openxmlformats.org/officeDocument/2006/math">
-                        <m:oMathParaPr>
-                          <m:jc m:val="centerGroup"/>
-                        </m:oMathParaPr>
-                        <m:oMath xmlns:m="http://schemas.openxmlformats.org/officeDocument/2006/math">
+        </mc:Choice>
+        <mc:Fallback xmlns="">
+          <p:sp>
+            <p:nvSpPr>
+              <p:cNvPr id="23" name="Textfeld 22">
+                <a:extLst>
+                  <a:ext uri="{FF2B5EF4-FFF2-40B4-BE49-F238E27FC236}">
+                    <a16:creationId xmlns:a16="http://schemas.microsoft.com/office/drawing/2014/main" id="{C96D4EC6-0979-445B-BDBE-A878C5F2D5AE}"/>
+                  </a:ext>
+                </a:extLst>
+              </p:cNvPr>
+              <p:cNvSpPr txBox="1">
+                <a:spLocks noRot="1" noChangeAspect="1" noMove="1" noResize="1" noEditPoints="1" noAdjustHandles="1" noChangeArrowheads="1" noChangeShapeType="1" noTextEdit="1"/>
+              </p:cNvSpPr>
+              <p:nvPr/>
+            </p:nvSpPr>
+            <p:spPr>
+              <a:xfrm>
+                <a:off x="6797093" y="2949343"/>
+                <a:ext cx="793551" cy="381066"/>
+              </a:xfrm>
+              <a:prstGeom prst="rect">
+                <a:avLst/>
+              </a:prstGeom>
+              <a:blipFill>
+                <a:blip r:embed="rId7"/>
+                <a:stretch>
+                  <a:fillRect t="-9677" b="-11290"/>
+                </a:stretch>
+              </a:blipFill>
+            </p:spPr>
+            <p:txBody>
+              <a:bodyPr/>
+              <a:lstStyle/>
+              <a:p>
+                <a:r>
+                  <a:rPr lang="de-DE">
+                    <a:noFill/>
+                  </a:rPr>
+                  <a:t> </a:t>
+                </a:r>
+              </a:p>
+            </p:txBody>
+          </p:sp>
+        </mc:Fallback>
+      </mc:AlternateContent>
+      <p:sp>
+        <p:nvSpPr>
+          <p:cNvPr id="24" name="Textfeld 23">
+            <a:extLst>
+              <a:ext uri="{FF2B5EF4-FFF2-40B4-BE49-F238E27FC236}">
+                <a16:creationId xmlns:a16="http://schemas.microsoft.com/office/drawing/2014/main" id="{B9205B82-3F1F-4A5F-9ECD-7AD0A0E46CE4}"/>
+              </a:ext>
+            </a:extLst>
+          </p:cNvPr>
+          <p:cNvSpPr txBox="1"/>
+          <p:nvPr/>
+        </p:nvSpPr>
+        <p:spPr>
+          <a:xfrm>
+            <a:off x="6151122" y="2257455"/>
+            <a:ext cx="1729961" cy="323165"/>
+          </a:xfrm>
+          <a:prstGeom prst="rect">
+            <a:avLst/>
+          </a:prstGeom>
+          <a:noFill/>
+        </p:spPr>
+        <p:txBody>
+          <a:bodyPr wrap="none" rtlCol="0">
+            <a:spAutoFit/>
+          </a:bodyPr>
+          <a:lstStyle/>
+          <a:p>
+            <a:r>
+              <a:rPr lang="de-DE" sz="1500" dirty="0">
+                <a:latin typeface="CMU Bright" panose="02000603000000000000" pitchFamily="2" charset="0"/>
+                <a:ea typeface="CMU Bright" panose="02000603000000000000" pitchFamily="2" charset="0"/>
+                <a:cs typeface="CMU Bright" panose="02000603000000000000" pitchFamily="2" charset="0"/>
+              </a:rPr>
+              <a:t>Konfidenzintervalle</a:t>
+            </a:r>
+          </a:p>
+        </p:txBody>
+      </p:sp>
+      <p:sp>
+        <p:nvSpPr>
+          <p:cNvPr id="25" name="Ellipse 24">
+            <a:extLst>
+              <a:ext uri="{FF2B5EF4-FFF2-40B4-BE49-F238E27FC236}">
+                <a16:creationId xmlns:a16="http://schemas.microsoft.com/office/drawing/2014/main" id="{FAC217B0-BF58-470F-96C5-448A89BCC181}"/>
+              </a:ext>
+            </a:extLst>
+          </p:cNvPr>
+          <p:cNvSpPr/>
+          <p:nvPr/>
+        </p:nvSpPr>
+        <p:spPr>
+          <a:xfrm>
+            <a:off x="7519255" y="2787901"/>
+            <a:ext cx="165463" cy="165463"/>
+          </a:xfrm>
+          <a:prstGeom prst="ellipse">
+            <a:avLst/>
+          </a:prstGeom>
+          <a:solidFill>
+            <a:schemeClr val="bg1"/>
+          </a:solidFill>
+          <a:ln>
+            <a:solidFill>
+              <a:schemeClr val="accent5">
+                <a:lumMod val="75000"/>
+              </a:schemeClr>
+            </a:solidFill>
+            <a:prstDash val="solid"/>
+          </a:ln>
+        </p:spPr>
+        <p:style>
+          <a:lnRef idx="2">
+            <a:schemeClr val="accent1">
+              <a:shade val="50000"/>
+            </a:schemeClr>
+          </a:lnRef>
+          <a:fillRef idx="1">
+            <a:schemeClr val="accent1"/>
+          </a:fillRef>
+          <a:effectRef idx="0">
+            <a:schemeClr val="accent1"/>
+          </a:effectRef>
+          <a:fontRef idx="minor">
+            <a:schemeClr val="lt1"/>
+          </a:fontRef>
+        </p:style>
+        <p:txBody>
+          <a:bodyPr rtlCol="0" anchor="ctr"/>
+          <a:lstStyle/>
+          <a:p>
+            <a:pPr algn="ctr"/>
+            <a:endParaRPr lang="de-DE">
+              <a:latin typeface="CMU Bright" panose="02000603000000000000" pitchFamily="2" charset="0"/>
+              <a:ea typeface="CMU Bright" panose="02000603000000000000" pitchFamily="2" charset="0"/>
+              <a:cs typeface="CMU Bright" panose="02000603000000000000" pitchFamily="2" charset="0"/>
+            </a:endParaRPr>
+          </a:p>
+        </p:txBody>
+      </p:sp>
+      <mc:AlternateContent xmlns:mc="http://schemas.openxmlformats.org/markup-compatibility/2006" xmlns:a14="http://schemas.microsoft.com/office/drawing/2010/main">
+        <mc:Choice Requires="a14">
+          <p:sp>
+            <p:nvSpPr>
+              <p:cNvPr id="26" name="Textfeld 25">
+                <a:extLst>
+                  <a:ext uri="{FF2B5EF4-FFF2-40B4-BE49-F238E27FC236}">
+                    <a16:creationId xmlns:a16="http://schemas.microsoft.com/office/drawing/2014/main" id="{5F833FAA-31BB-4E4F-8AD8-F2F4286C6DD0}"/>
+                  </a:ext>
+                </a:extLst>
+              </p:cNvPr>
+              <p:cNvSpPr txBox="1"/>
+              <p:nvPr/>
+            </p:nvSpPr>
+            <p:spPr>
+              <a:xfrm>
+                <a:off x="6433615" y="2680817"/>
+                <a:ext cx="966563" cy="369332"/>
+              </a:xfrm>
+              <a:prstGeom prst="rect">
+                <a:avLst/>
+              </a:prstGeom>
+              <a:noFill/>
+            </p:spPr>
+            <p:txBody>
+              <a:bodyPr wrap="square" rtlCol="0">
+                <a:spAutoFit/>
+              </a:bodyPr>
+              <a:lstStyle/>
+              <a:p>
+                <a14:m>
+                  <m:oMath xmlns:m="http://schemas.openxmlformats.org/officeDocument/2006/math">
+                    <m:r>
+                      <a:rPr lang="de-DE" i="1">
+                        <a:latin typeface="Cambria Math" panose="02040503050406030204" pitchFamily="18" charset="0"/>
+                      </a:rPr>
+                      <m:t>[                      ]</m:t>
+                    </m:r>
+                  </m:oMath>
+                </a14:m>
+                <a:r>
+                  <a:rPr lang="de-DE" dirty="0">
+                    <a:latin typeface="CMU Bright" panose="02000603000000000000" pitchFamily="2" charset="0"/>
+                    <a:ea typeface="CMU Bright" panose="02000603000000000000" pitchFamily="2" charset="0"/>
+                    <a:cs typeface="CMU Bright" panose="02000603000000000000" pitchFamily="2" charset="0"/>
+                  </a:rPr>
+                  <a:t>         </a:t>
+                </a:r>
+              </a:p>
+            </p:txBody>
+          </p:sp>
+        </mc:Choice>
+        <mc:Fallback xmlns="">
+          <p:sp>
+            <p:nvSpPr>
+              <p:cNvPr id="26" name="Textfeld 25">
+                <a:extLst>
+                  <a:ext uri="{FF2B5EF4-FFF2-40B4-BE49-F238E27FC236}">
+                    <a16:creationId xmlns:a16="http://schemas.microsoft.com/office/drawing/2014/main" id="{5F833FAA-31BB-4E4F-8AD8-F2F4286C6DD0}"/>
+                  </a:ext>
+                </a:extLst>
+              </p:cNvPr>
+              <p:cNvSpPr txBox="1">
+                <a:spLocks noRot="1" noChangeAspect="1" noMove="1" noResize="1" noEditPoints="1" noAdjustHandles="1" noChangeArrowheads="1" noChangeShapeType="1" noTextEdit="1"/>
+              </p:cNvSpPr>
+              <p:nvPr/>
+            </p:nvSpPr>
+            <p:spPr>
+              <a:xfrm>
+                <a:off x="6433615" y="2680817"/>
+                <a:ext cx="966563" cy="369332"/>
+              </a:xfrm>
+              <a:prstGeom prst="rect">
+                <a:avLst/>
+              </a:prstGeom>
+              <a:blipFill>
+                <a:blip r:embed="rId8"/>
+                <a:stretch>
+                  <a:fillRect l="-1887" r="-52830" b="-15000"/>
+                </a:stretch>
+              </a:blipFill>
+            </p:spPr>
+            <p:txBody>
+              <a:bodyPr/>
+              <a:lstStyle/>
+              <a:p>
+                <a:r>
+                  <a:rPr lang="de-DE">
+                    <a:noFill/>
+                  </a:rPr>
+                  <a:t> </a:t>
+                </a:r>
+              </a:p>
+            </p:txBody>
+          </p:sp>
+        </mc:Fallback>
+      </mc:AlternateContent>
+      <mc:AlternateContent xmlns:mc="http://schemas.openxmlformats.org/markup-compatibility/2006" xmlns:a14="http://schemas.microsoft.com/office/drawing/2010/main">
+        <mc:Choice Requires="a14">
+          <p:sp>
+            <p:nvSpPr>
+              <p:cNvPr id="28" name="Textfeld 27">
+                <a:extLst>
+                  <a:ext uri="{FF2B5EF4-FFF2-40B4-BE49-F238E27FC236}">
+                    <a16:creationId xmlns:a16="http://schemas.microsoft.com/office/drawing/2014/main" id="{A04149A9-C72F-46F5-867D-023F578B9D37}"/>
+                  </a:ext>
+                </a:extLst>
+              </p:cNvPr>
+              <p:cNvSpPr txBox="1"/>
+              <p:nvPr/>
+            </p:nvSpPr>
+            <p:spPr>
+              <a:xfrm>
+                <a:off x="9409187" y="4577912"/>
+                <a:ext cx="227626" cy="276999"/>
+              </a:xfrm>
+              <a:prstGeom prst="rect">
+                <a:avLst/>
+              </a:prstGeom>
+              <a:noFill/>
+            </p:spPr>
+            <p:txBody>
+              <a:bodyPr wrap="none" lIns="0" tIns="0" rIns="0" bIns="0" rtlCol="0">
+                <a:spAutoFit/>
+              </a:bodyPr>
+              <a:lstStyle/>
+              <a:p>
+                <a:pPr/>
+                <a14:m>
+                  <m:oMathPara xmlns:m="http://schemas.openxmlformats.org/officeDocument/2006/math">
+                    <m:oMathParaPr>
+                      <m:jc m:val="centerGroup"/>
+                    </m:oMathParaPr>
+                    <m:oMath xmlns:m="http://schemas.openxmlformats.org/officeDocument/2006/math">
+                      <m:r>
+                        <m:rPr>
+                          <m:sty m:val="p"/>
+                        </m:rPr>
+                        <a:rPr lang="de-DE" i="1">
+                          <a:latin typeface="Cambria Math" panose="02040503050406030204" pitchFamily="18" charset="0"/>
+                        </a:rPr>
+                        <m:t>Θ</m:t>
+                      </m:r>
+                    </m:oMath>
+                  </m:oMathPara>
+                </a14:m>
+                <a:endParaRPr lang="de-DE" dirty="0">
+                  <a:latin typeface="CMU Bright" panose="02000603000000000000" pitchFamily="2" charset="0"/>
+                  <a:ea typeface="CMU Bright" panose="02000603000000000000" pitchFamily="2" charset="0"/>
+                  <a:cs typeface="CMU Bright" panose="02000603000000000000" pitchFamily="2" charset="0"/>
+                </a:endParaRPr>
+              </a:p>
+            </p:txBody>
+          </p:sp>
+        </mc:Choice>
+        <mc:Fallback xmlns="">
+          <p:sp>
+            <p:nvSpPr>
+              <p:cNvPr id="28" name="Textfeld 27">
+                <a:extLst>
+                  <a:ext uri="{FF2B5EF4-FFF2-40B4-BE49-F238E27FC236}">
+                    <a16:creationId xmlns:a16="http://schemas.microsoft.com/office/drawing/2014/main" id="{A04149A9-C72F-46F5-867D-023F578B9D37}"/>
+                  </a:ext>
+                </a:extLst>
+              </p:cNvPr>
+              <p:cNvSpPr txBox="1">
+                <a:spLocks noRot="1" noChangeAspect="1" noMove="1" noResize="1" noEditPoints="1" noAdjustHandles="1" noChangeArrowheads="1" noChangeShapeType="1" noTextEdit="1"/>
+              </p:cNvSpPr>
+              <p:nvPr/>
+            </p:nvSpPr>
+            <p:spPr>
+              <a:xfrm>
+                <a:off x="9409187" y="4577912"/>
+                <a:ext cx="227626" cy="276999"/>
+              </a:xfrm>
+              <a:prstGeom prst="rect">
+                <a:avLst/>
+              </a:prstGeom>
+              <a:blipFill>
+                <a:blip r:embed="rId9"/>
+                <a:stretch>
+                  <a:fillRect l="-21622" r="-18919" b="-4444"/>
+                </a:stretch>
+              </a:blipFill>
+            </p:spPr>
+            <p:txBody>
+              <a:bodyPr/>
+              <a:lstStyle/>
+              <a:p>
+                <a:r>
+                  <a:rPr lang="de-DE">
+                    <a:noFill/>
+                  </a:rPr>
+                  <a:t> </a:t>
+                </a:r>
+              </a:p>
+            </p:txBody>
+          </p:sp>
+        </mc:Fallback>
+      </mc:AlternateContent>
+      <p:sp>
+        <p:nvSpPr>
+          <p:cNvPr id="31" name="Textfeld 30">
+            <a:extLst>
+              <a:ext uri="{FF2B5EF4-FFF2-40B4-BE49-F238E27FC236}">
+                <a16:creationId xmlns:a16="http://schemas.microsoft.com/office/drawing/2014/main" id="{8AFBBB97-632C-478F-B71C-30B06434318A}"/>
+              </a:ext>
+            </a:extLst>
+          </p:cNvPr>
+          <p:cNvSpPr txBox="1"/>
+          <p:nvPr/>
+        </p:nvSpPr>
+        <p:spPr>
+          <a:xfrm>
+            <a:off x="6151122" y="3938072"/>
+            <a:ext cx="1529586" cy="323165"/>
+          </a:xfrm>
+          <a:prstGeom prst="rect">
+            <a:avLst/>
+          </a:prstGeom>
+          <a:noFill/>
+        </p:spPr>
+        <p:txBody>
+          <a:bodyPr wrap="none" rtlCol="0">
+            <a:spAutoFit/>
+          </a:bodyPr>
+          <a:lstStyle/>
+          <a:p>
+            <a:r>
+              <a:rPr lang="de-DE" sz="1500">
+                <a:latin typeface="CMU Bright" panose="02000603000000000000" pitchFamily="2" charset="0"/>
+                <a:ea typeface="CMU Bright" panose="02000603000000000000" pitchFamily="2" charset="0"/>
+                <a:cs typeface="CMU Bright" panose="02000603000000000000" pitchFamily="2" charset="0"/>
+              </a:rPr>
+              <a:t>Hypothesentests</a:t>
+            </a:r>
+            <a:endParaRPr lang="de-DE" sz="1500" dirty="0">
+              <a:latin typeface="CMU Bright" panose="02000603000000000000" pitchFamily="2" charset="0"/>
+              <a:ea typeface="CMU Bright" panose="02000603000000000000" pitchFamily="2" charset="0"/>
+              <a:cs typeface="CMU Bright" panose="02000603000000000000" pitchFamily="2" charset="0"/>
+            </a:endParaRPr>
+          </a:p>
+        </p:txBody>
+      </p:sp>
+      <p:sp>
+        <p:nvSpPr>
+          <p:cNvPr id="32" name="Ellipse 31">
+            <a:extLst>
+              <a:ext uri="{FF2B5EF4-FFF2-40B4-BE49-F238E27FC236}">
+                <a16:creationId xmlns:a16="http://schemas.microsoft.com/office/drawing/2014/main" id="{DC168DE8-B222-4A5E-B0F7-B1E7A6BA6804}"/>
+              </a:ext>
+            </a:extLst>
+          </p:cNvPr>
+          <p:cNvSpPr/>
+          <p:nvPr/>
+        </p:nvSpPr>
+        <p:spPr>
+          <a:xfrm>
+            <a:off x="7519255" y="4340975"/>
+            <a:ext cx="165463" cy="165463"/>
+          </a:xfrm>
+          <a:prstGeom prst="ellipse">
+            <a:avLst/>
+          </a:prstGeom>
+          <a:solidFill>
+            <a:schemeClr val="bg1"/>
+          </a:solidFill>
+          <a:ln>
+            <a:solidFill>
+              <a:schemeClr val="accent5">
+                <a:lumMod val="75000"/>
+              </a:schemeClr>
+            </a:solidFill>
+            <a:prstDash val="solid"/>
+          </a:ln>
+        </p:spPr>
+        <p:style>
+          <a:lnRef idx="2">
+            <a:schemeClr val="accent1">
+              <a:shade val="50000"/>
+            </a:schemeClr>
+          </a:lnRef>
+          <a:fillRef idx="1">
+            <a:schemeClr val="accent1"/>
+          </a:fillRef>
+          <a:effectRef idx="0">
+            <a:schemeClr val="accent1"/>
+          </a:effectRef>
+          <a:fontRef idx="minor">
+            <a:schemeClr val="lt1"/>
+          </a:fontRef>
+        </p:style>
+        <p:txBody>
+          <a:bodyPr rtlCol="0" anchor="ctr"/>
+          <a:lstStyle/>
+          <a:p>
+            <a:pPr algn="ctr"/>
+            <a:endParaRPr lang="de-DE">
+              <a:latin typeface="CMU Bright" panose="02000603000000000000" pitchFamily="2" charset="0"/>
+              <a:ea typeface="CMU Bright" panose="02000603000000000000" pitchFamily="2" charset="0"/>
+              <a:cs typeface="CMU Bright" panose="02000603000000000000" pitchFamily="2" charset="0"/>
+            </a:endParaRPr>
+          </a:p>
+        </p:txBody>
+      </p:sp>
+      <mc:AlternateContent xmlns:mc="http://schemas.openxmlformats.org/markup-compatibility/2006" xmlns:a14="http://schemas.microsoft.com/office/drawing/2010/main">
+        <mc:Choice Requires="a14">
+          <p:sp>
+            <p:nvSpPr>
+              <p:cNvPr id="36" name="Textfeld 35">
+                <a:extLst>
+                  <a:ext uri="{FF2B5EF4-FFF2-40B4-BE49-F238E27FC236}">
+                    <a16:creationId xmlns:a16="http://schemas.microsoft.com/office/drawing/2014/main" id="{A42840CA-849C-4F84-8DAE-21C105E54124}"/>
+                  </a:ext>
+                </a:extLst>
+              </p:cNvPr>
+              <p:cNvSpPr txBox="1"/>
+              <p:nvPr/>
+            </p:nvSpPr>
+            <p:spPr>
+              <a:xfrm>
+                <a:off x="7158790" y="4229324"/>
+                <a:ext cx="966563" cy="369332"/>
+              </a:xfrm>
+              <a:prstGeom prst="rect">
+                <a:avLst/>
+              </a:prstGeom>
+              <a:noFill/>
+            </p:spPr>
+            <p:txBody>
+              <a:bodyPr wrap="square" rtlCol="0">
+                <a:spAutoFit/>
+              </a:bodyPr>
+              <a:lstStyle/>
+              <a:p>
+                <a:r>
+                  <a:rPr lang="de-DE" dirty="0">
+                    <a:latin typeface="CMU Bright" panose="02000603000000000000" pitchFamily="2" charset="0"/>
+                    <a:ea typeface="CMU Bright" panose="02000603000000000000" pitchFamily="2" charset="0"/>
+                    <a:cs typeface="CMU Bright" panose="02000603000000000000" pitchFamily="2" charset="0"/>
+                  </a:rPr>
+                  <a:t> </a:t>
+                </a:r>
+                <a14:m>
+                  <m:oMath xmlns:m="http://schemas.openxmlformats.org/officeDocument/2006/math">
+                    <m:r>
+                      <a:rPr lang="de-DE" i="1">
+                        <a:latin typeface="Cambria Math" panose="02040503050406030204" pitchFamily="18" charset="0"/>
+                      </a:rPr>
+                      <m:t>][</m:t>
+                    </m:r>
+                  </m:oMath>
+                </a14:m>
+                <a:r>
+                  <a:rPr lang="de-DE" dirty="0">
+                    <a:latin typeface="CMU Bright" panose="02000603000000000000" pitchFamily="2" charset="0"/>
+                    <a:ea typeface="CMU Bright" panose="02000603000000000000" pitchFamily="2" charset="0"/>
+                    <a:cs typeface="CMU Bright" panose="02000603000000000000" pitchFamily="2" charset="0"/>
+                  </a:rPr>
+                  <a:t>         </a:t>
+                </a:r>
+              </a:p>
+            </p:txBody>
+          </p:sp>
+        </mc:Choice>
+        <mc:Fallback xmlns="">
+          <p:sp>
+            <p:nvSpPr>
+              <p:cNvPr id="36" name="Textfeld 35">
+                <a:extLst>
+                  <a:ext uri="{FF2B5EF4-FFF2-40B4-BE49-F238E27FC236}">
+                    <a16:creationId xmlns:a16="http://schemas.microsoft.com/office/drawing/2014/main" id="{A42840CA-849C-4F84-8DAE-21C105E54124}"/>
+                  </a:ext>
+                </a:extLst>
+              </p:cNvPr>
+              <p:cNvSpPr txBox="1">
+                <a:spLocks noRot="1" noChangeAspect="1" noMove="1" noResize="1" noEditPoints="1" noAdjustHandles="1" noChangeArrowheads="1" noChangeShapeType="1" noTextEdit="1"/>
+              </p:cNvSpPr>
+              <p:nvPr/>
+            </p:nvSpPr>
+            <p:spPr>
+              <a:xfrm>
+                <a:off x="7158790" y="4229324"/>
+                <a:ext cx="966563" cy="369332"/>
+              </a:xfrm>
+              <a:prstGeom prst="rect">
+                <a:avLst/>
+              </a:prstGeom>
+              <a:blipFill>
+                <a:blip r:embed="rId10"/>
+                <a:stretch>
+                  <a:fillRect b="-15000"/>
+                </a:stretch>
+              </a:blipFill>
+            </p:spPr>
+            <p:txBody>
+              <a:bodyPr/>
+              <a:lstStyle/>
+              <a:p>
+                <a:r>
+                  <a:rPr lang="de-DE">
+                    <a:noFill/>
+                  </a:rPr>
+                  <a:t> </a:t>
+                </a:r>
+              </a:p>
+            </p:txBody>
+          </p:sp>
+        </mc:Fallback>
+      </mc:AlternateContent>
+      <mc:AlternateContent xmlns:mc="http://schemas.openxmlformats.org/markup-compatibility/2006" xmlns:a14="http://schemas.microsoft.com/office/drawing/2010/main">
+        <mc:Choice Requires="a14">
+          <p:sp>
+            <p:nvSpPr>
+              <p:cNvPr id="37" name="Textfeld 36">
+                <a:extLst>
+                  <a:ext uri="{FF2B5EF4-FFF2-40B4-BE49-F238E27FC236}">
+                    <a16:creationId xmlns:a16="http://schemas.microsoft.com/office/drawing/2014/main" id="{68C5C591-6D9C-41E7-A231-C1B186C7FB9D}"/>
+                  </a:ext>
+                </a:extLst>
+              </p:cNvPr>
+              <p:cNvSpPr txBox="1"/>
+              <p:nvPr/>
+            </p:nvSpPr>
+            <p:spPr>
+              <a:xfrm>
+                <a:off x="6646428" y="4460157"/>
+                <a:ext cx="334963" cy="276999"/>
+              </a:xfrm>
+              <a:prstGeom prst="rect">
+                <a:avLst/>
+              </a:prstGeom>
+              <a:noFill/>
+            </p:spPr>
+            <p:txBody>
+              <a:bodyPr wrap="none" lIns="0" tIns="0" rIns="0" bIns="0" rtlCol="0">
+                <a:spAutoFit/>
+              </a:bodyPr>
+              <a:lstStyle/>
+              <a:p>
+                <a:pPr/>
+                <a14:m>
+                  <m:oMathPara xmlns:m="http://schemas.openxmlformats.org/officeDocument/2006/math">
+                    <m:oMathParaPr>
+                      <m:jc m:val="centerGroup"/>
+                    </m:oMathParaPr>
+                    <m:oMath xmlns:m="http://schemas.openxmlformats.org/officeDocument/2006/math">
+                      <m:sSub>
+                        <m:sSubPr>
+                          <m:ctrlPr>
+                            <a:rPr lang="de-DE" i="1">
+                              <a:latin typeface="Cambria Math" panose="02040503050406030204" pitchFamily="18" charset="0"/>
+                            </a:rPr>
+                          </m:ctrlPr>
+                        </m:sSubPr>
+                        <m:e>
                           <m:r>
                             <m:rPr>
                               <m:sty m:val="p"/>
@@ -4030,69 +4798,203 @@
                             </a:rPr>
                             <m:t>Θ</m:t>
                           </m:r>
-                        </m:oMath>
-                      </m:oMathPara>
-                    </a14:m>
-                    <a:endParaRPr lang="de-DE" dirty="0">
-                      <a:latin typeface="CMU Bright" panose="02000603000000000000" pitchFamily="2" charset="0"/>
-                      <a:ea typeface="CMU Bright" panose="02000603000000000000" pitchFamily="2" charset="0"/>
-                      <a:cs typeface="CMU Bright" panose="02000603000000000000" pitchFamily="2" charset="0"/>
-                    </a:endParaRPr>
-                  </a:p>
-                </p:txBody>
-              </p:sp>
-            </mc:Choice>
-            <mc:Fallback>
-              <p:sp>
-                <p:nvSpPr>
-                  <p:cNvPr id="21" name="Textfeld 20">
-                    <a:extLst>
-                      <a:ext uri="{FF2B5EF4-FFF2-40B4-BE49-F238E27FC236}">
-                        <a16:creationId xmlns:a16="http://schemas.microsoft.com/office/drawing/2014/main" id="{4F408BBD-DC02-46F4-9807-8AB26A1F2730}"/>
-                      </a:ext>
-                    </a:extLst>
-                  </p:cNvPr>
-                  <p:cNvSpPr txBox="1">
-                    <a:spLocks noRot="1" noChangeAspect="1" noMove="1" noResize="1" noEditPoints="1" noAdjustHandles="1" noChangeArrowheads="1" noChangeShapeType="1" noTextEdit="1"/>
-                  </p:cNvSpPr>
-                  <p:nvPr/>
-                </p:nvSpPr>
-                <p:spPr>
-                  <a:xfrm>
-                    <a:off x="9753555" y="3984159"/>
-                    <a:ext cx="227626" cy="276999"/>
-                  </a:xfrm>
-                  <a:prstGeom prst="rect">
-                    <a:avLst/>
-                  </a:prstGeom>
-                  <a:blipFill>
-                    <a:blip r:embed="rId6"/>
-                    <a:stretch>
-                      <a:fillRect l="-21622" r="-18919" b="-4348"/>
-                    </a:stretch>
-                  </a:blipFill>
-                </p:spPr>
-                <p:txBody>
-                  <a:bodyPr/>
-                  <a:lstStyle/>
-                  <a:p>
-                    <a:r>
-                      <a:rPr lang="en-GB">
-                        <a:noFill/>
-                      </a:rPr>
-                      <a:t> </a:t>
-                    </a:r>
-                  </a:p>
-                </p:txBody>
-              </p:sp>
-            </mc:Fallback>
-          </mc:AlternateContent>
+                        </m:e>
+                        <m:sub>
+                          <m:r>
+                            <a:rPr lang="de-DE" i="1">
+                              <a:latin typeface="Cambria Math" panose="02040503050406030204" pitchFamily="18" charset="0"/>
+                            </a:rPr>
+                            <m:t>0</m:t>
+                          </m:r>
+                        </m:sub>
+                      </m:sSub>
+                    </m:oMath>
+                  </m:oMathPara>
+                </a14:m>
+                <a:endParaRPr lang="de-DE" dirty="0">
+                  <a:latin typeface="CMU Bright" panose="02000603000000000000" pitchFamily="2" charset="0"/>
+                  <a:ea typeface="CMU Bright" panose="02000603000000000000" pitchFamily="2" charset="0"/>
+                  <a:cs typeface="CMU Bright" panose="02000603000000000000" pitchFamily="2" charset="0"/>
+                </a:endParaRPr>
+              </a:p>
+            </p:txBody>
+          </p:sp>
+        </mc:Choice>
+        <mc:Fallback xmlns="">
           <p:sp>
             <p:nvSpPr>
-              <p:cNvPr id="22" name="Ellipse 21">
+              <p:cNvPr id="37" name="Textfeld 36">
                 <a:extLst>
                   <a:ext uri="{FF2B5EF4-FFF2-40B4-BE49-F238E27FC236}">
-                    <a16:creationId xmlns:a16="http://schemas.microsoft.com/office/drawing/2014/main" id="{FB3C2DFE-0551-4795-806E-5CF78B51041C}"/>
+                    <a16:creationId xmlns:a16="http://schemas.microsoft.com/office/drawing/2014/main" id="{68C5C591-6D9C-41E7-A231-C1B186C7FB9D}"/>
+                  </a:ext>
+                </a:extLst>
+              </p:cNvPr>
+              <p:cNvSpPr txBox="1">
+                <a:spLocks noRot="1" noChangeAspect="1" noMove="1" noResize="1" noEditPoints="1" noAdjustHandles="1" noChangeArrowheads="1" noChangeShapeType="1" noTextEdit="1"/>
+              </p:cNvSpPr>
+              <p:nvPr/>
+            </p:nvSpPr>
+            <p:spPr>
+              <a:xfrm>
+                <a:off x="6646428" y="4460157"/>
+                <a:ext cx="334963" cy="276999"/>
+              </a:xfrm>
+              <a:prstGeom prst="rect">
+                <a:avLst/>
+              </a:prstGeom>
+              <a:blipFill>
+                <a:blip r:embed="rId11"/>
+                <a:stretch>
+                  <a:fillRect l="-10909" r="-5455" b="-13333"/>
+                </a:stretch>
+              </a:blipFill>
+            </p:spPr>
+            <p:txBody>
+              <a:bodyPr/>
+              <a:lstStyle/>
+              <a:p>
+                <a:r>
+                  <a:rPr lang="de-DE">
+                    <a:noFill/>
+                  </a:rPr>
+                  <a:t> </a:t>
+                </a:r>
+              </a:p>
+            </p:txBody>
+          </p:sp>
+        </mc:Fallback>
+      </mc:AlternateContent>
+      <mc:AlternateContent xmlns:mc="http://schemas.openxmlformats.org/markup-compatibility/2006" xmlns:a14="http://schemas.microsoft.com/office/drawing/2010/main">
+        <mc:Choice Requires="a14">
+          <p:sp>
+            <p:nvSpPr>
+              <p:cNvPr id="38" name="Textfeld 37">
+                <a:extLst>
+                  <a:ext uri="{FF2B5EF4-FFF2-40B4-BE49-F238E27FC236}">
+                    <a16:creationId xmlns:a16="http://schemas.microsoft.com/office/drawing/2014/main" id="{F49256BD-F26D-435B-9A6B-32F6CE75A6F8}"/>
+                  </a:ext>
+                </a:extLst>
+              </p:cNvPr>
+              <p:cNvSpPr txBox="1"/>
+              <p:nvPr/>
+            </p:nvSpPr>
+            <p:spPr>
+              <a:xfrm>
+                <a:off x="8345399" y="4460157"/>
+                <a:ext cx="329641" cy="276999"/>
+              </a:xfrm>
+              <a:prstGeom prst="rect">
+                <a:avLst/>
+              </a:prstGeom>
+              <a:noFill/>
+            </p:spPr>
+            <p:txBody>
+              <a:bodyPr wrap="none" lIns="0" tIns="0" rIns="0" bIns="0" rtlCol="0">
+                <a:spAutoFit/>
+              </a:bodyPr>
+              <a:lstStyle/>
+              <a:p>
+                <a:pPr/>
+                <a14:m>
+                  <m:oMathPara xmlns:m="http://schemas.openxmlformats.org/officeDocument/2006/math">
+                    <m:oMathParaPr>
+                      <m:jc m:val="centerGroup"/>
+                    </m:oMathParaPr>
+                    <m:oMath xmlns:m="http://schemas.openxmlformats.org/officeDocument/2006/math">
+                      <m:sSub>
+                        <m:sSubPr>
+                          <m:ctrlPr>
+                            <a:rPr lang="de-DE" i="1">
+                              <a:latin typeface="Cambria Math" panose="02040503050406030204" pitchFamily="18" charset="0"/>
+                            </a:rPr>
+                          </m:ctrlPr>
+                        </m:sSubPr>
+                        <m:e>
+                          <m:r>
+                            <m:rPr>
+                              <m:sty m:val="p"/>
+                            </m:rPr>
+                            <a:rPr lang="de-DE" i="1">
+                              <a:latin typeface="Cambria Math" panose="02040503050406030204" pitchFamily="18" charset="0"/>
+                            </a:rPr>
+                            <m:t>Θ</m:t>
+                          </m:r>
+                        </m:e>
+                        <m:sub>
+                          <m:r>
+                            <a:rPr lang="de-DE" i="1">
+                              <a:latin typeface="Cambria Math" panose="02040503050406030204" pitchFamily="18" charset="0"/>
+                            </a:rPr>
+                            <m:t>1</m:t>
+                          </m:r>
+                        </m:sub>
+                      </m:sSub>
+                    </m:oMath>
+                  </m:oMathPara>
+                </a14:m>
+                <a:endParaRPr lang="de-DE" dirty="0">
+                  <a:latin typeface="CMU Bright" panose="02000603000000000000" pitchFamily="2" charset="0"/>
+                  <a:ea typeface="CMU Bright" panose="02000603000000000000" pitchFamily="2" charset="0"/>
+                  <a:cs typeface="CMU Bright" panose="02000603000000000000" pitchFamily="2" charset="0"/>
+                </a:endParaRPr>
+              </a:p>
+            </p:txBody>
+          </p:sp>
+        </mc:Choice>
+        <mc:Fallback xmlns="">
+          <p:sp>
+            <p:nvSpPr>
+              <p:cNvPr id="38" name="Textfeld 37">
+                <a:extLst>
+                  <a:ext uri="{FF2B5EF4-FFF2-40B4-BE49-F238E27FC236}">
+                    <a16:creationId xmlns:a16="http://schemas.microsoft.com/office/drawing/2014/main" id="{F49256BD-F26D-435B-9A6B-32F6CE75A6F8}"/>
+                  </a:ext>
+                </a:extLst>
+              </p:cNvPr>
+              <p:cNvSpPr txBox="1">
+                <a:spLocks noRot="1" noChangeAspect="1" noMove="1" noResize="1" noEditPoints="1" noAdjustHandles="1" noChangeArrowheads="1" noChangeShapeType="1" noTextEdit="1"/>
+              </p:cNvSpPr>
+              <p:nvPr/>
+            </p:nvSpPr>
+            <p:spPr>
+              <a:xfrm>
+                <a:off x="8345399" y="4460157"/>
+                <a:ext cx="329641" cy="276999"/>
+              </a:xfrm>
+              <a:prstGeom prst="rect">
+                <a:avLst/>
+              </a:prstGeom>
+              <a:blipFill>
+                <a:blip r:embed="rId12"/>
+                <a:stretch>
+                  <a:fillRect l="-14815" r="-1852" b="-13333"/>
+                </a:stretch>
+              </a:blipFill>
+            </p:spPr>
+            <p:txBody>
+              <a:bodyPr/>
+              <a:lstStyle/>
+              <a:p>
+                <a:r>
+                  <a:rPr lang="de-DE">
+                    <a:noFill/>
+                  </a:rPr>
+                  <a:t> </a:t>
+                </a:r>
+              </a:p>
+            </p:txBody>
+          </p:sp>
+        </mc:Fallback>
+      </mc:AlternateContent>
+      <mc:AlternateContent xmlns:mc="http://schemas.openxmlformats.org/markup-compatibility/2006" xmlns:a14="http://schemas.microsoft.com/office/drawing/2010/main">
+        <mc:Choice Requires="a14">
+          <p:sp>
+            <p:nvSpPr>
+              <p:cNvPr id="39" name="Rechteck 38">
+                <a:extLst>
+                  <a:ext uri="{FF2B5EF4-FFF2-40B4-BE49-F238E27FC236}">
+                    <a16:creationId xmlns:a16="http://schemas.microsoft.com/office/drawing/2014/main" id="{C0CB5FA3-FE41-4CFB-A2F8-471685524D90}"/>
                   </a:ext>
                 </a:extLst>
               </p:cNvPr>
@@ -4101,47 +5003,60 @@
             </p:nvSpPr>
             <p:spPr>
               <a:xfrm>
-                <a:off x="7429278" y="3770683"/>
-                <a:ext cx="165463" cy="165463"/>
+                <a:off x="9021621" y="990398"/>
+                <a:ext cx="725968" cy="332848"/>
               </a:xfrm>
-              <a:prstGeom prst="ellipse">
+              <a:prstGeom prst="rect">
                 <a:avLst/>
               </a:prstGeom>
-              <a:solidFill>
-                <a:schemeClr val="bg1">
-                  <a:lumMod val="50000"/>
-                </a:schemeClr>
-              </a:solidFill>
-              <a:ln>
-                <a:solidFill>
-                  <a:schemeClr val="bg1">
-                    <a:lumMod val="50000"/>
-                  </a:schemeClr>
-                </a:solidFill>
-              </a:ln>
             </p:spPr>
-            <p:style>
-              <a:lnRef idx="2">
-                <a:schemeClr val="accent1">
-                  <a:shade val="50000"/>
-                </a:schemeClr>
-              </a:lnRef>
-              <a:fillRef idx="1">
-                <a:schemeClr val="accent1"/>
-              </a:fillRef>
-              <a:effectRef idx="0">
-                <a:schemeClr val="accent1"/>
-              </a:effectRef>
-              <a:fontRef idx="minor">
-                <a:schemeClr val="lt1"/>
-              </a:fontRef>
-            </p:style>
             <p:txBody>
-              <a:bodyPr rtlCol="0" anchor="ctr"/>
+              <a:bodyPr wrap="none">
+                <a:spAutoFit/>
+              </a:bodyPr>
               <a:lstStyle/>
               <a:p>
-                <a:pPr algn="ctr"/>
-                <a:endParaRPr lang="de-DE">
+                <a:pPr/>
+                <a14:m>
+                  <m:oMathPara xmlns:m="http://schemas.openxmlformats.org/officeDocument/2006/math">
+                    <m:oMathParaPr>
+                      <m:jc m:val="centerGroup"/>
+                    </m:oMathParaPr>
+                    <m:oMath xmlns:m="http://schemas.openxmlformats.org/officeDocument/2006/math">
+                      <m:acc>
+                        <m:accPr>
+                          <m:chr m:val="̂"/>
+                          <m:ctrlPr>
+                            <a:rPr lang="de-DE" sz="1500" i="1">
+                              <a:latin typeface="Cambria Math" panose="02040503050406030204" pitchFamily="18" charset="0"/>
+                            </a:rPr>
+                          </m:ctrlPr>
+                        </m:accPr>
+                        <m:e>
+                          <m:r>
+                            <a:rPr lang="de-DE" sz="1500" i="1">
+                              <a:latin typeface="Cambria Math" panose="02040503050406030204" pitchFamily="18" charset="0"/>
+                            </a:rPr>
+                            <m:t>𝜃</m:t>
+                          </m:r>
+                        </m:e>
+                      </m:acc>
+                      <m:r>
+                        <a:rPr lang="de-DE" sz="1500" i="1">
+                          <a:latin typeface="Cambria Math" panose="02040503050406030204" pitchFamily="18" charset="0"/>
+                        </a:rPr>
+                        <m:t>≈</m:t>
+                      </m:r>
+                      <m:r>
+                        <a:rPr lang="de-DE" sz="1500" i="1">
+                          <a:latin typeface="Cambria Math" panose="02040503050406030204" pitchFamily="18" charset="0"/>
+                        </a:rPr>
+                        <m:t>𝜃</m:t>
+                      </m:r>
+                    </m:oMath>
+                  </m:oMathPara>
+                </a14:m>
+                <a:endParaRPr lang="de-DE" sz="1500" dirty="0">
                   <a:latin typeface="CMU Bright" panose="02000603000000000000" pitchFamily="2" charset="0"/>
                   <a:ea typeface="CMU Bright" panose="02000603000000000000" pitchFamily="2" charset="0"/>
                   <a:cs typeface="CMU Bright" panose="02000603000000000000" pitchFamily="2" charset="0"/>
@@ -4149,136 +5064,585 @@
               </a:p>
             </p:txBody>
           </p:sp>
-          <mc:AlternateContent xmlns:mc="http://schemas.openxmlformats.org/markup-compatibility/2006">
-            <mc:Choice xmlns:a14="http://schemas.microsoft.com/office/drawing/2010/main" Requires="a14">
-              <p:sp>
-                <p:nvSpPr>
-                  <p:cNvPr id="23" name="Textfeld 22">
-                    <a:extLst>
-                      <a:ext uri="{FF2B5EF4-FFF2-40B4-BE49-F238E27FC236}">
-                        <a16:creationId xmlns:a16="http://schemas.microsoft.com/office/drawing/2014/main" id="{C96D4EC6-0979-445B-BDBE-A878C5F2D5AE}"/>
-                      </a:ext>
-                    </a:extLst>
-                  </p:cNvPr>
-                  <p:cNvSpPr txBox="1"/>
-                  <p:nvPr/>
-                </p:nvSpPr>
-                <p:spPr>
-                  <a:xfrm>
-                    <a:off x="7110732" y="3932125"/>
-                    <a:ext cx="793551" cy="381066"/>
-                  </a:xfrm>
-                  <a:prstGeom prst="rect">
-                    <a:avLst/>
-                  </a:prstGeom>
-                  <a:noFill/>
-                </p:spPr>
-                <p:txBody>
-                  <a:bodyPr wrap="none" rtlCol="0">
-                    <a:spAutoFit/>
-                  </a:bodyPr>
-                  <a:lstStyle/>
-                  <a:p>
-                    <a:pPr/>
-                    <a14:m>
-                      <m:oMathPara xmlns:m="http://schemas.openxmlformats.org/officeDocument/2006/math">
-                        <m:oMathParaPr>
-                          <m:jc m:val="centerGroup"/>
-                        </m:oMathParaPr>
-                        <m:oMath xmlns:m="http://schemas.openxmlformats.org/officeDocument/2006/math">
-                          <m:acc>
-                            <m:accPr>
-                              <m:chr m:val="̂"/>
+        </mc:Choice>
+        <mc:Fallback xmlns="">
+          <p:sp>
+            <p:nvSpPr>
+              <p:cNvPr id="39" name="Rechteck 38">
+                <a:extLst>
+                  <a:ext uri="{FF2B5EF4-FFF2-40B4-BE49-F238E27FC236}">
+                    <a16:creationId xmlns:a16="http://schemas.microsoft.com/office/drawing/2014/main" id="{C0CB5FA3-FE41-4CFB-A2F8-471685524D90}"/>
+                  </a:ext>
+                </a:extLst>
+              </p:cNvPr>
+              <p:cNvSpPr>
+                <a:spLocks noRot="1" noChangeAspect="1" noMove="1" noResize="1" noEditPoints="1" noAdjustHandles="1" noChangeArrowheads="1" noChangeShapeType="1" noTextEdit="1"/>
+              </p:cNvSpPr>
+              <p:nvPr/>
+            </p:nvSpPr>
+            <p:spPr>
+              <a:xfrm>
+                <a:off x="9021621" y="990398"/>
+                <a:ext cx="725968" cy="332848"/>
+              </a:xfrm>
+              <a:prstGeom prst="rect">
+                <a:avLst/>
+              </a:prstGeom>
+              <a:blipFill>
+                <a:blip r:embed="rId13"/>
+                <a:stretch>
+                  <a:fillRect t="-3636"/>
+                </a:stretch>
+              </a:blipFill>
+            </p:spPr>
+            <p:txBody>
+              <a:bodyPr/>
+              <a:lstStyle/>
+              <a:p>
+                <a:r>
+                  <a:rPr lang="de-DE">
+                    <a:noFill/>
+                  </a:rPr>
+                  <a:t> </a:t>
+                </a:r>
+              </a:p>
+            </p:txBody>
+          </p:sp>
+        </mc:Fallback>
+      </mc:AlternateContent>
+      <mc:AlternateContent xmlns:mc="http://schemas.openxmlformats.org/markup-compatibility/2006" xmlns:a14="http://schemas.microsoft.com/office/drawing/2010/main">
+        <mc:Choice Requires="a14">
+          <p:sp>
+            <p:nvSpPr>
+              <p:cNvPr id="40" name="Rechteck 39">
+                <a:extLst>
+                  <a:ext uri="{FF2B5EF4-FFF2-40B4-BE49-F238E27FC236}">
+                    <a16:creationId xmlns:a16="http://schemas.microsoft.com/office/drawing/2014/main" id="{C7DE82CB-B968-487C-890C-443165ECAACF}"/>
+                  </a:ext>
+                </a:extLst>
+              </p:cNvPr>
+              <p:cNvSpPr/>
+              <p:nvPr/>
+            </p:nvSpPr>
+            <p:spPr>
+              <a:xfrm>
+                <a:off x="8124241" y="2234916"/>
+                <a:ext cx="1578574" cy="352854"/>
+              </a:xfrm>
+              <a:prstGeom prst="rect">
+                <a:avLst/>
+              </a:prstGeom>
+            </p:spPr>
+            <p:txBody>
+              <a:bodyPr wrap="none">
+                <a:spAutoFit/>
+              </a:bodyPr>
+              <a:lstStyle/>
+              <a:p>
+                <a:pPr/>
+                <a14:m>
+                  <m:oMathPara xmlns:m="http://schemas.openxmlformats.org/officeDocument/2006/math">
+                    <m:oMathParaPr>
+                      <m:jc m:val="centerGroup"/>
+                    </m:oMathParaPr>
+                    <m:oMath xmlns:m="http://schemas.openxmlformats.org/officeDocument/2006/math">
+                      <m:sSub>
+                        <m:sSubPr>
+                          <m:ctrlPr>
+                            <a:rPr lang="de-DE" sz="1500" i="1">
+                              <a:latin typeface="Cambria Math" panose="02040503050406030204" pitchFamily="18" charset="0"/>
+                            </a:rPr>
+                          </m:ctrlPr>
+                        </m:sSubPr>
+                        <m:e>
+                          <m:r>
+                            <a:rPr lang="de-DE" sz="1500" i="1">
+                              <a:latin typeface="Cambria Math" panose="02040503050406030204" pitchFamily="18" charset="0"/>
+                            </a:rPr>
+                            <m:t>ℙ</m:t>
+                          </m:r>
+                        </m:e>
+                        <m:sub>
+                          <m:r>
+                            <a:rPr lang="de-DE" sz="1500" i="1">
+                              <a:latin typeface="Cambria Math" panose="02040503050406030204" pitchFamily="18" charset="0"/>
+                            </a:rPr>
+                            <m:t>𝜃</m:t>
+                          </m:r>
+                        </m:sub>
+                      </m:sSub>
+                      <m:d>
+                        <m:dPr>
+                          <m:ctrlPr>
+                            <a:rPr lang="de-DE" sz="1500" i="1">
+                              <a:latin typeface="Cambria Math" panose="02040503050406030204" pitchFamily="18" charset="0"/>
+                            </a:rPr>
+                          </m:ctrlPr>
+                        </m:dPr>
+                        <m:e>
+                          <m:d>
+                            <m:dPr>
+                              <m:begChr m:val="["/>
+                              <m:endChr m:val="]"/>
                               <m:ctrlPr>
-                                <a:rPr lang="de-DE" i="1">
+                                <a:rPr lang="de-DE" sz="1500" i="1">
                                   <a:latin typeface="Cambria Math" panose="02040503050406030204" pitchFamily="18" charset="0"/>
                                 </a:rPr>
                               </m:ctrlPr>
-                            </m:accPr>
+                            </m:dPr>
                             <m:e>
+                              <m:acc>
+                                <m:accPr>
+                                  <m:chr m:val="̂"/>
+                                  <m:ctrlPr>
+                                    <a:rPr lang="de-DE" sz="1500" i="1">
+                                      <a:latin typeface="Cambria Math" panose="02040503050406030204" pitchFamily="18" charset="0"/>
+                                    </a:rPr>
+                                  </m:ctrlPr>
+                                </m:accPr>
+                                <m:e>
+                                  <m:r>
+                                    <a:rPr lang="de-DE" sz="1500" i="1">
+                                      <a:latin typeface="Cambria Math" panose="02040503050406030204" pitchFamily="18" charset="0"/>
+                                    </a:rPr>
+                                    <m:t>𝜃</m:t>
+                                  </m:r>
+                                </m:e>
+                              </m:acc>
                               <m:r>
-                                <a:rPr lang="de-DE" i="1">
+                                <a:rPr lang="de-DE" sz="1500" i="1">
                                   <a:latin typeface="Cambria Math" panose="02040503050406030204" pitchFamily="18" charset="0"/>
                                 </a:rPr>
-                                <m:t>𝜃</m:t>
+                                <m:t>±</m:t>
+                              </m:r>
+                              <m:r>
+                                <a:rPr lang="de-DE" sz="1500" i="1">
+                                  <a:latin typeface="Cambria Math" panose="02040503050406030204" pitchFamily="18" charset="0"/>
+                                </a:rPr>
+                                <m:t>𝜉</m:t>
                               </m:r>
                             </m:e>
-                          </m:acc>
+                          </m:d>
                           <m:r>
-                            <a:rPr lang="de-DE" i="1">
+                            <a:rPr lang="de-DE" sz="1500" i="1">
                               <a:latin typeface="Cambria Math" panose="02040503050406030204" pitchFamily="18" charset="0"/>
                             </a:rPr>
-                            <m:t>±</m:t>
+                            <m:t>∋</m:t>
                           </m:r>
                           <m:r>
-                            <a:rPr lang="de-DE" i="1">
+                            <a:rPr lang="de-DE" sz="1500" i="1">
                               <a:latin typeface="Cambria Math" panose="02040503050406030204" pitchFamily="18" charset="0"/>
                             </a:rPr>
-                            <m:t>𝜉</m:t>
+                            <m:t>𝜃</m:t>
                           </m:r>
-                        </m:oMath>
-                      </m:oMathPara>
-                    </a14:m>
-                    <a:endParaRPr lang="de-DE" dirty="0">
-                      <a:latin typeface="CMU Bright" panose="02000603000000000000" pitchFamily="2" charset="0"/>
-                      <a:ea typeface="CMU Bright" panose="02000603000000000000" pitchFamily="2" charset="0"/>
-                      <a:cs typeface="CMU Bright" panose="02000603000000000000" pitchFamily="2" charset="0"/>
-                    </a:endParaRPr>
-                  </a:p>
-                </p:txBody>
-              </p:sp>
-            </mc:Choice>
-            <mc:Fallback>
-              <p:sp>
-                <p:nvSpPr>
-                  <p:cNvPr id="23" name="Textfeld 22">
-                    <a:extLst>
-                      <a:ext uri="{FF2B5EF4-FFF2-40B4-BE49-F238E27FC236}">
-                        <a16:creationId xmlns:a16="http://schemas.microsoft.com/office/drawing/2014/main" id="{C96D4EC6-0979-445B-BDBE-A878C5F2D5AE}"/>
-                      </a:ext>
-                    </a:extLst>
-                  </p:cNvPr>
-                  <p:cNvSpPr txBox="1">
-                    <a:spLocks noRot="1" noChangeAspect="1" noMove="1" noResize="1" noEditPoints="1" noAdjustHandles="1" noChangeArrowheads="1" noChangeShapeType="1" noTextEdit="1"/>
-                  </p:cNvSpPr>
-                  <p:nvPr/>
-                </p:nvSpPr>
-                <p:spPr>
-                  <a:xfrm>
-                    <a:off x="7110732" y="3932125"/>
-                    <a:ext cx="793551" cy="381066"/>
-                  </a:xfrm>
-                  <a:prstGeom prst="rect">
-                    <a:avLst/>
-                  </a:prstGeom>
-                  <a:blipFill>
-                    <a:blip r:embed="rId7"/>
-                    <a:stretch>
-                      <a:fillRect t="-9677" b="-11290"/>
-                    </a:stretch>
-                  </a:blipFill>
-                </p:spPr>
-                <p:txBody>
-                  <a:bodyPr/>
-                  <a:lstStyle/>
-                  <a:p>
-                    <a:r>
-                      <a:rPr lang="en-GB">
-                        <a:noFill/>
-                      </a:rPr>
-                      <a:t> </a:t>
-                    </a:r>
-                  </a:p>
-                </p:txBody>
-              </p:sp>
-            </mc:Fallback>
-          </mc:AlternateContent>
+                        </m:e>
+                      </m:d>
+                    </m:oMath>
+                  </m:oMathPara>
+                </a14:m>
+                <a:endParaRPr lang="de-DE" sz="1500" dirty="0">
+                  <a:latin typeface="CMU Bright" panose="02000603000000000000" pitchFamily="2" charset="0"/>
+                  <a:ea typeface="CMU Bright" panose="02000603000000000000" pitchFamily="2" charset="0"/>
+                  <a:cs typeface="CMU Bright" panose="02000603000000000000" pitchFamily="2" charset="0"/>
+                </a:endParaRPr>
+              </a:p>
+            </p:txBody>
+          </p:sp>
+        </mc:Choice>
+        <mc:Fallback xmlns="">
           <p:sp>
             <p:nvSpPr>
-              <p:cNvPr id="24" name="Textfeld 23">
+              <p:cNvPr id="40" name="Rechteck 39">
                 <a:extLst>
                   <a:ext uri="{FF2B5EF4-FFF2-40B4-BE49-F238E27FC236}">
-                    <a16:creationId xmlns:a16="http://schemas.microsoft.com/office/drawing/2014/main" id="{B9205B82-3F1F-4A5F-9ECD-7AD0A0E46CE4}"/>
+                    <a16:creationId xmlns:a16="http://schemas.microsoft.com/office/drawing/2014/main" id="{C7DE82CB-B968-487C-890C-443165ECAACF}"/>
+                  </a:ext>
+                </a:extLst>
+              </p:cNvPr>
+              <p:cNvSpPr>
+                <a:spLocks noRot="1" noChangeAspect="1" noMove="1" noResize="1" noEditPoints="1" noAdjustHandles="1" noChangeArrowheads="1" noChangeShapeType="1" noTextEdit="1"/>
+              </p:cNvSpPr>
+              <p:nvPr/>
+            </p:nvSpPr>
+            <p:spPr>
+              <a:xfrm>
+                <a:off x="8124241" y="2234916"/>
+                <a:ext cx="1578574" cy="352854"/>
+              </a:xfrm>
+              <a:prstGeom prst="rect">
+                <a:avLst/>
+              </a:prstGeom>
+              <a:blipFill>
+                <a:blip r:embed="rId14"/>
+                <a:stretch>
+                  <a:fillRect b="-5172"/>
+                </a:stretch>
+              </a:blipFill>
+            </p:spPr>
+            <p:txBody>
+              <a:bodyPr/>
+              <a:lstStyle/>
+              <a:p>
+                <a:r>
+                  <a:rPr lang="de-DE">
+                    <a:noFill/>
+                  </a:rPr>
+                  <a:t> </a:t>
+                </a:r>
+              </a:p>
+            </p:txBody>
+          </p:sp>
+        </mc:Fallback>
+      </mc:AlternateContent>
+      <mc:AlternateContent xmlns:mc="http://schemas.openxmlformats.org/markup-compatibility/2006" xmlns:a14="http://schemas.microsoft.com/office/drawing/2010/main">
+        <mc:Choice Requires="a14">
+          <p:sp>
+            <p:nvSpPr>
+              <p:cNvPr id="41" name="Rechteck 40">
+                <a:extLst>
+                  <a:ext uri="{FF2B5EF4-FFF2-40B4-BE49-F238E27FC236}">
+                    <a16:creationId xmlns:a16="http://schemas.microsoft.com/office/drawing/2014/main" id="{7DF524E6-8DE8-41A3-9EFF-E8CA1EB00CAE}"/>
+                  </a:ext>
+                </a:extLst>
+              </p:cNvPr>
+              <p:cNvSpPr/>
+              <p:nvPr/>
+            </p:nvSpPr>
+            <p:spPr>
+              <a:xfrm>
+                <a:off x="8130127" y="3950771"/>
+                <a:ext cx="1642629" cy="323165"/>
+              </a:xfrm>
+              <a:prstGeom prst="rect">
+                <a:avLst/>
+              </a:prstGeom>
+            </p:spPr>
+            <p:txBody>
+              <a:bodyPr wrap="none">
+                <a:spAutoFit/>
+              </a:bodyPr>
+              <a:lstStyle/>
+              <a:p>
+                <a14:m>
+                  <m:oMath xmlns:m="http://schemas.openxmlformats.org/officeDocument/2006/math">
+                    <m:r>
+                      <a:rPr lang="de-DE" sz="1500" i="1">
+                        <a:latin typeface="Cambria Math" panose="02040503050406030204" pitchFamily="18" charset="0"/>
+                      </a:rPr>
+                      <m:t>𝜃</m:t>
+                    </m:r>
+                    <m:r>
+                      <a:rPr lang="de-DE" sz="1500" i="1">
+                        <a:latin typeface="Cambria Math" panose="02040503050406030204" pitchFamily="18" charset="0"/>
+                      </a:rPr>
+                      <m:t>∈</m:t>
+                    </m:r>
+                    <m:sSub>
+                      <m:sSubPr>
+                        <m:ctrlPr>
+                          <a:rPr lang="de-DE" sz="1500" i="1">
+                            <a:latin typeface="Cambria Math" panose="02040503050406030204" pitchFamily="18" charset="0"/>
+                          </a:rPr>
+                        </m:ctrlPr>
+                      </m:sSubPr>
+                      <m:e>
+                        <m:r>
+                          <m:rPr>
+                            <m:sty m:val="p"/>
+                          </m:rPr>
+                          <a:rPr lang="de-DE" sz="1500">
+                            <a:latin typeface="Cambria Math" panose="02040503050406030204" pitchFamily="18" charset="0"/>
+                          </a:rPr>
+                          <m:t>Θ</m:t>
+                        </m:r>
+                      </m:e>
+                      <m:sub>
+                        <m:r>
+                          <a:rPr lang="de-DE" sz="1500" i="1">
+                            <a:latin typeface="Cambria Math" panose="02040503050406030204" pitchFamily="18" charset="0"/>
+                          </a:rPr>
+                          <m:t>0</m:t>
+                        </m:r>
+                      </m:sub>
+                    </m:sSub>
+                  </m:oMath>
+                </a14:m>
+                <a:r>
+                  <a:rPr lang="de-DE" sz="1500" dirty="0">
+                    <a:latin typeface="CMU Bright" panose="02000603000000000000" pitchFamily="2" charset="0"/>
+                    <a:ea typeface="CMU Bright" panose="02000603000000000000" pitchFamily="2" charset="0"/>
+                    <a:cs typeface="CMU Bright" panose="02000603000000000000" pitchFamily="2" charset="0"/>
+                  </a:rPr>
+                  <a:t> vs. </a:t>
+                </a:r>
+                <a14:m>
+                  <m:oMath xmlns:m="http://schemas.openxmlformats.org/officeDocument/2006/math">
+                    <m:r>
+                      <a:rPr lang="de-DE" sz="1500" i="1">
+                        <a:latin typeface="Cambria Math" panose="02040503050406030204" pitchFamily="18" charset="0"/>
+                      </a:rPr>
+                      <m:t>𝜃</m:t>
+                    </m:r>
+                    <m:r>
+                      <a:rPr lang="de-DE" sz="1500" i="1">
+                        <a:latin typeface="Cambria Math" panose="02040503050406030204" pitchFamily="18" charset="0"/>
+                      </a:rPr>
+                      <m:t>∈</m:t>
+                    </m:r>
+                    <m:sSub>
+                      <m:sSubPr>
+                        <m:ctrlPr>
+                          <a:rPr lang="de-DE" sz="1500" i="1">
+                            <a:latin typeface="Cambria Math" panose="02040503050406030204" pitchFamily="18" charset="0"/>
+                          </a:rPr>
+                        </m:ctrlPr>
+                      </m:sSubPr>
+                      <m:e>
+                        <m:r>
+                          <m:rPr>
+                            <m:sty m:val="p"/>
+                          </m:rPr>
+                          <a:rPr lang="de-DE" sz="1500">
+                            <a:latin typeface="Cambria Math" panose="02040503050406030204" pitchFamily="18" charset="0"/>
+                          </a:rPr>
+                          <m:t>Θ</m:t>
+                        </m:r>
+                      </m:e>
+                      <m:sub>
+                        <m:r>
+                          <a:rPr lang="de-DE" sz="1500" i="1">
+                            <a:latin typeface="Cambria Math" panose="02040503050406030204" pitchFamily="18" charset="0"/>
+                          </a:rPr>
+                          <m:t>1</m:t>
+                        </m:r>
+                      </m:sub>
+                    </m:sSub>
+                  </m:oMath>
+                </a14:m>
+                <a:endParaRPr lang="de-DE" sz="1500" dirty="0">
+                  <a:latin typeface="CMU Bright" panose="02000603000000000000" pitchFamily="2" charset="0"/>
+                  <a:ea typeface="CMU Bright" panose="02000603000000000000" pitchFamily="2" charset="0"/>
+                  <a:cs typeface="CMU Bright" panose="02000603000000000000" pitchFamily="2" charset="0"/>
+                </a:endParaRPr>
+              </a:p>
+            </p:txBody>
+          </p:sp>
+        </mc:Choice>
+        <mc:Fallback xmlns="">
+          <p:sp>
+            <p:nvSpPr>
+              <p:cNvPr id="41" name="Rechteck 40">
+                <a:extLst>
+                  <a:ext uri="{FF2B5EF4-FFF2-40B4-BE49-F238E27FC236}">
+                    <a16:creationId xmlns:a16="http://schemas.microsoft.com/office/drawing/2014/main" id="{7DF524E6-8DE8-41A3-9EFF-E8CA1EB00CAE}"/>
+                  </a:ext>
+                </a:extLst>
+              </p:cNvPr>
+              <p:cNvSpPr>
+                <a:spLocks noRot="1" noChangeAspect="1" noMove="1" noResize="1" noEditPoints="1" noAdjustHandles="1" noChangeArrowheads="1" noChangeShapeType="1" noTextEdit="1"/>
+              </p:cNvSpPr>
+              <p:nvPr/>
+            </p:nvSpPr>
+            <p:spPr>
+              <a:xfrm>
+                <a:off x="8130127" y="3950771"/>
+                <a:ext cx="1642629" cy="323165"/>
+              </a:xfrm>
+              <a:prstGeom prst="rect">
+                <a:avLst/>
+              </a:prstGeom>
+              <a:blipFill>
+                <a:blip r:embed="rId15"/>
+                <a:stretch>
+                  <a:fillRect t="-1887" b="-22642"/>
+                </a:stretch>
+              </a:blipFill>
+            </p:spPr>
+            <p:txBody>
+              <a:bodyPr/>
+              <a:lstStyle/>
+              <a:p>
+                <a:r>
+                  <a:rPr lang="de-DE">
+                    <a:noFill/>
+                  </a:rPr>
+                  <a:t> </a:t>
+                </a:r>
+              </a:p>
+            </p:txBody>
+          </p:sp>
+        </mc:Fallback>
+      </mc:AlternateContent>
+      <p:sp>
+        <p:nvSpPr>
+          <p:cNvPr id="44" name="Ellipse 43">
+            <a:extLst>
+              <a:ext uri="{FF2B5EF4-FFF2-40B4-BE49-F238E27FC236}">
+                <a16:creationId xmlns:a16="http://schemas.microsoft.com/office/drawing/2014/main" id="{59B3F562-AB02-4BDC-908B-2F0A117A0FD8}"/>
+              </a:ext>
+            </a:extLst>
+          </p:cNvPr>
+          <p:cNvSpPr/>
+          <p:nvPr/>
+        </p:nvSpPr>
+        <p:spPr>
+          <a:xfrm>
+            <a:off x="7115639" y="4336095"/>
+            <a:ext cx="165463" cy="165463"/>
+          </a:xfrm>
+          <a:prstGeom prst="ellipse">
+            <a:avLst/>
+          </a:prstGeom>
+          <a:solidFill>
+            <a:schemeClr val="bg1">
+              <a:lumMod val="50000"/>
+            </a:schemeClr>
+          </a:solidFill>
+          <a:ln>
+            <a:solidFill>
+              <a:schemeClr val="bg1">
+                <a:lumMod val="50000"/>
+              </a:schemeClr>
+            </a:solidFill>
+          </a:ln>
+        </p:spPr>
+        <p:style>
+          <a:lnRef idx="2">
+            <a:schemeClr val="accent1">
+              <a:shade val="50000"/>
+            </a:schemeClr>
+          </a:lnRef>
+          <a:fillRef idx="1">
+            <a:schemeClr val="accent1"/>
+          </a:fillRef>
+          <a:effectRef idx="0">
+            <a:schemeClr val="accent1"/>
+          </a:effectRef>
+          <a:fontRef idx="minor">
+            <a:schemeClr val="lt1"/>
+          </a:fontRef>
+        </p:style>
+        <p:txBody>
+          <a:bodyPr rtlCol="0" anchor="ctr"/>
+          <a:lstStyle/>
+          <a:p>
+            <a:pPr algn="ctr"/>
+            <a:endParaRPr lang="de-DE">
+              <a:latin typeface="CMU Bright" panose="02000603000000000000" pitchFamily="2" charset="0"/>
+              <a:ea typeface="CMU Bright" panose="02000603000000000000" pitchFamily="2" charset="0"/>
+              <a:cs typeface="CMU Bright" panose="02000603000000000000" pitchFamily="2" charset="0"/>
+            </a:endParaRPr>
+          </a:p>
+        </p:txBody>
+      </p:sp>
+      <p:sp>
+        <p:nvSpPr>
+          <p:cNvPr id="34" name="Ellipse 33">
+            <a:extLst>
+              <a:ext uri="{FF2B5EF4-FFF2-40B4-BE49-F238E27FC236}">
+                <a16:creationId xmlns:a16="http://schemas.microsoft.com/office/drawing/2014/main" id="{AD283C8D-0E59-4718-89F4-AE0F9B42E278}"/>
+              </a:ext>
+            </a:extLst>
+          </p:cNvPr>
+          <p:cNvSpPr/>
+          <p:nvPr/>
+        </p:nvSpPr>
+        <p:spPr>
+          <a:xfrm>
+            <a:off x="6362265" y="4936093"/>
+            <a:ext cx="142699" cy="142699"/>
+          </a:xfrm>
+          <a:prstGeom prst="ellipse">
+            <a:avLst/>
+          </a:prstGeom>
+          <a:solidFill>
+            <a:schemeClr val="bg1"/>
+          </a:solidFill>
+          <a:ln>
+            <a:solidFill>
+              <a:schemeClr val="accent5">
+                <a:lumMod val="75000"/>
+              </a:schemeClr>
+            </a:solidFill>
+            <a:prstDash val="solid"/>
+          </a:ln>
+        </p:spPr>
+        <p:style>
+          <a:lnRef idx="2">
+            <a:schemeClr val="accent1">
+              <a:shade val="50000"/>
+            </a:schemeClr>
+          </a:lnRef>
+          <a:fillRef idx="1">
+            <a:schemeClr val="accent1"/>
+          </a:fillRef>
+          <a:effectRef idx="0">
+            <a:schemeClr val="accent1"/>
+          </a:effectRef>
+          <a:fontRef idx="minor">
+            <a:schemeClr val="lt1"/>
+          </a:fontRef>
+        </p:style>
+        <p:txBody>
+          <a:bodyPr rtlCol="0" anchor="ctr"/>
+          <a:lstStyle/>
+          <a:p>
+            <a:pPr algn="ctr"/>
+            <a:endParaRPr lang="de-DE">
+              <a:latin typeface="CMU Bright" panose="02000603000000000000" pitchFamily="2" charset="0"/>
+              <a:ea typeface="CMU Bright" panose="02000603000000000000" pitchFamily="2" charset="0"/>
+              <a:cs typeface="CMU Bright" panose="02000603000000000000" pitchFamily="2" charset="0"/>
+            </a:endParaRPr>
+          </a:p>
+        </p:txBody>
+      </p:sp>
+      <p:sp>
+        <p:nvSpPr>
+          <p:cNvPr id="35" name="Textfeld 34">
+            <a:extLst>
+              <a:ext uri="{FF2B5EF4-FFF2-40B4-BE49-F238E27FC236}">
+                <a16:creationId xmlns:a16="http://schemas.microsoft.com/office/drawing/2014/main" id="{2CFFD268-AA62-42BF-81C7-F2EF20A8F80A}"/>
+              </a:ext>
+            </a:extLst>
+          </p:cNvPr>
+          <p:cNvSpPr txBox="1"/>
+          <p:nvPr/>
+        </p:nvSpPr>
+        <p:spPr>
+          <a:xfrm>
+            <a:off x="6564827" y="4861248"/>
+            <a:ext cx="3207929" cy="292388"/>
+          </a:xfrm>
+          <a:prstGeom prst="rect">
+            <a:avLst/>
+          </a:prstGeom>
+          <a:noFill/>
+        </p:spPr>
+        <p:txBody>
+          <a:bodyPr wrap="none" rtlCol="0">
+            <a:spAutoFit/>
+          </a:bodyPr>
+          <a:lstStyle/>
+          <a:p>
+            <a:r>
+              <a:rPr lang="de-DE" sz="1300" dirty="0">
+                <a:latin typeface="CMU Bright" panose="02000603000000000000" pitchFamily="2" charset="0"/>
+                <a:ea typeface="CMU Bright" panose="02000603000000000000" pitchFamily="2" charset="0"/>
+                <a:cs typeface="CMU Bright" panose="02000603000000000000" pitchFamily="2" charset="0"/>
+              </a:rPr>
+              <a:t>Wahrer, aber unbekannter, Parameterwert</a:t>
+            </a:r>
+          </a:p>
+        </p:txBody>
+      </p:sp>
+      <mc:AlternateContent xmlns:mc="http://schemas.openxmlformats.org/markup-compatibility/2006" xmlns:a14="http://schemas.microsoft.com/office/drawing/2010/main">
+        <mc:Choice Requires="a14">
+          <p:sp>
+            <p:nvSpPr>
+              <p:cNvPr id="2" name="Textfeld 1">
+                <a:extLst>
+                  <a:ext uri="{FF2B5EF4-FFF2-40B4-BE49-F238E27FC236}">
+                    <a16:creationId xmlns:a16="http://schemas.microsoft.com/office/drawing/2014/main" id="{07D55458-A67C-491C-892F-B0E784DF44C9}"/>
                   </a:ext>
                 </a:extLst>
               </p:cNvPr>
@@ -4287,8 +5651,8 @@
             </p:nvSpPr>
             <p:spPr>
               <a:xfrm>
-                <a:off x="6464761" y="3240237"/>
-                <a:ext cx="1640193" cy="323165"/>
+                <a:off x="4146916" y="2707816"/>
+                <a:ext cx="1505027" cy="323165"/>
               </a:xfrm>
               <a:prstGeom prst="rect">
                 <a:avLst/>
@@ -4301,23 +5665,367 @@
               </a:bodyPr>
               <a:lstStyle/>
               <a:p>
+                <a:pPr/>
+                <a14:m>
+                  <m:oMathPara xmlns:m="http://schemas.openxmlformats.org/officeDocument/2006/math">
+                    <m:oMathParaPr>
+                      <m:jc m:val="centerGroup"/>
+                    </m:oMathParaPr>
+                    <m:oMath xmlns:m="http://schemas.openxmlformats.org/officeDocument/2006/math">
+                      <m:r>
+                        <a:rPr lang="de-DE" sz="1500" b="0" i="1" smtClean="0">
+                          <a:latin typeface="Cambria Math" panose="02040503050406030204" pitchFamily="18" charset="0"/>
+                        </a:rPr>
+                        <m:t>𝑦</m:t>
+                      </m:r>
+                      <m:r>
+                        <a:rPr lang="de-DE" sz="1500" i="1">
+                          <a:latin typeface="Cambria Math" panose="02040503050406030204" pitchFamily="18" charset="0"/>
+                        </a:rPr>
+                        <m:t>=(</m:t>
+                      </m:r>
+                      <m:sSub>
+                        <m:sSubPr>
+                          <m:ctrlPr>
+                            <a:rPr lang="de-DE" sz="1500" i="1">
+                              <a:latin typeface="Cambria Math" panose="02040503050406030204" pitchFamily="18" charset="0"/>
+                            </a:rPr>
+                          </m:ctrlPr>
+                        </m:sSubPr>
+                        <m:e>
+                          <m:r>
+                            <a:rPr lang="de-DE" sz="1500" b="0" i="1" smtClean="0">
+                              <a:latin typeface="Cambria Math" panose="02040503050406030204" pitchFamily="18" charset="0"/>
+                            </a:rPr>
+                            <m:t>𝑦</m:t>
+                          </m:r>
+                        </m:e>
+                        <m:sub>
+                          <m:r>
+                            <a:rPr lang="de-DE" sz="1500" i="1">
+                              <a:latin typeface="Cambria Math" panose="02040503050406030204" pitchFamily="18" charset="0"/>
+                            </a:rPr>
+                            <m:t>1</m:t>
+                          </m:r>
+                        </m:sub>
+                      </m:sSub>
+                      <m:r>
+                        <a:rPr lang="de-DE" sz="1500" i="1">
+                          <a:latin typeface="Cambria Math" panose="02040503050406030204" pitchFamily="18" charset="0"/>
+                        </a:rPr>
+                        <m:t>,…,</m:t>
+                      </m:r>
+                      <m:sSub>
+                        <m:sSubPr>
+                          <m:ctrlPr>
+                            <a:rPr lang="de-DE" sz="1500" i="1">
+                              <a:latin typeface="Cambria Math" panose="02040503050406030204" pitchFamily="18" charset="0"/>
+                            </a:rPr>
+                          </m:ctrlPr>
+                        </m:sSubPr>
+                        <m:e>
+                          <m:r>
+                            <a:rPr lang="de-DE" sz="1500" b="0" i="1" smtClean="0">
+                              <a:latin typeface="Cambria Math" panose="02040503050406030204" pitchFamily="18" charset="0"/>
+                            </a:rPr>
+                            <m:t>𝑦</m:t>
+                          </m:r>
+                        </m:e>
+                        <m:sub>
+                          <m:r>
+                            <a:rPr lang="de-DE" sz="1500" i="1">
+                              <a:latin typeface="Cambria Math" panose="02040503050406030204" pitchFamily="18" charset="0"/>
+                            </a:rPr>
+                            <m:t>𝑛</m:t>
+                          </m:r>
+                        </m:sub>
+                      </m:sSub>
+                      <m:r>
+                        <a:rPr lang="de-DE" sz="1500" i="1">
+                          <a:latin typeface="Cambria Math" panose="02040503050406030204" pitchFamily="18" charset="0"/>
+                        </a:rPr>
+                        <m:t>)</m:t>
+                      </m:r>
+                    </m:oMath>
+                  </m:oMathPara>
+                </a14:m>
+                <a:endParaRPr lang="en-GB" sz="1500" dirty="0"/>
+              </a:p>
+            </p:txBody>
+          </p:sp>
+        </mc:Choice>
+        <mc:Fallback xmlns="">
+          <p:sp>
+            <p:nvSpPr>
+              <p:cNvPr id="2" name="Textfeld 1">
+                <a:extLst>
+                  <a:ext uri="{FF2B5EF4-FFF2-40B4-BE49-F238E27FC236}">
+                    <a16:creationId xmlns:a16="http://schemas.microsoft.com/office/drawing/2014/main" id="{07D55458-A67C-491C-892F-B0E784DF44C9}"/>
+                  </a:ext>
+                </a:extLst>
+              </p:cNvPr>
+              <p:cNvSpPr txBox="1">
+                <a:spLocks noRot="1" noChangeAspect="1" noMove="1" noResize="1" noEditPoints="1" noAdjustHandles="1" noChangeArrowheads="1" noChangeShapeType="1" noTextEdit="1"/>
+              </p:cNvSpPr>
+              <p:nvPr/>
+            </p:nvSpPr>
+            <p:spPr>
+              <a:xfrm>
+                <a:off x="4146916" y="2707816"/>
+                <a:ext cx="1505027" cy="323165"/>
+              </a:xfrm>
+              <a:prstGeom prst="rect">
+                <a:avLst/>
+              </a:prstGeom>
+              <a:blipFill>
+                <a:blip r:embed="rId16"/>
+                <a:stretch>
+                  <a:fillRect b="-11321"/>
+                </a:stretch>
+              </a:blipFill>
+            </p:spPr>
+            <p:txBody>
+              <a:bodyPr/>
+              <a:lstStyle/>
+              <a:p>
                 <a:r>
-                  <a:rPr lang="de-DE" sz="1500" dirty="0">
-                    <a:latin typeface="CMU Bright" panose="02000603000000000000" pitchFamily="2" charset="0"/>
-                    <a:ea typeface="CMU Bright" panose="02000603000000000000" pitchFamily="2" charset="0"/>
-                    <a:cs typeface="CMU Bright" panose="02000603000000000000" pitchFamily="2" charset="0"/>
+                  <a:rPr lang="de-DE">
+                    <a:noFill/>
                   </a:rPr>
-                  <a:t>Konfidenzintervall</a:t>
+                  <a:t> </a:t>
                 </a:r>
               </a:p>
             </p:txBody>
           </p:sp>
+        </mc:Fallback>
+      </mc:AlternateContent>
+      <p:sp>
+        <p:nvSpPr>
+          <p:cNvPr id="3" name="Textfeld 2">
+            <a:extLst>
+              <a:ext uri="{FF2B5EF4-FFF2-40B4-BE49-F238E27FC236}">
+                <a16:creationId xmlns:a16="http://schemas.microsoft.com/office/drawing/2014/main" id="{4E835558-28B7-42F0-9443-31A46EF7D380}"/>
+              </a:ext>
+            </a:extLst>
+          </p:cNvPr>
+          <p:cNvSpPr txBox="1"/>
+          <p:nvPr/>
+        </p:nvSpPr>
+        <p:spPr>
+          <a:xfrm>
+            <a:off x="4540196" y="2254932"/>
+            <a:ext cx="718466" cy="338554"/>
+          </a:xfrm>
+          <a:prstGeom prst="rect">
+            <a:avLst/>
+          </a:prstGeom>
+          <a:noFill/>
+        </p:spPr>
+        <p:txBody>
+          <a:bodyPr wrap="none" rtlCol="0">
+            <a:spAutoFit/>
+          </a:bodyPr>
+          <a:lstStyle/>
+          <a:p>
+            <a:r>
+              <a:rPr lang="de-DE" sz="1600" dirty="0">
+                <a:latin typeface="CMU Bright" panose="02000603000000000000" pitchFamily="2" charset="0"/>
+                <a:ea typeface="CMU Bright" panose="02000603000000000000" pitchFamily="2" charset="0"/>
+                <a:cs typeface="CMU Bright" panose="02000603000000000000" pitchFamily="2" charset="0"/>
+              </a:rPr>
+              <a:t>Daten</a:t>
+            </a:r>
+            <a:endParaRPr lang="en-GB" sz="1600" dirty="0">
+              <a:latin typeface="CMU Bright" panose="02000603000000000000" pitchFamily="2" charset="0"/>
+              <a:ea typeface="CMU Bright" panose="02000603000000000000" pitchFamily="2" charset="0"/>
+              <a:cs typeface="CMU Bright" panose="02000603000000000000" pitchFamily="2" charset="0"/>
+            </a:endParaRPr>
+          </a:p>
+        </p:txBody>
+      </p:sp>
+      <p:cxnSp>
+        <p:nvCxnSpPr>
+          <p:cNvPr id="13" name="Gerade Verbindung mit Pfeil 12">
+            <a:extLst>
+              <a:ext uri="{FF2B5EF4-FFF2-40B4-BE49-F238E27FC236}">
+                <a16:creationId xmlns:a16="http://schemas.microsoft.com/office/drawing/2014/main" id="{E776F3DC-C1EF-4E59-A287-8ADABA9D70F4}"/>
+              </a:ext>
+            </a:extLst>
+          </p:cNvPr>
+          <p:cNvCxnSpPr/>
+          <p:nvPr/>
+        </p:nvCxnSpPr>
+        <p:spPr>
+          <a:xfrm flipV="1">
+            <a:off x="5685378" y="1877864"/>
+            <a:ext cx="273321" cy="358387"/>
+          </a:xfrm>
+          <a:prstGeom prst="straightConnector1">
+            <a:avLst/>
+          </a:prstGeom>
+          <a:ln>
+            <a:solidFill>
+              <a:schemeClr val="tx1"/>
+            </a:solidFill>
+            <a:tailEnd type="triangle"/>
+          </a:ln>
+        </p:spPr>
+        <p:style>
+          <a:lnRef idx="1">
+            <a:schemeClr val="accent1"/>
+          </a:lnRef>
+          <a:fillRef idx="0">
+            <a:schemeClr val="accent1"/>
+          </a:fillRef>
+          <a:effectRef idx="0">
+            <a:schemeClr val="accent1"/>
+          </a:effectRef>
+          <a:fontRef idx="minor">
+            <a:schemeClr val="tx1"/>
+          </a:fontRef>
+        </p:style>
+      </p:cxnSp>
+      <p:cxnSp>
+        <p:nvCxnSpPr>
+          <p:cNvPr id="45" name="Gerade Verbindung mit Pfeil 44">
+            <a:extLst>
+              <a:ext uri="{FF2B5EF4-FFF2-40B4-BE49-F238E27FC236}">
+                <a16:creationId xmlns:a16="http://schemas.microsoft.com/office/drawing/2014/main" id="{6E61805D-D393-4D4F-B0C6-256475029FE1}"/>
+              </a:ext>
+            </a:extLst>
+          </p:cNvPr>
+          <p:cNvCxnSpPr>
+            <a:cxnSpLocks/>
+          </p:cNvCxnSpPr>
+          <p:nvPr/>
+        </p:nvCxnSpPr>
+        <p:spPr>
+          <a:xfrm>
+            <a:off x="5685378" y="3631989"/>
+            <a:ext cx="273321" cy="358387"/>
+          </a:xfrm>
+          <a:prstGeom prst="straightConnector1">
+            <a:avLst/>
+          </a:prstGeom>
+          <a:ln>
+            <a:solidFill>
+              <a:schemeClr val="tx1"/>
+            </a:solidFill>
+            <a:tailEnd type="triangle"/>
+          </a:ln>
+        </p:spPr>
+        <p:style>
+          <a:lnRef idx="1">
+            <a:schemeClr val="accent1"/>
+          </a:lnRef>
+          <a:fillRef idx="0">
+            <a:schemeClr val="accent1"/>
+          </a:fillRef>
+          <a:effectRef idx="0">
+            <a:schemeClr val="accent1"/>
+          </a:effectRef>
+          <a:fontRef idx="minor">
+            <a:schemeClr val="tx1"/>
+          </a:fontRef>
+        </p:style>
+      </p:cxnSp>
+      <p:cxnSp>
+        <p:nvCxnSpPr>
+          <p:cNvPr id="46" name="Gerade Verbindung mit Pfeil 45">
+            <a:extLst>
+              <a:ext uri="{FF2B5EF4-FFF2-40B4-BE49-F238E27FC236}">
+                <a16:creationId xmlns:a16="http://schemas.microsoft.com/office/drawing/2014/main" id="{FDC56A72-EFE7-4CAB-A6F8-F61341C27BE8}"/>
+              </a:ext>
+            </a:extLst>
+          </p:cNvPr>
+          <p:cNvCxnSpPr>
+            <a:cxnSpLocks/>
+          </p:cNvCxnSpPr>
+          <p:nvPr/>
+        </p:nvCxnSpPr>
+        <p:spPr>
+          <a:xfrm>
+            <a:off x="5685378" y="2856739"/>
+            <a:ext cx="351907" cy="240"/>
+          </a:xfrm>
+          <a:prstGeom prst="straightConnector1">
+            <a:avLst/>
+          </a:prstGeom>
+          <a:ln>
+            <a:solidFill>
+              <a:schemeClr val="tx1"/>
+            </a:solidFill>
+            <a:tailEnd type="triangle"/>
+          </a:ln>
+        </p:spPr>
+        <p:style>
+          <a:lnRef idx="1">
+            <a:schemeClr val="accent1"/>
+          </a:lnRef>
+          <a:fillRef idx="0">
+            <a:schemeClr val="accent1"/>
+          </a:fillRef>
+          <a:effectRef idx="0">
+            <a:schemeClr val="accent1"/>
+          </a:effectRef>
+          <a:fontRef idx="minor">
+            <a:schemeClr val="tx1"/>
+          </a:fontRef>
+        </p:style>
+      </p:cxnSp>
+      <p:cxnSp>
+        <p:nvCxnSpPr>
+          <p:cNvPr id="51" name="Gerade Verbindung mit Pfeil 50">
+            <a:extLst>
+              <a:ext uri="{FF2B5EF4-FFF2-40B4-BE49-F238E27FC236}">
+                <a16:creationId xmlns:a16="http://schemas.microsoft.com/office/drawing/2014/main" id="{0A7C1E22-5EA9-42F2-8F16-5FA2B5F3175A}"/>
+              </a:ext>
+            </a:extLst>
+          </p:cNvPr>
+          <p:cNvCxnSpPr>
+            <a:cxnSpLocks/>
+            <a:endCxn id="2" idx="1"/>
+          </p:cNvCxnSpPr>
+          <p:nvPr/>
+        </p:nvCxnSpPr>
+        <p:spPr>
+          <a:xfrm>
+            <a:off x="3596844" y="2869308"/>
+            <a:ext cx="550072" cy="91"/>
+          </a:xfrm>
+          <a:prstGeom prst="straightConnector1">
+            <a:avLst/>
+          </a:prstGeom>
+          <a:ln>
+            <a:solidFill>
+              <a:schemeClr val="tx1"/>
+            </a:solidFill>
+            <a:tailEnd type="triangle"/>
+          </a:ln>
+        </p:spPr>
+        <p:style>
+          <a:lnRef idx="1">
+            <a:schemeClr val="accent1"/>
+          </a:lnRef>
+          <a:fillRef idx="0">
+            <a:schemeClr val="accent1"/>
+          </a:fillRef>
+          <a:effectRef idx="0">
+            <a:schemeClr val="accent1"/>
+          </a:effectRef>
+          <a:fontRef idx="minor">
+            <a:schemeClr val="tx1"/>
+          </a:fontRef>
+        </p:style>
+      </p:cxnSp>
+      <mc:AlternateContent xmlns:mc="http://schemas.openxmlformats.org/markup-compatibility/2006" xmlns:a14="http://schemas.microsoft.com/office/drawing/2010/main">
+        <mc:Choice Requires="a14">
           <p:sp>
             <p:nvSpPr>
-              <p:cNvPr id="25" name="Ellipse 24">
+              <p:cNvPr id="52" name="Rechteck 51">
                 <a:extLst>
                   <a:ext uri="{FF2B5EF4-FFF2-40B4-BE49-F238E27FC236}">
-                    <a16:creationId xmlns:a16="http://schemas.microsoft.com/office/drawing/2014/main" id="{FAC217B0-BF58-470F-96C5-448A89BCC181}"/>
+                    <a16:creationId xmlns:a16="http://schemas.microsoft.com/office/drawing/2014/main" id="{E0253205-1AAE-4669-B057-8B3BC5C02532}"/>
                   </a:ext>
                 </a:extLst>
               </p:cNvPr>
@@ -4326,1848 +6034,227 @@
             </p:nvSpPr>
             <p:spPr>
               <a:xfrm>
-                <a:off x="7832894" y="3770683"/>
-                <a:ext cx="165463" cy="165463"/>
+                <a:off x="2986188" y="2632077"/>
+                <a:ext cx="610360" cy="446276"/>
               </a:xfrm>
-              <a:prstGeom prst="ellipse">
+              <a:prstGeom prst="rect">
                 <a:avLst/>
               </a:prstGeom>
-              <a:solidFill>
-                <a:schemeClr val="bg1"/>
-              </a:solidFill>
-              <a:ln>
-                <a:solidFill>
-                  <a:schemeClr val="accent5">
-                    <a:lumMod val="75000"/>
-                  </a:schemeClr>
-                </a:solidFill>
-                <a:prstDash val="solid"/>
-              </a:ln>
             </p:spPr>
-            <p:style>
-              <a:lnRef idx="2">
-                <a:schemeClr val="accent1">
-                  <a:shade val="50000"/>
-                </a:schemeClr>
-              </a:lnRef>
-              <a:fillRef idx="1">
-                <a:schemeClr val="accent1"/>
-              </a:fillRef>
-              <a:effectRef idx="0">
-                <a:schemeClr val="accent1"/>
-              </a:effectRef>
-              <a:fontRef idx="minor">
-                <a:schemeClr val="lt1"/>
-              </a:fontRef>
-            </p:style>
             <p:txBody>
-              <a:bodyPr rtlCol="0" anchor="ctr"/>
+              <a:bodyPr wrap="none">
+                <a:spAutoFit/>
+              </a:bodyPr>
               <a:lstStyle/>
               <a:p>
-                <a:pPr algn="ctr"/>
-                <a:endParaRPr lang="de-DE">
-                  <a:latin typeface="CMU Bright" panose="02000603000000000000" pitchFamily="2" charset="0"/>
-                  <a:ea typeface="CMU Bright" panose="02000603000000000000" pitchFamily="2" charset="0"/>
-                  <a:cs typeface="CMU Bright" panose="02000603000000000000" pitchFamily="2" charset="0"/>
-                </a:endParaRPr>
+                <a:pPr/>
+                <a14:m>
+                  <m:oMathPara xmlns:m="http://schemas.openxmlformats.org/officeDocument/2006/math">
+                    <m:oMathParaPr>
+                      <m:jc m:val="centerGroup"/>
+                    </m:oMathParaPr>
+                    <m:oMath xmlns:m="http://schemas.openxmlformats.org/officeDocument/2006/math">
+                      <m:sSub>
+                        <m:sSubPr>
+                          <m:ctrlPr>
+                            <a:rPr lang="de-DE" sz="2300" i="1">
+                              <a:latin typeface="Cambria Math" panose="02040503050406030204" pitchFamily="18" charset="0"/>
+                            </a:rPr>
+                          </m:ctrlPr>
+                        </m:sSubPr>
+                        <m:e>
+                          <m:r>
+                            <a:rPr lang="de-DE" sz="2300" i="1">
+                              <a:latin typeface="Cambria Math" panose="02040503050406030204" pitchFamily="18" charset="0"/>
+                            </a:rPr>
+                            <m:t>ℙ</m:t>
+                          </m:r>
+                        </m:e>
+                        <m:sub>
+                          <m:r>
+                            <a:rPr lang="de-DE" sz="2300" i="1">
+                              <a:latin typeface="Cambria Math" panose="02040503050406030204" pitchFamily="18" charset="0"/>
+                            </a:rPr>
+                            <m:t>𝜃</m:t>
+                          </m:r>
+                        </m:sub>
+                      </m:sSub>
+                    </m:oMath>
+                  </m:oMathPara>
+                </a14:m>
+                <a:endParaRPr lang="en-GB" sz="2300" dirty="0"/>
               </a:p>
             </p:txBody>
           </p:sp>
-          <mc:AlternateContent xmlns:mc="http://schemas.openxmlformats.org/markup-compatibility/2006" xmlns:a14="http://schemas.microsoft.com/office/drawing/2010/main">
-            <mc:Choice Requires="a14">
-              <p:sp>
-                <p:nvSpPr>
-                  <p:cNvPr id="26" name="Textfeld 25">
-                    <a:extLst>
-                      <a:ext uri="{FF2B5EF4-FFF2-40B4-BE49-F238E27FC236}">
-                        <a16:creationId xmlns:a16="http://schemas.microsoft.com/office/drawing/2014/main" id="{5F833FAA-31BB-4E4F-8AD8-F2F4286C6DD0}"/>
-                      </a:ext>
-                    </a:extLst>
-                  </p:cNvPr>
-                  <p:cNvSpPr txBox="1"/>
-                  <p:nvPr/>
-                </p:nvSpPr>
-                <p:spPr>
-                  <a:xfrm>
-                    <a:off x="6747254" y="3663599"/>
-                    <a:ext cx="966563" cy="369332"/>
-                  </a:xfrm>
-                  <a:prstGeom prst="rect">
-                    <a:avLst/>
-                  </a:prstGeom>
-                  <a:noFill/>
-                </p:spPr>
-                <p:txBody>
-                  <a:bodyPr wrap="square" rtlCol="0">
-                    <a:spAutoFit/>
-                  </a:bodyPr>
-                  <a:lstStyle/>
-                  <a:p>
-                    <a14:m>
-                      <m:oMath xmlns:m="http://schemas.openxmlformats.org/officeDocument/2006/math">
-                        <m:r>
-                          <a:rPr lang="de-DE" i="1">
-                            <a:latin typeface="Cambria Math" panose="02040503050406030204" pitchFamily="18" charset="0"/>
-                          </a:rPr>
-                          <m:t>[                      ]</m:t>
-                        </m:r>
-                      </m:oMath>
-                    </a14:m>
-                    <a:r>
-                      <a:rPr lang="de-DE" dirty="0">
-                        <a:latin typeface="CMU Bright" panose="02000603000000000000" pitchFamily="2" charset="0"/>
-                        <a:ea typeface="CMU Bright" panose="02000603000000000000" pitchFamily="2" charset="0"/>
-                        <a:cs typeface="CMU Bright" panose="02000603000000000000" pitchFamily="2" charset="0"/>
-                      </a:rPr>
-                      <a:t>         </a:t>
-                    </a:r>
-                  </a:p>
-                </p:txBody>
-              </p:sp>
-            </mc:Choice>
-            <mc:Fallback xmlns="">
-              <p:sp>
-                <p:nvSpPr>
-                  <p:cNvPr id="26" name="Textfeld 25">
-                    <a:extLst>
-                      <a:ext uri="{FF2B5EF4-FFF2-40B4-BE49-F238E27FC236}">
-                        <a16:creationId xmlns:a16="http://schemas.microsoft.com/office/drawing/2014/main" id="{5F833FAA-31BB-4E4F-8AD8-F2F4286C6DD0}"/>
-                      </a:ext>
-                    </a:extLst>
-                  </p:cNvPr>
-                  <p:cNvSpPr txBox="1">
-                    <a:spLocks noRot="1" noChangeAspect="1" noMove="1" noResize="1" noEditPoints="1" noAdjustHandles="1" noChangeArrowheads="1" noChangeShapeType="1" noTextEdit="1"/>
-                  </p:cNvSpPr>
-                  <p:nvPr/>
-                </p:nvSpPr>
-                <p:spPr>
-                  <a:xfrm>
-                    <a:off x="6747254" y="3663599"/>
-                    <a:ext cx="966563" cy="369332"/>
-                  </a:xfrm>
-                  <a:prstGeom prst="rect">
-                    <a:avLst/>
-                  </a:prstGeom>
-                  <a:blipFill>
-                    <a:blip r:embed="rId8"/>
-                    <a:stretch>
-                      <a:fillRect l="-1887" r="-52830" b="-15000"/>
-                    </a:stretch>
-                  </a:blipFill>
-                </p:spPr>
-                <p:txBody>
-                  <a:bodyPr/>
-                  <a:lstStyle/>
-                  <a:p>
-                    <a:r>
-                      <a:rPr lang="en-GB">
-                        <a:noFill/>
-                      </a:rPr>
-                      <a:t> </a:t>
-                    </a:r>
-                  </a:p>
-                </p:txBody>
-              </p:sp>
-            </mc:Fallback>
-          </mc:AlternateContent>
-          <mc:AlternateContent xmlns:mc="http://schemas.openxmlformats.org/markup-compatibility/2006">
-            <mc:Choice xmlns:a14="http://schemas.microsoft.com/office/drawing/2010/main" Requires="a14">
-              <p:sp>
-                <p:nvSpPr>
-                  <p:cNvPr id="28" name="Textfeld 27">
-                    <a:extLst>
-                      <a:ext uri="{FF2B5EF4-FFF2-40B4-BE49-F238E27FC236}">
-                        <a16:creationId xmlns:a16="http://schemas.microsoft.com/office/drawing/2014/main" id="{A04149A9-C72F-46F5-867D-023F578B9D37}"/>
-                      </a:ext>
-                    </a:extLst>
-                  </p:cNvPr>
-                  <p:cNvSpPr txBox="1"/>
-                  <p:nvPr/>
-                </p:nvSpPr>
-                <p:spPr>
-                  <a:xfrm>
-                    <a:off x="9722826" y="5560694"/>
-                    <a:ext cx="227626" cy="276999"/>
-                  </a:xfrm>
-                  <a:prstGeom prst="rect">
-                    <a:avLst/>
-                  </a:prstGeom>
-                  <a:noFill/>
-                </p:spPr>
-                <p:txBody>
-                  <a:bodyPr wrap="none" lIns="0" tIns="0" rIns="0" bIns="0" rtlCol="0">
-                    <a:spAutoFit/>
-                  </a:bodyPr>
-                  <a:lstStyle/>
-                  <a:p>
-                    <a:pPr/>
-                    <a14:m>
-                      <m:oMathPara xmlns:m="http://schemas.openxmlformats.org/officeDocument/2006/math">
-                        <m:oMathParaPr>
-                          <m:jc m:val="centerGroup"/>
-                        </m:oMathParaPr>
-                        <m:oMath xmlns:m="http://schemas.openxmlformats.org/officeDocument/2006/math">
-                          <m:r>
-                            <m:rPr>
-                              <m:sty m:val="p"/>
-                            </m:rPr>
-                            <a:rPr lang="de-DE" i="1">
-                              <a:latin typeface="Cambria Math" panose="02040503050406030204" pitchFamily="18" charset="0"/>
-                            </a:rPr>
-                            <m:t>Θ</m:t>
-                          </m:r>
-                        </m:oMath>
-                      </m:oMathPara>
-                    </a14:m>
-                    <a:endParaRPr lang="de-DE" dirty="0">
-                      <a:latin typeface="CMU Bright" panose="02000603000000000000" pitchFamily="2" charset="0"/>
-                      <a:ea typeface="CMU Bright" panose="02000603000000000000" pitchFamily="2" charset="0"/>
-                      <a:cs typeface="CMU Bright" panose="02000603000000000000" pitchFamily="2" charset="0"/>
-                    </a:endParaRPr>
-                  </a:p>
-                </p:txBody>
-              </p:sp>
-            </mc:Choice>
-            <mc:Fallback>
-              <p:sp>
-                <p:nvSpPr>
-                  <p:cNvPr id="28" name="Textfeld 27">
-                    <a:extLst>
-                      <a:ext uri="{FF2B5EF4-FFF2-40B4-BE49-F238E27FC236}">
-                        <a16:creationId xmlns:a16="http://schemas.microsoft.com/office/drawing/2014/main" id="{A04149A9-C72F-46F5-867D-023F578B9D37}"/>
-                      </a:ext>
-                    </a:extLst>
-                  </p:cNvPr>
-                  <p:cNvSpPr txBox="1">
-                    <a:spLocks noRot="1" noChangeAspect="1" noMove="1" noResize="1" noEditPoints="1" noAdjustHandles="1" noChangeArrowheads="1" noChangeShapeType="1" noTextEdit="1"/>
-                  </p:cNvSpPr>
-                  <p:nvPr/>
-                </p:nvSpPr>
-                <p:spPr>
-                  <a:xfrm>
-                    <a:off x="9722826" y="5560694"/>
-                    <a:ext cx="227626" cy="276999"/>
-                  </a:xfrm>
-                  <a:prstGeom prst="rect">
-                    <a:avLst/>
-                  </a:prstGeom>
-                  <a:blipFill>
-                    <a:blip r:embed="rId9"/>
-                    <a:stretch>
-                      <a:fillRect l="-21622" r="-18919" b="-4444"/>
-                    </a:stretch>
-                  </a:blipFill>
-                </p:spPr>
-                <p:txBody>
-                  <a:bodyPr/>
-                  <a:lstStyle/>
-                  <a:p>
-                    <a:r>
-                      <a:rPr lang="en-GB">
-                        <a:noFill/>
-                      </a:rPr>
-                      <a:t> </a:t>
-                    </a:r>
-                  </a:p>
-                </p:txBody>
-              </p:sp>
-            </mc:Fallback>
-          </mc:AlternateContent>
+        </mc:Choice>
+        <mc:Fallback xmlns="">
           <p:sp>
             <p:nvSpPr>
-              <p:cNvPr id="31" name="Textfeld 30">
+              <p:cNvPr id="52" name="Rechteck 51">
                 <a:extLst>
                   <a:ext uri="{FF2B5EF4-FFF2-40B4-BE49-F238E27FC236}">
-                    <a16:creationId xmlns:a16="http://schemas.microsoft.com/office/drawing/2014/main" id="{8AFBBB97-632C-478F-B71C-30B06434318A}"/>
+                    <a16:creationId xmlns:a16="http://schemas.microsoft.com/office/drawing/2014/main" id="{E0253205-1AAE-4669-B057-8B3BC5C02532}"/>
                   </a:ext>
                 </a:extLst>
               </p:cNvPr>
-              <p:cNvSpPr txBox="1"/>
+              <p:cNvSpPr>
+                <a:spLocks noRot="1" noChangeAspect="1" noMove="1" noResize="1" noEditPoints="1" noAdjustHandles="1" noChangeArrowheads="1" noChangeShapeType="1" noTextEdit="1"/>
+              </p:cNvSpPr>
               <p:nvPr/>
             </p:nvSpPr>
             <p:spPr>
               <a:xfrm>
-                <a:off x="6464761" y="4920854"/>
-                <a:ext cx="1452642" cy="323165"/>
+                <a:off x="2986188" y="2632077"/>
+                <a:ext cx="610360" cy="446276"/>
               </a:xfrm>
               <a:prstGeom prst="rect">
                 <a:avLst/>
               </a:prstGeom>
-              <a:noFill/>
+              <a:blipFill>
+                <a:blip r:embed="rId17"/>
+                <a:stretch>
+                  <a:fillRect b="-2740"/>
+                </a:stretch>
+              </a:blipFill>
             </p:spPr>
             <p:txBody>
-              <a:bodyPr wrap="none" rtlCol="0">
-                <a:spAutoFit/>
-              </a:bodyPr>
+              <a:bodyPr/>
               <a:lstStyle/>
               <a:p>
                 <a:r>
-                  <a:rPr lang="de-DE" sz="1500" dirty="0">
-                    <a:latin typeface="CMU Bright" panose="02000603000000000000" pitchFamily="2" charset="0"/>
-                    <a:ea typeface="CMU Bright" panose="02000603000000000000" pitchFamily="2" charset="0"/>
-                    <a:cs typeface="CMU Bright" panose="02000603000000000000" pitchFamily="2" charset="0"/>
+                  <a:rPr lang="de-DE">
+                    <a:noFill/>
                   </a:rPr>
-                  <a:t>Hypothesentest</a:t>
+                  <a:t> </a:t>
                 </a:r>
               </a:p>
             </p:txBody>
           </p:sp>
-          <p:sp>
-            <p:nvSpPr>
-              <p:cNvPr id="32" name="Ellipse 31">
-                <a:extLst>
-                  <a:ext uri="{FF2B5EF4-FFF2-40B4-BE49-F238E27FC236}">
-                    <a16:creationId xmlns:a16="http://schemas.microsoft.com/office/drawing/2014/main" id="{DC168DE8-B222-4A5E-B0F7-B1E7A6BA6804}"/>
-                  </a:ext>
-                </a:extLst>
-              </p:cNvPr>
-              <p:cNvSpPr/>
-              <p:nvPr/>
-            </p:nvSpPr>
-            <p:spPr>
-              <a:xfrm>
-                <a:off x="7832894" y="5323757"/>
-                <a:ext cx="165463" cy="165463"/>
-              </a:xfrm>
-              <a:prstGeom prst="ellipse">
-                <a:avLst/>
-              </a:prstGeom>
-              <a:solidFill>
-                <a:schemeClr val="bg1"/>
-              </a:solidFill>
-              <a:ln>
-                <a:solidFill>
-                  <a:schemeClr val="accent5">
-                    <a:lumMod val="75000"/>
-                  </a:schemeClr>
-                </a:solidFill>
-                <a:prstDash val="solid"/>
-              </a:ln>
-            </p:spPr>
-            <p:style>
-              <a:lnRef idx="2">
-                <a:schemeClr val="accent1">
-                  <a:shade val="50000"/>
-                </a:schemeClr>
-              </a:lnRef>
-              <a:fillRef idx="1">
-                <a:schemeClr val="accent1"/>
-              </a:fillRef>
-              <a:effectRef idx="0">
-                <a:schemeClr val="accent1"/>
-              </a:effectRef>
-              <a:fontRef idx="minor">
-                <a:schemeClr val="lt1"/>
-              </a:fontRef>
-            </p:style>
-            <p:txBody>
-              <a:bodyPr rtlCol="0" anchor="ctr"/>
-              <a:lstStyle/>
-              <a:p>
-                <a:pPr algn="ctr"/>
-                <a:endParaRPr lang="de-DE">
-                  <a:latin typeface="CMU Bright" panose="02000603000000000000" pitchFamily="2" charset="0"/>
-                  <a:ea typeface="CMU Bright" panose="02000603000000000000" pitchFamily="2" charset="0"/>
-                  <a:cs typeface="CMU Bright" panose="02000603000000000000" pitchFamily="2" charset="0"/>
-                </a:endParaRPr>
-              </a:p>
-            </p:txBody>
-          </p:sp>
-          <mc:AlternateContent xmlns:mc="http://schemas.openxmlformats.org/markup-compatibility/2006" xmlns:a14="http://schemas.microsoft.com/office/drawing/2010/main">
-            <mc:Choice Requires="a14">
-              <p:sp>
-                <p:nvSpPr>
-                  <p:cNvPr id="36" name="Textfeld 35">
-                    <a:extLst>
-                      <a:ext uri="{FF2B5EF4-FFF2-40B4-BE49-F238E27FC236}">
-                        <a16:creationId xmlns:a16="http://schemas.microsoft.com/office/drawing/2014/main" id="{A42840CA-849C-4F84-8DAE-21C105E54124}"/>
-                      </a:ext>
-                    </a:extLst>
-                  </p:cNvPr>
-                  <p:cNvSpPr txBox="1"/>
-                  <p:nvPr/>
-                </p:nvSpPr>
-                <p:spPr>
-                  <a:xfrm>
-                    <a:off x="7472429" y="5212106"/>
-                    <a:ext cx="966563" cy="369332"/>
-                  </a:xfrm>
-                  <a:prstGeom prst="rect">
-                    <a:avLst/>
-                  </a:prstGeom>
-                  <a:noFill/>
-                </p:spPr>
-                <p:txBody>
-                  <a:bodyPr wrap="square" rtlCol="0">
-                    <a:spAutoFit/>
-                  </a:bodyPr>
-                  <a:lstStyle/>
-                  <a:p>
-                    <a:r>
-                      <a:rPr lang="de-DE" dirty="0">
-                        <a:latin typeface="CMU Bright" panose="02000603000000000000" pitchFamily="2" charset="0"/>
-                        <a:ea typeface="CMU Bright" panose="02000603000000000000" pitchFamily="2" charset="0"/>
-                        <a:cs typeface="CMU Bright" panose="02000603000000000000" pitchFamily="2" charset="0"/>
-                      </a:rPr>
-                      <a:t> </a:t>
-                    </a:r>
-                    <a14:m>
-                      <m:oMath xmlns:m="http://schemas.openxmlformats.org/officeDocument/2006/math">
-                        <m:r>
-                          <a:rPr lang="de-DE" i="1">
-                            <a:latin typeface="Cambria Math" panose="02040503050406030204" pitchFamily="18" charset="0"/>
-                          </a:rPr>
-                          <m:t>][</m:t>
-                        </m:r>
-                      </m:oMath>
-                    </a14:m>
-                    <a:r>
-                      <a:rPr lang="de-DE" dirty="0">
-                        <a:latin typeface="CMU Bright" panose="02000603000000000000" pitchFamily="2" charset="0"/>
-                        <a:ea typeface="CMU Bright" panose="02000603000000000000" pitchFamily="2" charset="0"/>
-                        <a:cs typeface="CMU Bright" panose="02000603000000000000" pitchFamily="2" charset="0"/>
-                      </a:rPr>
-                      <a:t>         </a:t>
-                    </a:r>
-                  </a:p>
-                </p:txBody>
-              </p:sp>
-            </mc:Choice>
-            <mc:Fallback xmlns="">
-              <p:sp>
-                <p:nvSpPr>
-                  <p:cNvPr id="36" name="Textfeld 35">
-                    <a:extLst>
-                      <a:ext uri="{FF2B5EF4-FFF2-40B4-BE49-F238E27FC236}">
-                        <a16:creationId xmlns:a16="http://schemas.microsoft.com/office/drawing/2014/main" id="{A42840CA-849C-4F84-8DAE-21C105E54124}"/>
-                      </a:ext>
-                    </a:extLst>
-                  </p:cNvPr>
-                  <p:cNvSpPr txBox="1">
-                    <a:spLocks noRot="1" noChangeAspect="1" noMove="1" noResize="1" noEditPoints="1" noAdjustHandles="1" noChangeArrowheads="1" noChangeShapeType="1" noTextEdit="1"/>
-                  </p:cNvSpPr>
-                  <p:nvPr/>
-                </p:nvSpPr>
-                <p:spPr>
-                  <a:xfrm>
-                    <a:off x="7472429" y="5212106"/>
-                    <a:ext cx="966563" cy="369332"/>
-                  </a:xfrm>
-                  <a:prstGeom prst="rect">
-                    <a:avLst/>
-                  </a:prstGeom>
-                  <a:blipFill>
-                    <a:blip r:embed="rId10"/>
-                    <a:stretch>
-                      <a:fillRect b="-15000"/>
-                    </a:stretch>
-                  </a:blipFill>
-                </p:spPr>
-                <p:txBody>
-                  <a:bodyPr/>
-                  <a:lstStyle/>
-                  <a:p>
-                    <a:r>
-                      <a:rPr lang="en-GB">
-                        <a:noFill/>
-                      </a:rPr>
-                      <a:t> </a:t>
-                    </a:r>
-                  </a:p>
-                </p:txBody>
-              </p:sp>
-            </mc:Fallback>
-          </mc:AlternateContent>
-          <mc:AlternateContent xmlns:mc="http://schemas.openxmlformats.org/markup-compatibility/2006" xmlns:a14="http://schemas.microsoft.com/office/drawing/2010/main">
-            <mc:Choice Requires="a14">
-              <p:sp>
-                <p:nvSpPr>
-                  <p:cNvPr id="37" name="Textfeld 36">
-                    <a:extLst>
-                      <a:ext uri="{FF2B5EF4-FFF2-40B4-BE49-F238E27FC236}">
-                        <a16:creationId xmlns:a16="http://schemas.microsoft.com/office/drawing/2014/main" id="{68C5C591-6D9C-41E7-A231-C1B186C7FB9D}"/>
-                      </a:ext>
-                    </a:extLst>
-                  </p:cNvPr>
-                  <p:cNvSpPr txBox="1"/>
-                  <p:nvPr/>
-                </p:nvSpPr>
-                <p:spPr>
-                  <a:xfrm>
-                    <a:off x="6960067" y="5442939"/>
-                    <a:ext cx="334963" cy="276999"/>
-                  </a:xfrm>
-                  <a:prstGeom prst="rect">
-                    <a:avLst/>
-                  </a:prstGeom>
-                  <a:noFill/>
-                </p:spPr>
-                <p:txBody>
-                  <a:bodyPr wrap="none" lIns="0" tIns="0" rIns="0" bIns="0" rtlCol="0">
-                    <a:spAutoFit/>
-                  </a:bodyPr>
-                  <a:lstStyle/>
-                  <a:p>
-                    <a:pPr/>
-                    <a14:m>
-                      <m:oMathPara xmlns:m="http://schemas.openxmlformats.org/officeDocument/2006/math">
-                        <m:oMathParaPr>
-                          <m:jc m:val="centerGroup"/>
-                        </m:oMathParaPr>
-                        <m:oMath xmlns:m="http://schemas.openxmlformats.org/officeDocument/2006/math">
-                          <m:sSub>
-                            <m:sSubPr>
-                              <m:ctrlPr>
-                                <a:rPr lang="de-DE" i="1">
-                                  <a:latin typeface="Cambria Math" panose="02040503050406030204" pitchFamily="18" charset="0"/>
-                                </a:rPr>
-                              </m:ctrlPr>
-                            </m:sSubPr>
-                            <m:e>
-                              <m:r>
-                                <m:rPr>
-                                  <m:sty m:val="p"/>
-                                </m:rPr>
-                                <a:rPr lang="de-DE" i="1">
-                                  <a:latin typeface="Cambria Math" panose="02040503050406030204" pitchFamily="18" charset="0"/>
-                                </a:rPr>
-                                <m:t>Θ</m:t>
-                              </m:r>
-                            </m:e>
-                            <m:sub>
-                              <m:r>
-                                <a:rPr lang="de-DE" i="1">
-                                  <a:latin typeface="Cambria Math" panose="02040503050406030204" pitchFamily="18" charset="0"/>
-                                </a:rPr>
-                                <m:t>0</m:t>
-                              </m:r>
-                            </m:sub>
-                          </m:sSub>
-                        </m:oMath>
-                      </m:oMathPara>
-                    </a14:m>
-                    <a:endParaRPr lang="de-DE" dirty="0">
-                      <a:latin typeface="CMU Bright" panose="02000603000000000000" pitchFamily="2" charset="0"/>
-                      <a:ea typeface="CMU Bright" panose="02000603000000000000" pitchFamily="2" charset="0"/>
-                      <a:cs typeface="CMU Bright" panose="02000603000000000000" pitchFamily="2" charset="0"/>
-                    </a:endParaRPr>
-                  </a:p>
-                </p:txBody>
-              </p:sp>
-            </mc:Choice>
-            <mc:Fallback xmlns="">
-              <p:sp>
-                <p:nvSpPr>
-                  <p:cNvPr id="37" name="Textfeld 36">
-                    <a:extLst>
-                      <a:ext uri="{FF2B5EF4-FFF2-40B4-BE49-F238E27FC236}">
-                        <a16:creationId xmlns:a16="http://schemas.microsoft.com/office/drawing/2014/main" id="{68C5C591-6D9C-41E7-A231-C1B186C7FB9D}"/>
-                      </a:ext>
-                    </a:extLst>
-                  </p:cNvPr>
-                  <p:cNvSpPr txBox="1">
-                    <a:spLocks noRot="1" noChangeAspect="1" noMove="1" noResize="1" noEditPoints="1" noAdjustHandles="1" noChangeArrowheads="1" noChangeShapeType="1" noTextEdit="1"/>
-                  </p:cNvSpPr>
-                  <p:nvPr/>
-                </p:nvSpPr>
-                <p:spPr>
-                  <a:xfrm>
-                    <a:off x="6960067" y="5442939"/>
-                    <a:ext cx="334963" cy="276999"/>
-                  </a:xfrm>
-                  <a:prstGeom prst="rect">
-                    <a:avLst/>
-                  </a:prstGeom>
-                  <a:blipFill>
-                    <a:blip r:embed="rId11"/>
-                    <a:stretch>
-                      <a:fillRect l="-12727" r="-3636" b="-13333"/>
-                    </a:stretch>
-                  </a:blipFill>
-                </p:spPr>
-                <p:txBody>
-                  <a:bodyPr/>
-                  <a:lstStyle/>
-                  <a:p>
-                    <a:r>
-                      <a:rPr lang="en-GB">
-                        <a:noFill/>
-                      </a:rPr>
-                      <a:t> </a:t>
-                    </a:r>
-                  </a:p>
-                </p:txBody>
-              </p:sp>
-            </mc:Fallback>
-          </mc:AlternateContent>
-          <mc:AlternateContent xmlns:mc="http://schemas.openxmlformats.org/markup-compatibility/2006" xmlns:a14="http://schemas.microsoft.com/office/drawing/2010/main">
-            <mc:Choice Requires="a14">
-              <p:sp>
-                <p:nvSpPr>
-                  <p:cNvPr id="38" name="Textfeld 37">
-                    <a:extLst>
-                      <a:ext uri="{FF2B5EF4-FFF2-40B4-BE49-F238E27FC236}">
-                        <a16:creationId xmlns:a16="http://schemas.microsoft.com/office/drawing/2014/main" id="{F49256BD-F26D-435B-9A6B-32F6CE75A6F8}"/>
-                      </a:ext>
-                    </a:extLst>
-                  </p:cNvPr>
-                  <p:cNvSpPr txBox="1"/>
-                  <p:nvPr/>
-                </p:nvSpPr>
-                <p:spPr>
-                  <a:xfrm>
-                    <a:off x="8659038" y="5442939"/>
-                    <a:ext cx="329641" cy="276999"/>
-                  </a:xfrm>
-                  <a:prstGeom prst="rect">
-                    <a:avLst/>
-                  </a:prstGeom>
-                  <a:noFill/>
-                </p:spPr>
-                <p:txBody>
-                  <a:bodyPr wrap="none" lIns="0" tIns="0" rIns="0" bIns="0" rtlCol="0">
-                    <a:spAutoFit/>
-                  </a:bodyPr>
-                  <a:lstStyle/>
-                  <a:p>
-                    <a:pPr/>
-                    <a14:m>
-                      <m:oMathPara xmlns:m="http://schemas.openxmlformats.org/officeDocument/2006/math">
-                        <m:oMathParaPr>
-                          <m:jc m:val="centerGroup"/>
-                        </m:oMathParaPr>
-                        <m:oMath xmlns:m="http://schemas.openxmlformats.org/officeDocument/2006/math">
-                          <m:sSub>
-                            <m:sSubPr>
-                              <m:ctrlPr>
-                                <a:rPr lang="de-DE" i="1">
-                                  <a:latin typeface="Cambria Math" panose="02040503050406030204" pitchFamily="18" charset="0"/>
-                                </a:rPr>
-                              </m:ctrlPr>
-                            </m:sSubPr>
-                            <m:e>
-                              <m:r>
-                                <m:rPr>
-                                  <m:sty m:val="p"/>
-                                </m:rPr>
-                                <a:rPr lang="de-DE" i="1">
-                                  <a:latin typeface="Cambria Math" panose="02040503050406030204" pitchFamily="18" charset="0"/>
-                                </a:rPr>
-                                <m:t>Θ</m:t>
-                              </m:r>
-                            </m:e>
-                            <m:sub>
-                              <m:r>
-                                <a:rPr lang="de-DE" i="1">
-                                  <a:latin typeface="Cambria Math" panose="02040503050406030204" pitchFamily="18" charset="0"/>
-                                </a:rPr>
-                                <m:t>1</m:t>
-                              </m:r>
-                            </m:sub>
-                          </m:sSub>
-                        </m:oMath>
-                      </m:oMathPara>
-                    </a14:m>
-                    <a:endParaRPr lang="de-DE" dirty="0">
-                      <a:latin typeface="CMU Bright" panose="02000603000000000000" pitchFamily="2" charset="0"/>
-                      <a:ea typeface="CMU Bright" panose="02000603000000000000" pitchFamily="2" charset="0"/>
-                      <a:cs typeface="CMU Bright" panose="02000603000000000000" pitchFamily="2" charset="0"/>
-                    </a:endParaRPr>
-                  </a:p>
-                </p:txBody>
-              </p:sp>
-            </mc:Choice>
-            <mc:Fallback xmlns="">
-              <p:sp>
-                <p:nvSpPr>
-                  <p:cNvPr id="38" name="Textfeld 37">
-                    <a:extLst>
-                      <a:ext uri="{FF2B5EF4-FFF2-40B4-BE49-F238E27FC236}">
-                        <a16:creationId xmlns:a16="http://schemas.microsoft.com/office/drawing/2014/main" id="{F49256BD-F26D-435B-9A6B-32F6CE75A6F8}"/>
-                      </a:ext>
-                    </a:extLst>
-                  </p:cNvPr>
-                  <p:cNvSpPr txBox="1">
-                    <a:spLocks noRot="1" noChangeAspect="1" noMove="1" noResize="1" noEditPoints="1" noAdjustHandles="1" noChangeArrowheads="1" noChangeShapeType="1" noTextEdit="1"/>
-                  </p:cNvSpPr>
-                  <p:nvPr/>
-                </p:nvSpPr>
-                <p:spPr>
-                  <a:xfrm>
-                    <a:off x="8659038" y="5442939"/>
-                    <a:ext cx="329641" cy="276999"/>
-                  </a:xfrm>
-                  <a:prstGeom prst="rect">
-                    <a:avLst/>
-                  </a:prstGeom>
-                  <a:blipFill>
-                    <a:blip r:embed="rId12"/>
-                    <a:stretch>
-                      <a:fillRect l="-14815" r="-1852" b="-13333"/>
-                    </a:stretch>
-                  </a:blipFill>
-                </p:spPr>
-                <p:txBody>
-                  <a:bodyPr/>
-                  <a:lstStyle/>
-                  <a:p>
-                    <a:r>
-                      <a:rPr lang="en-GB">
-                        <a:noFill/>
-                      </a:rPr>
-                      <a:t> </a:t>
-                    </a:r>
-                  </a:p>
-                </p:txBody>
-              </p:sp>
-            </mc:Fallback>
-          </mc:AlternateContent>
-          <mc:AlternateContent xmlns:mc="http://schemas.openxmlformats.org/markup-compatibility/2006" xmlns:a14="http://schemas.microsoft.com/office/drawing/2010/main">
-            <mc:Choice Requires="a14">
-              <p:sp>
-                <p:nvSpPr>
-                  <p:cNvPr id="39" name="Rechteck 38">
-                    <a:extLst>
-                      <a:ext uri="{FF2B5EF4-FFF2-40B4-BE49-F238E27FC236}">
-                        <a16:creationId xmlns:a16="http://schemas.microsoft.com/office/drawing/2014/main" id="{C0CB5FA3-FE41-4CFB-A2F8-471685524D90}"/>
-                      </a:ext>
-                    </a:extLst>
-                  </p:cNvPr>
-                  <p:cNvSpPr/>
-                  <p:nvPr/>
-                </p:nvSpPr>
-                <p:spPr>
-                  <a:xfrm>
-                    <a:off x="9335260" y="1973180"/>
-                    <a:ext cx="725968" cy="332848"/>
-                  </a:xfrm>
-                  <a:prstGeom prst="rect">
-                    <a:avLst/>
-                  </a:prstGeom>
-                </p:spPr>
-                <p:txBody>
-                  <a:bodyPr wrap="none">
-                    <a:spAutoFit/>
-                  </a:bodyPr>
-                  <a:lstStyle/>
-                  <a:p>
-                    <a:pPr/>
-                    <a14:m>
-                      <m:oMathPara xmlns:m="http://schemas.openxmlformats.org/officeDocument/2006/math">
-                        <m:oMathParaPr>
-                          <m:jc m:val="centerGroup"/>
-                        </m:oMathParaPr>
-                        <m:oMath xmlns:m="http://schemas.openxmlformats.org/officeDocument/2006/math">
-                          <m:acc>
-                            <m:accPr>
-                              <m:chr m:val="̂"/>
-                              <m:ctrlPr>
-                                <a:rPr lang="de-DE" sz="1500" i="1">
-                                  <a:latin typeface="Cambria Math" panose="02040503050406030204" pitchFamily="18" charset="0"/>
-                                </a:rPr>
-                              </m:ctrlPr>
-                            </m:accPr>
-                            <m:e>
-                              <m:r>
-                                <a:rPr lang="de-DE" sz="1500" i="1">
-                                  <a:latin typeface="Cambria Math" panose="02040503050406030204" pitchFamily="18" charset="0"/>
-                                </a:rPr>
-                                <m:t>𝜃</m:t>
-                              </m:r>
-                            </m:e>
-                          </m:acc>
-                          <m:r>
-                            <a:rPr lang="de-DE" sz="1500" i="1">
-                              <a:latin typeface="Cambria Math" panose="02040503050406030204" pitchFamily="18" charset="0"/>
-                            </a:rPr>
-                            <m:t>≈</m:t>
-                          </m:r>
-                          <m:r>
-                            <a:rPr lang="de-DE" sz="1500" i="1">
-                              <a:latin typeface="Cambria Math" panose="02040503050406030204" pitchFamily="18" charset="0"/>
-                            </a:rPr>
-                            <m:t>𝜃</m:t>
-                          </m:r>
-                        </m:oMath>
-                      </m:oMathPara>
-                    </a14:m>
-                    <a:endParaRPr lang="de-DE" sz="1500" dirty="0">
-                      <a:latin typeface="CMU Bright" panose="02000603000000000000" pitchFamily="2" charset="0"/>
-                      <a:ea typeface="CMU Bright" panose="02000603000000000000" pitchFamily="2" charset="0"/>
-                      <a:cs typeface="CMU Bright" panose="02000603000000000000" pitchFamily="2" charset="0"/>
-                    </a:endParaRPr>
-                  </a:p>
-                </p:txBody>
-              </p:sp>
-            </mc:Choice>
-            <mc:Fallback xmlns="">
-              <p:sp>
-                <p:nvSpPr>
-                  <p:cNvPr id="39" name="Rechteck 38">
-                    <a:extLst>
-                      <a:ext uri="{FF2B5EF4-FFF2-40B4-BE49-F238E27FC236}">
-                        <a16:creationId xmlns:a16="http://schemas.microsoft.com/office/drawing/2014/main" id="{C0CB5FA3-FE41-4CFB-A2F8-471685524D90}"/>
-                      </a:ext>
-                    </a:extLst>
-                  </p:cNvPr>
-                  <p:cNvSpPr>
-                    <a:spLocks noRot="1" noChangeAspect="1" noMove="1" noResize="1" noEditPoints="1" noAdjustHandles="1" noChangeArrowheads="1" noChangeShapeType="1" noTextEdit="1"/>
-                  </p:cNvSpPr>
-                  <p:nvPr/>
-                </p:nvSpPr>
-                <p:spPr>
-                  <a:xfrm>
-                    <a:off x="9335260" y="1973180"/>
-                    <a:ext cx="725968" cy="332848"/>
-                  </a:xfrm>
-                  <a:prstGeom prst="rect">
-                    <a:avLst/>
-                  </a:prstGeom>
-                  <a:blipFill>
-                    <a:blip r:embed="rId13"/>
-                    <a:stretch>
-                      <a:fillRect t="-3636"/>
-                    </a:stretch>
-                  </a:blipFill>
-                </p:spPr>
-                <p:txBody>
-                  <a:bodyPr/>
-                  <a:lstStyle/>
-                  <a:p>
-                    <a:r>
-                      <a:rPr lang="en-GB">
-                        <a:noFill/>
-                      </a:rPr>
-                      <a:t> </a:t>
-                    </a:r>
-                  </a:p>
-                </p:txBody>
-              </p:sp>
-            </mc:Fallback>
-          </mc:AlternateContent>
-          <mc:AlternateContent xmlns:mc="http://schemas.openxmlformats.org/markup-compatibility/2006">
-            <mc:Choice xmlns:a14="http://schemas.microsoft.com/office/drawing/2010/main" Requires="a14">
-              <p:sp>
-                <p:nvSpPr>
-                  <p:cNvPr id="40" name="Rechteck 39">
-                    <a:extLst>
-                      <a:ext uri="{FF2B5EF4-FFF2-40B4-BE49-F238E27FC236}">
-                        <a16:creationId xmlns:a16="http://schemas.microsoft.com/office/drawing/2014/main" id="{C7DE82CB-B968-487C-890C-443165ECAACF}"/>
-                      </a:ext>
-                    </a:extLst>
-                  </p:cNvPr>
-                  <p:cNvSpPr/>
-                  <p:nvPr/>
-                </p:nvSpPr>
-                <p:spPr>
-                  <a:xfrm>
-                    <a:off x="8437880" y="3217698"/>
-                    <a:ext cx="1578574" cy="352854"/>
-                  </a:xfrm>
-                  <a:prstGeom prst="rect">
-                    <a:avLst/>
-                  </a:prstGeom>
-                </p:spPr>
-                <p:txBody>
-                  <a:bodyPr wrap="none">
-                    <a:spAutoFit/>
-                  </a:bodyPr>
-                  <a:lstStyle/>
-                  <a:p>
-                    <a:pPr/>
-                    <a14:m>
-                      <m:oMathPara xmlns:m="http://schemas.openxmlformats.org/officeDocument/2006/math">
-                        <m:oMathParaPr>
-                          <m:jc m:val="centerGroup"/>
-                        </m:oMathParaPr>
-                        <m:oMath xmlns:m="http://schemas.openxmlformats.org/officeDocument/2006/math">
-                          <m:sSub>
-                            <m:sSubPr>
-                              <m:ctrlPr>
-                                <a:rPr lang="de-DE" sz="1500" i="1">
-                                  <a:latin typeface="Cambria Math" panose="02040503050406030204" pitchFamily="18" charset="0"/>
-                                </a:rPr>
-                              </m:ctrlPr>
-                            </m:sSubPr>
-                            <m:e>
-                              <m:r>
-                                <a:rPr lang="de-DE" sz="1500" i="1">
-                                  <a:latin typeface="Cambria Math" panose="02040503050406030204" pitchFamily="18" charset="0"/>
-                                </a:rPr>
-                                <m:t>ℙ</m:t>
-                              </m:r>
-                            </m:e>
-                            <m:sub>
-                              <m:r>
-                                <a:rPr lang="de-DE" sz="1500" i="1">
-                                  <a:latin typeface="Cambria Math" panose="02040503050406030204" pitchFamily="18" charset="0"/>
-                                </a:rPr>
-                                <m:t>𝜃</m:t>
-                              </m:r>
-                            </m:sub>
-                          </m:sSub>
-                          <m:d>
-                            <m:dPr>
-                              <m:ctrlPr>
-                                <a:rPr lang="de-DE" sz="1500" i="1">
-                                  <a:latin typeface="Cambria Math" panose="02040503050406030204" pitchFamily="18" charset="0"/>
-                                </a:rPr>
-                              </m:ctrlPr>
-                            </m:dPr>
-                            <m:e>
-                              <m:d>
-                                <m:dPr>
-                                  <m:begChr m:val="["/>
-                                  <m:endChr m:val="]"/>
-                                  <m:ctrlPr>
-                                    <a:rPr lang="de-DE" sz="1500" i="1">
-                                      <a:latin typeface="Cambria Math" panose="02040503050406030204" pitchFamily="18" charset="0"/>
-                                    </a:rPr>
-                                  </m:ctrlPr>
-                                </m:dPr>
-                                <m:e>
-                                  <m:acc>
-                                    <m:accPr>
-                                      <m:chr m:val="̂"/>
-                                      <m:ctrlPr>
-                                        <a:rPr lang="de-DE" sz="1500" i="1">
-                                          <a:latin typeface="Cambria Math" panose="02040503050406030204" pitchFamily="18" charset="0"/>
-                                        </a:rPr>
-                                      </m:ctrlPr>
-                                    </m:accPr>
-                                    <m:e>
-                                      <m:r>
-                                        <a:rPr lang="de-DE" sz="1500" i="1">
-                                          <a:latin typeface="Cambria Math" panose="02040503050406030204" pitchFamily="18" charset="0"/>
-                                        </a:rPr>
-                                        <m:t>𝜃</m:t>
-                                      </m:r>
-                                    </m:e>
-                                  </m:acc>
-                                  <m:r>
-                                    <a:rPr lang="de-DE" sz="1500" i="1">
-                                      <a:latin typeface="Cambria Math" panose="02040503050406030204" pitchFamily="18" charset="0"/>
-                                    </a:rPr>
-                                    <m:t>±</m:t>
-                                  </m:r>
-                                  <m:r>
-                                    <a:rPr lang="de-DE" sz="1500" i="1">
-                                      <a:latin typeface="Cambria Math" panose="02040503050406030204" pitchFamily="18" charset="0"/>
-                                    </a:rPr>
-                                    <m:t>𝜉</m:t>
-                                  </m:r>
-                                </m:e>
-                              </m:d>
-                              <m:r>
-                                <a:rPr lang="de-DE" sz="1500" i="1">
-                                  <a:latin typeface="Cambria Math" panose="02040503050406030204" pitchFamily="18" charset="0"/>
-                                </a:rPr>
-                                <m:t>∋</m:t>
-                              </m:r>
-                              <m:r>
-                                <a:rPr lang="de-DE" sz="1500" i="1">
-                                  <a:latin typeface="Cambria Math" panose="02040503050406030204" pitchFamily="18" charset="0"/>
-                                </a:rPr>
-                                <m:t>𝜃</m:t>
-                              </m:r>
-                            </m:e>
-                          </m:d>
-                        </m:oMath>
-                      </m:oMathPara>
-                    </a14:m>
-                    <a:endParaRPr lang="de-DE" sz="1500" dirty="0">
-                      <a:latin typeface="CMU Bright" panose="02000603000000000000" pitchFamily="2" charset="0"/>
-                      <a:ea typeface="CMU Bright" panose="02000603000000000000" pitchFamily="2" charset="0"/>
-                      <a:cs typeface="CMU Bright" panose="02000603000000000000" pitchFamily="2" charset="0"/>
-                    </a:endParaRPr>
-                  </a:p>
-                </p:txBody>
-              </p:sp>
-            </mc:Choice>
-            <mc:Fallback>
-              <p:sp>
-                <p:nvSpPr>
-                  <p:cNvPr id="40" name="Rechteck 39">
-                    <a:extLst>
-                      <a:ext uri="{FF2B5EF4-FFF2-40B4-BE49-F238E27FC236}">
-                        <a16:creationId xmlns:a16="http://schemas.microsoft.com/office/drawing/2014/main" id="{C7DE82CB-B968-487C-890C-443165ECAACF}"/>
-                      </a:ext>
-                    </a:extLst>
-                  </p:cNvPr>
-                  <p:cNvSpPr>
-                    <a:spLocks noRot="1" noChangeAspect="1" noMove="1" noResize="1" noEditPoints="1" noAdjustHandles="1" noChangeArrowheads="1" noChangeShapeType="1" noTextEdit="1"/>
-                  </p:cNvSpPr>
-                  <p:nvPr/>
-                </p:nvSpPr>
-                <p:spPr>
-                  <a:xfrm>
-                    <a:off x="8437880" y="3217698"/>
-                    <a:ext cx="1578574" cy="352854"/>
-                  </a:xfrm>
-                  <a:prstGeom prst="rect">
-                    <a:avLst/>
-                  </a:prstGeom>
-                  <a:blipFill>
-                    <a:blip r:embed="rId14"/>
-                    <a:stretch>
-                      <a:fillRect b="-5172"/>
-                    </a:stretch>
-                  </a:blipFill>
-                </p:spPr>
-                <p:txBody>
-                  <a:bodyPr/>
-                  <a:lstStyle/>
-                  <a:p>
-                    <a:r>
-                      <a:rPr lang="en-GB">
-                        <a:noFill/>
-                      </a:rPr>
-                      <a:t> </a:t>
-                    </a:r>
-                  </a:p>
-                </p:txBody>
-              </p:sp>
-            </mc:Fallback>
-          </mc:AlternateContent>
-          <mc:AlternateContent xmlns:mc="http://schemas.openxmlformats.org/markup-compatibility/2006" xmlns:a14="http://schemas.microsoft.com/office/drawing/2010/main">
-            <mc:Choice Requires="a14">
-              <p:sp>
-                <p:nvSpPr>
-                  <p:cNvPr id="41" name="Rechteck 40">
-                    <a:extLst>
-                      <a:ext uri="{FF2B5EF4-FFF2-40B4-BE49-F238E27FC236}">
-                        <a16:creationId xmlns:a16="http://schemas.microsoft.com/office/drawing/2014/main" id="{7DF524E6-8DE8-41A3-9EFF-E8CA1EB00CAE}"/>
-                      </a:ext>
-                    </a:extLst>
-                  </p:cNvPr>
-                  <p:cNvSpPr/>
-                  <p:nvPr/>
-                </p:nvSpPr>
-                <p:spPr>
-                  <a:xfrm>
-                    <a:off x="8443766" y="4933553"/>
-                    <a:ext cx="1642629" cy="323165"/>
-                  </a:xfrm>
-                  <a:prstGeom prst="rect">
-                    <a:avLst/>
-                  </a:prstGeom>
-                </p:spPr>
-                <p:txBody>
-                  <a:bodyPr wrap="none">
-                    <a:spAutoFit/>
-                  </a:bodyPr>
-                  <a:lstStyle/>
-                  <a:p>
-                    <a14:m>
-                      <m:oMath xmlns:m="http://schemas.openxmlformats.org/officeDocument/2006/math">
-                        <m:r>
-                          <a:rPr lang="de-DE" sz="1500" i="1">
-                            <a:latin typeface="Cambria Math" panose="02040503050406030204" pitchFamily="18" charset="0"/>
-                          </a:rPr>
-                          <m:t>𝜃</m:t>
-                        </m:r>
-                        <m:r>
-                          <a:rPr lang="de-DE" sz="1500" i="1">
-                            <a:latin typeface="Cambria Math" panose="02040503050406030204" pitchFamily="18" charset="0"/>
-                          </a:rPr>
-                          <m:t>∈</m:t>
-                        </m:r>
-                        <m:sSub>
-                          <m:sSubPr>
-                            <m:ctrlPr>
-                              <a:rPr lang="de-DE" sz="1500" i="1">
-                                <a:latin typeface="Cambria Math" panose="02040503050406030204" pitchFamily="18" charset="0"/>
-                              </a:rPr>
-                            </m:ctrlPr>
-                          </m:sSubPr>
-                          <m:e>
-                            <m:r>
-                              <m:rPr>
-                                <m:sty m:val="p"/>
-                              </m:rPr>
-                              <a:rPr lang="de-DE" sz="1500">
-                                <a:latin typeface="Cambria Math" panose="02040503050406030204" pitchFamily="18" charset="0"/>
-                              </a:rPr>
-                              <m:t>Θ</m:t>
-                            </m:r>
-                          </m:e>
-                          <m:sub>
-                            <m:r>
-                              <a:rPr lang="de-DE" sz="1500" i="1">
-                                <a:latin typeface="Cambria Math" panose="02040503050406030204" pitchFamily="18" charset="0"/>
-                              </a:rPr>
-                              <m:t>0</m:t>
-                            </m:r>
-                          </m:sub>
-                        </m:sSub>
-                      </m:oMath>
-                    </a14:m>
-                    <a:r>
-                      <a:rPr lang="de-DE" sz="1500" dirty="0">
-                        <a:latin typeface="CMU Bright" panose="02000603000000000000" pitchFamily="2" charset="0"/>
-                        <a:ea typeface="CMU Bright" panose="02000603000000000000" pitchFamily="2" charset="0"/>
-                        <a:cs typeface="CMU Bright" panose="02000603000000000000" pitchFamily="2" charset="0"/>
-                      </a:rPr>
-                      <a:t> vs. </a:t>
-                    </a:r>
-                    <a14:m>
-                      <m:oMath xmlns:m="http://schemas.openxmlformats.org/officeDocument/2006/math">
-                        <m:r>
-                          <a:rPr lang="de-DE" sz="1500" i="1">
-                            <a:latin typeface="Cambria Math" panose="02040503050406030204" pitchFamily="18" charset="0"/>
-                          </a:rPr>
-                          <m:t>𝜃</m:t>
-                        </m:r>
-                        <m:r>
-                          <a:rPr lang="de-DE" sz="1500" i="1">
-                            <a:latin typeface="Cambria Math" panose="02040503050406030204" pitchFamily="18" charset="0"/>
-                          </a:rPr>
-                          <m:t>∈</m:t>
-                        </m:r>
-                        <m:sSub>
-                          <m:sSubPr>
-                            <m:ctrlPr>
-                              <a:rPr lang="de-DE" sz="1500" i="1">
-                                <a:latin typeface="Cambria Math" panose="02040503050406030204" pitchFamily="18" charset="0"/>
-                              </a:rPr>
-                            </m:ctrlPr>
-                          </m:sSubPr>
-                          <m:e>
-                            <m:r>
-                              <m:rPr>
-                                <m:sty m:val="p"/>
-                              </m:rPr>
-                              <a:rPr lang="de-DE" sz="1500">
-                                <a:latin typeface="Cambria Math" panose="02040503050406030204" pitchFamily="18" charset="0"/>
-                              </a:rPr>
-                              <m:t>Θ</m:t>
-                            </m:r>
-                          </m:e>
-                          <m:sub>
-                            <m:r>
-                              <a:rPr lang="de-DE" sz="1500" i="1">
-                                <a:latin typeface="Cambria Math" panose="02040503050406030204" pitchFamily="18" charset="0"/>
-                              </a:rPr>
-                              <m:t>1</m:t>
-                            </m:r>
-                          </m:sub>
-                        </m:sSub>
-                      </m:oMath>
-                    </a14:m>
-                    <a:endParaRPr lang="de-DE" sz="1500" dirty="0">
-                      <a:latin typeface="CMU Bright" panose="02000603000000000000" pitchFamily="2" charset="0"/>
-                      <a:ea typeface="CMU Bright" panose="02000603000000000000" pitchFamily="2" charset="0"/>
-                      <a:cs typeface="CMU Bright" panose="02000603000000000000" pitchFamily="2" charset="0"/>
-                    </a:endParaRPr>
-                  </a:p>
-                </p:txBody>
-              </p:sp>
-            </mc:Choice>
-            <mc:Fallback xmlns="">
-              <p:sp>
-                <p:nvSpPr>
-                  <p:cNvPr id="41" name="Rechteck 40">
-                    <a:extLst>
-                      <a:ext uri="{FF2B5EF4-FFF2-40B4-BE49-F238E27FC236}">
-                        <a16:creationId xmlns:a16="http://schemas.microsoft.com/office/drawing/2014/main" id="{7DF524E6-8DE8-41A3-9EFF-E8CA1EB00CAE}"/>
-                      </a:ext>
-                    </a:extLst>
-                  </p:cNvPr>
-                  <p:cNvSpPr>
-                    <a:spLocks noRot="1" noChangeAspect="1" noMove="1" noResize="1" noEditPoints="1" noAdjustHandles="1" noChangeArrowheads="1" noChangeShapeType="1" noTextEdit="1"/>
-                  </p:cNvSpPr>
-                  <p:nvPr/>
-                </p:nvSpPr>
-                <p:spPr>
-                  <a:xfrm>
-                    <a:off x="8443766" y="4933553"/>
-                    <a:ext cx="1642629" cy="323165"/>
-                  </a:xfrm>
-                  <a:prstGeom prst="rect">
-                    <a:avLst/>
-                  </a:prstGeom>
-                  <a:blipFill>
-                    <a:blip r:embed="rId15"/>
-                    <a:stretch>
-                      <a:fillRect t="-1887" b="-20755"/>
-                    </a:stretch>
-                  </a:blipFill>
-                </p:spPr>
-                <p:txBody>
-                  <a:bodyPr/>
-                  <a:lstStyle/>
-                  <a:p>
-                    <a:r>
-                      <a:rPr lang="en-GB">
-                        <a:noFill/>
-                      </a:rPr>
-                      <a:t> </a:t>
-                    </a:r>
-                  </a:p>
-                </p:txBody>
-              </p:sp>
-            </mc:Fallback>
-          </mc:AlternateContent>
-          <p:sp>
-            <p:nvSpPr>
-              <p:cNvPr id="44" name="Ellipse 43">
-                <a:extLst>
-                  <a:ext uri="{FF2B5EF4-FFF2-40B4-BE49-F238E27FC236}">
-                    <a16:creationId xmlns:a16="http://schemas.microsoft.com/office/drawing/2014/main" id="{59B3F562-AB02-4BDC-908B-2F0A117A0FD8}"/>
-                  </a:ext>
-                </a:extLst>
-              </p:cNvPr>
-              <p:cNvSpPr/>
-              <p:nvPr/>
-            </p:nvSpPr>
-            <p:spPr>
-              <a:xfrm>
-                <a:off x="7429278" y="5318877"/>
-                <a:ext cx="165463" cy="165463"/>
-              </a:xfrm>
-              <a:prstGeom prst="ellipse">
-                <a:avLst/>
-              </a:prstGeom>
-              <a:solidFill>
-                <a:schemeClr val="bg1">
-                  <a:lumMod val="50000"/>
-                </a:schemeClr>
-              </a:solidFill>
-              <a:ln>
-                <a:solidFill>
-                  <a:schemeClr val="bg1">
-                    <a:lumMod val="50000"/>
-                  </a:schemeClr>
-                </a:solidFill>
-              </a:ln>
-            </p:spPr>
-            <p:style>
-              <a:lnRef idx="2">
-                <a:schemeClr val="accent1">
-                  <a:shade val="50000"/>
-                </a:schemeClr>
-              </a:lnRef>
-              <a:fillRef idx="1">
-                <a:schemeClr val="accent1"/>
-              </a:fillRef>
-              <a:effectRef idx="0">
-                <a:schemeClr val="accent1"/>
-              </a:effectRef>
-              <a:fontRef idx="minor">
-                <a:schemeClr val="lt1"/>
-              </a:fontRef>
-            </p:style>
-            <p:txBody>
-              <a:bodyPr rtlCol="0" anchor="ctr"/>
-              <a:lstStyle/>
-              <a:p>
-                <a:pPr algn="ctr"/>
-                <a:endParaRPr lang="de-DE">
-                  <a:latin typeface="CMU Bright" panose="02000603000000000000" pitchFamily="2" charset="0"/>
-                  <a:ea typeface="CMU Bright" panose="02000603000000000000" pitchFamily="2" charset="0"/>
-                  <a:cs typeface="CMU Bright" panose="02000603000000000000" pitchFamily="2" charset="0"/>
-                </a:endParaRPr>
-              </a:p>
-            </p:txBody>
-          </p:sp>
-          <p:sp>
-            <p:nvSpPr>
-              <p:cNvPr id="34" name="Ellipse 33">
-                <a:extLst>
-                  <a:ext uri="{FF2B5EF4-FFF2-40B4-BE49-F238E27FC236}">
-                    <a16:creationId xmlns:a16="http://schemas.microsoft.com/office/drawing/2014/main" id="{AD283C8D-0E59-4718-89F4-AE0F9B42E278}"/>
-                  </a:ext>
-                </a:extLst>
-              </p:cNvPr>
-              <p:cNvSpPr/>
-              <p:nvPr/>
-            </p:nvSpPr>
-            <p:spPr>
-              <a:xfrm>
-                <a:off x="6675904" y="5989240"/>
-                <a:ext cx="142699" cy="142699"/>
-              </a:xfrm>
-              <a:prstGeom prst="ellipse">
-                <a:avLst/>
-              </a:prstGeom>
-              <a:solidFill>
-                <a:schemeClr val="bg1"/>
-              </a:solidFill>
-              <a:ln>
-                <a:solidFill>
-                  <a:schemeClr val="accent5">
-                    <a:lumMod val="75000"/>
-                  </a:schemeClr>
-                </a:solidFill>
-                <a:prstDash val="solid"/>
-              </a:ln>
-            </p:spPr>
-            <p:style>
-              <a:lnRef idx="2">
-                <a:schemeClr val="accent1">
-                  <a:shade val="50000"/>
-                </a:schemeClr>
-              </a:lnRef>
-              <a:fillRef idx="1">
-                <a:schemeClr val="accent1"/>
-              </a:fillRef>
-              <a:effectRef idx="0">
-                <a:schemeClr val="accent1"/>
-              </a:effectRef>
-              <a:fontRef idx="minor">
-                <a:schemeClr val="lt1"/>
-              </a:fontRef>
-            </p:style>
-            <p:txBody>
-              <a:bodyPr rtlCol="0" anchor="ctr"/>
-              <a:lstStyle/>
-              <a:p>
-                <a:pPr algn="ctr"/>
-                <a:endParaRPr lang="de-DE">
-                  <a:latin typeface="CMU Bright" panose="02000603000000000000" pitchFamily="2" charset="0"/>
-                  <a:ea typeface="CMU Bright" panose="02000603000000000000" pitchFamily="2" charset="0"/>
-                  <a:cs typeface="CMU Bright" panose="02000603000000000000" pitchFamily="2" charset="0"/>
-                </a:endParaRPr>
-              </a:p>
-            </p:txBody>
-          </p:sp>
-          <p:sp>
-            <p:nvSpPr>
-              <p:cNvPr id="35" name="Textfeld 34">
-                <a:extLst>
-                  <a:ext uri="{FF2B5EF4-FFF2-40B4-BE49-F238E27FC236}">
-                    <a16:creationId xmlns:a16="http://schemas.microsoft.com/office/drawing/2014/main" id="{2CFFD268-AA62-42BF-81C7-F2EF20A8F80A}"/>
-                  </a:ext>
-                </a:extLst>
-              </p:cNvPr>
-              <p:cNvSpPr txBox="1"/>
-              <p:nvPr/>
-            </p:nvSpPr>
-            <p:spPr>
-              <a:xfrm>
-                <a:off x="6878466" y="5915263"/>
-                <a:ext cx="3207929" cy="292388"/>
-              </a:xfrm>
-              <a:prstGeom prst="rect">
-                <a:avLst/>
-              </a:prstGeom>
-              <a:noFill/>
-            </p:spPr>
-            <p:txBody>
-              <a:bodyPr wrap="none" rtlCol="0">
-                <a:spAutoFit/>
-              </a:bodyPr>
-              <a:lstStyle/>
-              <a:p>
-                <a:r>
-                  <a:rPr lang="de-DE" sz="1300" dirty="0">
-                    <a:latin typeface="CMU Bright" panose="02000603000000000000" pitchFamily="2" charset="0"/>
-                    <a:ea typeface="CMU Bright" panose="02000603000000000000" pitchFamily="2" charset="0"/>
-                    <a:cs typeface="CMU Bright" panose="02000603000000000000" pitchFamily="2" charset="0"/>
-                  </a:rPr>
-                  <a:t>Wahrer, aber unbekannter, Parameterwert</a:t>
-                </a:r>
-              </a:p>
-            </p:txBody>
-          </p:sp>
-          <mc:AlternateContent xmlns:mc="http://schemas.openxmlformats.org/markup-compatibility/2006" xmlns:a14="http://schemas.microsoft.com/office/drawing/2010/main">
-            <mc:Choice Requires="a14">
-              <p:sp>
-                <p:nvSpPr>
-                  <p:cNvPr id="2" name="Textfeld 1">
-                    <a:extLst>
-                      <a:ext uri="{FF2B5EF4-FFF2-40B4-BE49-F238E27FC236}">
-                        <a16:creationId xmlns:a16="http://schemas.microsoft.com/office/drawing/2014/main" id="{07D55458-A67C-491C-892F-B0E784DF44C9}"/>
-                      </a:ext>
-                    </a:extLst>
-                  </p:cNvPr>
-                  <p:cNvSpPr txBox="1"/>
-                  <p:nvPr/>
-                </p:nvSpPr>
-                <p:spPr>
-                  <a:xfrm>
-                    <a:off x="4460555" y="3690598"/>
-                    <a:ext cx="1505027" cy="323165"/>
-                  </a:xfrm>
-                  <a:prstGeom prst="rect">
-                    <a:avLst/>
-                  </a:prstGeom>
-                  <a:noFill/>
-                </p:spPr>
-                <p:txBody>
-                  <a:bodyPr wrap="none" rtlCol="0">
-                    <a:spAutoFit/>
-                  </a:bodyPr>
-                  <a:lstStyle/>
-                  <a:p>
-                    <a:pPr/>
-                    <a14:m>
-                      <m:oMathPara xmlns:m="http://schemas.openxmlformats.org/officeDocument/2006/math">
-                        <m:oMathParaPr>
-                          <m:jc m:val="centerGroup"/>
-                        </m:oMathParaPr>
-                        <m:oMath xmlns:m="http://schemas.openxmlformats.org/officeDocument/2006/math">
-                          <m:r>
-                            <a:rPr lang="de-DE" sz="1500" i="1">
-                              <a:latin typeface="Cambria Math" panose="02040503050406030204" pitchFamily="18" charset="0"/>
-                            </a:rPr>
-                            <m:t>𝑋</m:t>
-                          </m:r>
-                          <m:r>
-                            <a:rPr lang="de-DE" sz="1500" i="1">
-                              <a:latin typeface="Cambria Math" panose="02040503050406030204" pitchFamily="18" charset="0"/>
-                            </a:rPr>
-                            <m:t>=(</m:t>
-                          </m:r>
-                          <m:sSub>
-                            <m:sSubPr>
-                              <m:ctrlPr>
-                                <a:rPr lang="de-DE" sz="1500" i="1">
-                                  <a:latin typeface="Cambria Math" panose="02040503050406030204" pitchFamily="18" charset="0"/>
-                                </a:rPr>
-                              </m:ctrlPr>
-                            </m:sSubPr>
-                            <m:e>
-                              <m:r>
-                                <a:rPr lang="de-DE" sz="1500" i="1">
-                                  <a:latin typeface="Cambria Math" panose="02040503050406030204" pitchFamily="18" charset="0"/>
-                                </a:rPr>
-                                <m:t>𝑋</m:t>
-                              </m:r>
-                            </m:e>
-                            <m:sub>
-                              <m:r>
-                                <a:rPr lang="de-DE" sz="1500" i="1">
-                                  <a:latin typeface="Cambria Math" panose="02040503050406030204" pitchFamily="18" charset="0"/>
-                                </a:rPr>
-                                <m:t>1</m:t>
-                              </m:r>
-                            </m:sub>
-                          </m:sSub>
-                          <m:r>
-                            <a:rPr lang="de-DE" sz="1500" i="1">
-                              <a:latin typeface="Cambria Math" panose="02040503050406030204" pitchFamily="18" charset="0"/>
-                            </a:rPr>
-                            <m:t>,…,</m:t>
-                          </m:r>
-                          <m:sSub>
-                            <m:sSubPr>
-                              <m:ctrlPr>
-                                <a:rPr lang="de-DE" sz="1500" i="1">
-                                  <a:latin typeface="Cambria Math" panose="02040503050406030204" pitchFamily="18" charset="0"/>
-                                </a:rPr>
-                              </m:ctrlPr>
-                            </m:sSubPr>
-                            <m:e>
-                              <m:r>
-                                <a:rPr lang="de-DE" sz="1500" i="1">
-                                  <a:latin typeface="Cambria Math" panose="02040503050406030204" pitchFamily="18" charset="0"/>
-                                </a:rPr>
-                                <m:t>𝑋</m:t>
-                              </m:r>
-                            </m:e>
-                            <m:sub>
-                              <m:r>
-                                <a:rPr lang="de-DE" sz="1500" i="1">
-                                  <a:latin typeface="Cambria Math" panose="02040503050406030204" pitchFamily="18" charset="0"/>
-                                </a:rPr>
-                                <m:t>𝑛</m:t>
-                              </m:r>
-                            </m:sub>
-                          </m:sSub>
-                          <m:r>
-                            <a:rPr lang="de-DE" sz="1500" i="1">
-                              <a:latin typeface="Cambria Math" panose="02040503050406030204" pitchFamily="18" charset="0"/>
-                            </a:rPr>
-                            <m:t>)</m:t>
-                          </m:r>
-                        </m:oMath>
-                      </m:oMathPara>
-                    </a14:m>
-                    <a:endParaRPr lang="en-GB" sz="1500" dirty="0"/>
-                  </a:p>
-                </p:txBody>
-              </p:sp>
-            </mc:Choice>
-            <mc:Fallback xmlns="">
-              <p:sp>
-                <p:nvSpPr>
-                  <p:cNvPr id="2" name="Textfeld 1">
-                    <a:extLst>
-                      <a:ext uri="{FF2B5EF4-FFF2-40B4-BE49-F238E27FC236}">
-                        <a16:creationId xmlns:a16="http://schemas.microsoft.com/office/drawing/2014/main" id="{07D55458-A67C-491C-892F-B0E784DF44C9}"/>
-                      </a:ext>
-                    </a:extLst>
-                  </p:cNvPr>
-                  <p:cNvSpPr txBox="1">
-                    <a:spLocks noRot="1" noChangeAspect="1" noMove="1" noResize="1" noEditPoints="1" noAdjustHandles="1" noChangeArrowheads="1" noChangeShapeType="1" noTextEdit="1"/>
-                  </p:cNvSpPr>
-                  <p:nvPr/>
-                </p:nvSpPr>
-                <p:spPr>
-                  <a:xfrm>
-                    <a:off x="4460555" y="3690598"/>
-                    <a:ext cx="1505027" cy="323165"/>
-                  </a:xfrm>
-                  <a:prstGeom prst="rect">
-                    <a:avLst/>
-                  </a:prstGeom>
-                  <a:blipFill>
-                    <a:blip r:embed="rId16"/>
-                    <a:stretch>
-                      <a:fillRect b="-11321"/>
-                    </a:stretch>
-                  </a:blipFill>
-                </p:spPr>
-                <p:txBody>
-                  <a:bodyPr/>
-                  <a:lstStyle/>
-                  <a:p>
-                    <a:r>
-                      <a:rPr lang="en-GB">
-                        <a:noFill/>
-                      </a:rPr>
-                      <a:t> </a:t>
-                    </a:r>
-                  </a:p>
-                </p:txBody>
-              </p:sp>
-            </mc:Fallback>
-          </mc:AlternateContent>
-          <p:sp>
-            <p:nvSpPr>
-              <p:cNvPr id="3" name="Textfeld 2">
-                <a:extLst>
-                  <a:ext uri="{FF2B5EF4-FFF2-40B4-BE49-F238E27FC236}">
-                    <a16:creationId xmlns:a16="http://schemas.microsoft.com/office/drawing/2014/main" id="{4E835558-28B7-42F0-9443-31A46EF7D380}"/>
-                  </a:ext>
-                </a:extLst>
-              </p:cNvPr>
-              <p:cNvSpPr txBox="1"/>
-              <p:nvPr/>
-            </p:nvSpPr>
-            <p:spPr>
-              <a:xfrm>
-                <a:off x="4705463" y="3224848"/>
-                <a:ext cx="1072730" cy="338554"/>
-              </a:xfrm>
-              <a:prstGeom prst="rect">
-                <a:avLst/>
-              </a:prstGeom>
-              <a:noFill/>
-            </p:spPr>
-            <p:txBody>
-              <a:bodyPr wrap="none" rtlCol="0">
-                <a:spAutoFit/>
-              </a:bodyPr>
-              <a:lstStyle/>
-              <a:p>
-                <a:r>
-                  <a:rPr lang="de-DE" sz="1600" dirty="0">
-                    <a:latin typeface="CMU Bright" panose="02000603000000000000" pitchFamily="2" charset="0"/>
-                    <a:ea typeface="CMU Bright" panose="02000603000000000000" pitchFamily="2" charset="0"/>
-                    <a:cs typeface="CMU Bright" panose="02000603000000000000" pitchFamily="2" charset="0"/>
-                  </a:rPr>
-                  <a:t>Datensatz</a:t>
-                </a:r>
-                <a:endParaRPr lang="en-GB" sz="1600" dirty="0">
-                  <a:latin typeface="CMU Bright" panose="02000603000000000000" pitchFamily="2" charset="0"/>
-                  <a:ea typeface="CMU Bright" panose="02000603000000000000" pitchFamily="2" charset="0"/>
-                  <a:cs typeface="CMU Bright" panose="02000603000000000000" pitchFamily="2" charset="0"/>
-                </a:endParaRPr>
-              </a:p>
-            </p:txBody>
-          </p:sp>
-          <p:cxnSp>
-            <p:nvCxnSpPr>
-              <p:cNvPr id="13" name="Gerade Verbindung mit Pfeil 12">
-                <a:extLst>
-                  <a:ext uri="{FF2B5EF4-FFF2-40B4-BE49-F238E27FC236}">
-                    <a16:creationId xmlns:a16="http://schemas.microsoft.com/office/drawing/2014/main" id="{E776F3DC-C1EF-4E59-A287-8ADABA9D70F4}"/>
-                  </a:ext>
-                </a:extLst>
-              </p:cNvPr>
-              <p:cNvCxnSpPr/>
-              <p:nvPr/>
-            </p:nvCxnSpPr>
-            <p:spPr>
-              <a:xfrm flipV="1">
-                <a:off x="5999017" y="2860646"/>
-                <a:ext cx="273321" cy="358387"/>
-              </a:xfrm>
-              <a:prstGeom prst="straightConnector1">
-                <a:avLst/>
-              </a:prstGeom>
-              <a:ln>
-                <a:solidFill>
-                  <a:schemeClr val="tx1"/>
-                </a:solidFill>
-                <a:tailEnd type="triangle"/>
-              </a:ln>
-            </p:spPr>
-            <p:style>
-              <a:lnRef idx="1">
-                <a:schemeClr val="accent1"/>
-              </a:lnRef>
-              <a:fillRef idx="0">
-                <a:schemeClr val="accent1"/>
-              </a:fillRef>
-              <a:effectRef idx="0">
-                <a:schemeClr val="accent1"/>
-              </a:effectRef>
-              <a:fontRef idx="minor">
-                <a:schemeClr val="tx1"/>
-              </a:fontRef>
-            </p:style>
-          </p:cxnSp>
-          <p:cxnSp>
-            <p:nvCxnSpPr>
-              <p:cNvPr id="45" name="Gerade Verbindung mit Pfeil 44">
-                <a:extLst>
-                  <a:ext uri="{FF2B5EF4-FFF2-40B4-BE49-F238E27FC236}">
-                    <a16:creationId xmlns:a16="http://schemas.microsoft.com/office/drawing/2014/main" id="{6E61805D-D393-4D4F-B0C6-256475029FE1}"/>
-                  </a:ext>
-                </a:extLst>
-              </p:cNvPr>
-              <p:cNvCxnSpPr>
-                <a:cxnSpLocks/>
-              </p:cNvCxnSpPr>
-              <p:nvPr/>
-            </p:nvCxnSpPr>
-            <p:spPr>
-              <a:xfrm>
-                <a:off x="5999017" y="4614771"/>
-                <a:ext cx="273321" cy="358387"/>
-              </a:xfrm>
-              <a:prstGeom prst="straightConnector1">
-                <a:avLst/>
-              </a:prstGeom>
-              <a:ln>
-                <a:solidFill>
-                  <a:schemeClr val="tx1"/>
-                </a:solidFill>
-                <a:tailEnd type="triangle"/>
-              </a:ln>
-            </p:spPr>
-            <p:style>
-              <a:lnRef idx="1">
-                <a:schemeClr val="accent1"/>
-              </a:lnRef>
-              <a:fillRef idx="0">
-                <a:schemeClr val="accent1"/>
-              </a:fillRef>
-              <a:effectRef idx="0">
-                <a:schemeClr val="accent1"/>
-              </a:effectRef>
-              <a:fontRef idx="minor">
-                <a:schemeClr val="tx1"/>
-              </a:fontRef>
-            </p:style>
-          </p:cxnSp>
-          <p:cxnSp>
-            <p:nvCxnSpPr>
-              <p:cNvPr id="46" name="Gerade Verbindung mit Pfeil 45">
-                <a:extLst>
-                  <a:ext uri="{FF2B5EF4-FFF2-40B4-BE49-F238E27FC236}">
-                    <a16:creationId xmlns:a16="http://schemas.microsoft.com/office/drawing/2014/main" id="{FDC56A72-EFE7-4CAB-A6F8-F61341C27BE8}"/>
-                  </a:ext>
-                </a:extLst>
-              </p:cNvPr>
-              <p:cNvCxnSpPr>
-                <a:cxnSpLocks/>
-              </p:cNvCxnSpPr>
-              <p:nvPr/>
-            </p:nvCxnSpPr>
-            <p:spPr>
-              <a:xfrm>
-                <a:off x="5999017" y="3839521"/>
-                <a:ext cx="351907" cy="240"/>
-              </a:xfrm>
-              <a:prstGeom prst="straightConnector1">
-                <a:avLst/>
-              </a:prstGeom>
-              <a:ln>
-                <a:solidFill>
-                  <a:schemeClr val="tx1"/>
-                </a:solidFill>
-                <a:tailEnd type="triangle"/>
-              </a:ln>
-            </p:spPr>
-            <p:style>
-              <a:lnRef idx="1">
-                <a:schemeClr val="accent1"/>
-              </a:lnRef>
-              <a:fillRef idx="0">
-                <a:schemeClr val="accent1"/>
-              </a:fillRef>
-              <a:effectRef idx="0">
-                <a:schemeClr val="accent1"/>
-              </a:effectRef>
-              <a:fontRef idx="minor">
-                <a:schemeClr val="tx1"/>
-              </a:fontRef>
-            </p:style>
-          </p:cxnSp>
-          <p:cxnSp>
-            <p:nvCxnSpPr>
-              <p:cNvPr id="51" name="Gerade Verbindung mit Pfeil 50">
-                <a:extLst>
-                  <a:ext uri="{FF2B5EF4-FFF2-40B4-BE49-F238E27FC236}">
-                    <a16:creationId xmlns:a16="http://schemas.microsoft.com/office/drawing/2014/main" id="{0A7C1E22-5EA9-42F2-8F16-5FA2B5F3175A}"/>
-                  </a:ext>
-                </a:extLst>
-              </p:cNvPr>
-              <p:cNvCxnSpPr>
-                <a:cxnSpLocks/>
-              </p:cNvCxnSpPr>
-              <p:nvPr/>
-            </p:nvCxnSpPr>
-            <p:spPr>
-              <a:xfrm>
-                <a:off x="3910483" y="3852090"/>
-                <a:ext cx="351907" cy="240"/>
-              </a:xfrm>
-              <a:prstGeom prst="straightConnector1">
-                <a:avLst/>
-              </a:prstGeom>
-              <a:ln>
-                <a:solidFill>
-                  <a:schemeClr val="tx1"/>
-                </a:solidFill>
-                <a:tailEnd type="triangle"/>
-              </a:ln>
-            </p:spPr>
-            <p:style>
-              <a:lnRef idx="1">
-                <a:schemeClr val="accent1"/>
-              </a:lnRef>
-              <a:fillRef idx="0">
-                <a:schemeClr val="accent1"/>
-              </a:fillRef>
-              <a:effectRef idx="0">
-                <a:schemeClr val="accent1"/>
-              </a:effectRef>
-              <a:fontRef idx="minor">
-                <a:schemeClr val="tx1"/>
-              </a:fontRef>
-            </p:style>
-          </p:cxnSp>
-          <mc:AlternateContent xmlns:mc="http://schemas.openxmlformats.org/markup-compatibility/2006">
-            <mc:Choice xmlns:a14="http://schemas.microsoft.com/office/drawing/2010/main" Requires="a14">
-              <p:sp>
-                <p:nvSpPr>
-                  <p:cNvPr id="52" name="Rechteck 51">
-                    <a:extLst>
-                      <a:ext uri="{FF2B5EF4-FFF2-40B4-BE49-F238E27FC236}">
-                        <a16:creationId xmlns:a16="http://schemas.microsoft.com/office/drawing/2014/main" id="{E0253205-1AAE-4669-B057-8B3BC5C02532}"/>
-                      </a:ext>
-                    </a:extLst>
-                  </p:cNvPr>
-                  <p:cNvSpPr/>
-                  <p:nvPr/>
-                </p:nvSpPr>
-                <p:spPr>
-                  <a:xfrm>
-                    <a:off x="3826557" y="3209459"/>
-                    <a:ext cx="519758" cy="369332"/>
-                  </a:xfrm>
-                  <a:prstGeom prst="rect">
-                    <a:avLst/>
-                  </a:prstGeom>
-                </p:spPr>
-                <p:txBody>
-                  <a:bodyPr wrap="none">
-                    <a:spAutoFit/>
-                  </a:bodyPr>
-                  <a:lstStyle/>
-                  <a:p>
-                    <a:pPr/>
-                    <a14:m>
-                      <m:oMathPara xmlns:m="http://schemas.openxmlformats.org/officeDocument/2006/math">
-                        <m:oMathParaPr>
-                          <m:jc m:val="centerGroup"/>
-                        </m:oMathParaPr>
-                        <m:oMath xmlns:m="http://schemas.openxmlformats.org/officeDocument/2006/math">
-                          <m:sSub>
-                            <m:sSubPr>
-                              <m:ctrlPr>
-                                <a:rPr lang="de-DE" i="1">
-                                  <a:latin typeface="Cambria Math" panose="02040503050406030204" pitchFamily="18" charset="0"/>
-                                </a:rPr>
-                              </m:ctrlPr>
-                            </m:sSubPr>
-                            <m:e>
-                              <m:r>
-                                <a:rPr lang="de-DE" i="1">
-                                  <a:latin typeface="Cambria Math" panose="02040503050406030204" pitchFamily="18" charset="0"/>
-                                </a:rPr>
-                                <m:t>ℙ</m:t>
-                              </m:r>
-                            </m:e>
-                            <m:sub>
-                              <m:r>
-                                <a:rPr lang="de-DE" i="1">
-                                  <a:latin typeface="Cambria Math" panose="02040503050406030204" pitchFamily="18" charset="0"/>
-                                </a:rPr>
-                                <m:t>𝜃</m:t>
-                              </m:r>
-                            </m:sub>
-                          </m:sSub>
-                        </m:oMath>
-                      </m:oMathPara>
-                    </a14:m>
-                    <a:endParaRPr lang="en-GB" dirty="0"/>
-                  </a:p>
-                </p:txBody>
-              </p:sp>
-            </mc:Choice>
-            <mc:Fallback>
-              <p:sp>
-                <p:nvSpPr>
-                  <p:cNvPr id="52" name="Rechteck 51">
-                    <a:extLst>
-                      <a:ext uri="{FF2B5EF4-FFF2-40B4-BE49-F238E27FC236}">
-                        <a16:creationId xmlns:a16="http://schemas.microsoft.com/office/drawing/2014/main" id="{E0253205-1AAE-4669-B057-8B3BC5C02532}"/>
-                      </a:ext>
-                    </a:extLst>
-                  </p:cNvPr>
-                  <p:cNvSpPr>
-                    <a:spLocks noRot="1" noChangeAspect="1" noMove="1" noResize="1" noEditPoints="1" noAdjustHandles="1" noChangeArrowheads="1" noChangeShapeType="1" noTextEdit="1"/>
-                  </p:cNvSpPr>
-                  <p:nvPr/>
-                </p:nvSpPr>
-                <p:spPr>
-                  <a:xfrm>
-                    <a:off x="3826557" y="3209459"/>
-                    <a:ext cx="519758" cy="369332"/>
-                  </a:xfrm>
-                  <a:prstGeom prst="rect">
-                    <a:avLst/>
-                  </a:prstGeom>
-                  <a:blipFill>
-                    <a:blip r:embed="rId17"/>
-                    <a:stretch>
-                      <a:fillRect/>
-                    </a:stretch>
-                  </a:blipFill>
-                </p:spPr>
-                <p:txBody>
-                  <a:bodyPr/>
-                  <a:lstStyle/>
-                  <a:p>
-                    <a:r>
-                      <a:rPr lang="en-GB">
-                        <a:noFill/>
-                      </a:rPr>
-                      <a:t> </a:t>
-                    </a:r>
-                  </a:p>
-                </p:txBody>
-              </p:sp>
-            </mc:Fallback>
-          </mc:AlternateContent>
-        </p:grpSp>
-      </p:grpSp>
+        </mc:Fallback>
+      </mc:AlternateContent>
+      <p:sp>
+        <p:nvSpPr>
+          <p:cNvPr id="7" name="Textfeld 6">
+            <a:extLst>
+              <a:ext uri="{FF2B5EF4-FFF2-40B4-BE49-F238E27FC236}">
+                <a16:creationId xmlns:a16="http://schemas.microsoft.com/office/drawing/2014/main" id="{A759A280-D1E1-F0EC-D18C-3BEFDF57123E}"/>
+              </a:ext>
+            </a:extLst>
+          </p:cNvPr>
+          <p:cNvSpPr txBox="1"/>
+          <p:nvPr/>
+        </p:nvSpPr>
+        <p:spPr>
+          <a:xfrm>
+            <a:off x="373459" y="4822776"/>
+            <a:ext cx="954107" cy="369332"/>
+          </a:xfrm>
+          <a:prstGeom prst="rect">
+            <a:avLst/>
+          </a:prstGeom>
+          <a:noFill/>
+        </p:spPr>
+        <p:txBody>
+          <a:bodyPr wrap="none" rtlCol="0">
+            <a:spAutoFit/>
+          </a:bodyPr>
+          <a:lstStyle/>
+          <a:p>
+            <a:pPr algn="ctr"/>
+            <a:r>
+              <a:rPr lang="de-DE" dirty="0">
+                <a:latin typeface="CMU Bright" panose="02000603000000000000" pitchFamily="2" charset="0"/>
+                <a:ea typeface="CMU Bright" panose="02000603000000000000" pitchFamily="2" charset="0"/>
+                <a:cs typeface="CMU Bright" panose="02000603000000000000" pitchFamily="2" charset="0"/>
+              </a:rPr>
+              <a:t>Realität</a:t>
+            </a:r>
+          </a:p>
+        </p:txBody>
+      </p:sp>
+      <p:cxnSp>
+        <p:nvCxnSpPr>
+          <p:cNvPr id="27" name="Gerade Verbindung mit Pfeil 26">
+            <a:extLst>
+              <a:ext uri="{FF2B5EF4-FFF2-40B4-BE49-F238E27FC236}">
+                <a16:creationId xmlns:a16="http://schemas.microsoft.com/office/drawing/2014/main" id="{F01D9300-6165-D1E7-A67A-4CC4598BCFD7}"/>
+              </a:ext>
+            </a:extLst>
+          </p:cNvPr>
+          <p:cNvCxnSpPr/>
+          <p:nvPr/>
+        </p:nvCxnSpPr>
+        <p:spPr>
+          <a:xfrm>
+            <a:off x="3871909" y="929151"/>
+            <a:ext cx="0" cy="4077307"/>
+          </a:xfrm>
+          <a:prstGeom prst="straightConnector1">
+            <a:avLst/>
+          </a:prstGeom>
+          <a:ln w="3175">
+            <a:solidFill>
+              <a:schemeClr val="tx1"/>
+            </a:solidFill>
+            <a:headEnd type="none" w="med" len="med"/>
+            <a:tailEnd type="none" w="med" len="med"/>
+          </a:ln>
+        </p:spPr>
+        <p:style>
+          <a:lnRef idx="1">
+            <a:schemeClr val="accent1"/>
+          </a:lnRef>
+          <a:fillRef idx="0">
+            <a:schemeClr val="accent1"/>
+          </a:fillRef>
+          <a:effectRef idx="0">
+            <a:schemeClr val="accent1"/>
+          </a:effectRef>
+          <a:fontRef idx="minor">
+            <a:schemeClr val="tx1"/>
+          </a:fontRef>
+        </p:style>
+      </p:cxnSp>
+      <p:sp>
+        <p:nvSpPr>
+          <p:cNvPr id="29" name="Textfeld 28">
+            <a:extLst>
+              <a:ext uri="{FF2B5EF4-FFF2-40B4-BE49-F238E27FC236}">
+                <a16:creationId xmlns:a16="http://schemas.microsoft.com/office/drawing/2014/main" id="{2062F33C-0438-162C-9797-AD42BC7BB550}"/>
+              </a:ext>
+            </a:extLst>
+          </p:cNvPr>
+          <p:cNvSpPr txBox="1"/>
+          <p:nvPr/>
+        </p:nvSpPr>
+        <p:spPr>
+          <a:xfrm>
+            <a:off x="4166697" y="4822776"/>
+            <a:ext cx="1465466" cy="369332"/>
+          </a:xfrm>
+          <a:prstGeom prst="rect">
+            <a:avLst/>
+          </a:prstGeom>
+          <a:noFill/>
+        </p:spPr>
+        <p:txBody>
+          <a:bodyPr wrap="none" rtlCol="0">
+            <a:spAutoFit/>
+          </a:bodyPr>
+          <a:lstStyle/>
+          <a:p>
+            <a:pPr algn="ctr"/>
+            <a:r>
+              <a:rPr lang="de-DE" dirty="0">
+                <a:latin typeface="CMU Bright" panose="02000603000000000000" pitchFamily="2" charset="0"/>
+                <a:ea typeface="CMU Bright" panose="02000603000000000000" pitchFamily="2" charset="0"/>
+                <a:cs typeface="CMU Bright" panose="02000603000000000000" pitchFamily="2" charset="0"/>
+              </a:rPr>
+              <a:t>Wissenschaft</a:t>
+            </a:r>
+          </a:p>
+        </p:txBody>
+      </p:sp>
     </p:spTree>
     <p:extLst>
       <p:ext uri="{BB962C8B-B14F-4D97-AF65-F5344CB8AC3E}">
